--- a/intro-to-workshop.pptx
+++ b/intro-to-workshop.pptx
@@ -7,6 +7,12 @@
   <p:sldIdLst>
     <p:sldId id="256" r:id="rId2"/>
     <p:sldId id="257" r:id="rId3"/>
+    <p:sldId id="261" r:id="rId4"/>
+    <p:sldId id="262" r:id="rId5"/>
+    <p:sldId id="263" r:id="rId6"/>
+    <p:sldId id="264" r:id="rId7"/>
+    <p:sldId id="265" r:id="rId8"/>
+    <p:sldId id="266" r:id="rId9"/>
   </p:sldIdLst>
   <p:sldSz cx="12192000" cy="6858000"/>
   <p:notesSz cx="6858000" cy="9144000"/>
@@ -105,7 +111,2861 @@
       </a:defRPr>
     </a:lvl9pPr>
   </p:defaultTextStyle>
+  <p:extLst>
+    <p:ext uri="{EFAFB233-063F-42B5-8137-9DF3F51BA10A}">
+      <p15:sldGuideLst xmlns:p15="http://schemas.microsoft.com/office/powerpoint/2012/main"/>
+    </p:ext>
+  </p:extLst>
 </p:presentation>
+</file>
+
+<file path=ppt/diagrams/colors1.xml><?xml version="1.0" encoding="utf-8"?>
+<dgm:colorsDef xmlns:dgm="http://schemas.openxmlformats.org/drawingml/2006/diagram" xmlns:a="http://schemas.openxmlformats.org/drawingml/2006/main" uniqueId="urn:microsoft.com/office/officeart/2005/8/colors/accent1_2">
+  <dgm:title val=""/>
+  <dgm:desc val=""/>
+  <dgm:catLst>
+    <dgm:cat type="accent1" pri="11200"/>
+  </dgm:catLst>
+  <dgm:styleLbl name="node0">
+    <dgm:fillClrLst meth="repeat">
+      <a:schemeClr val="accent1"/>
+    </dgm:fillClrLst>
+    <dgm:linClrLst meth="repeat">
+      <a:schemeClr val="lt1"/>
+    </dgm:linClrLst>
+    <dgm:effectClrLst/>
+    <dgm:txLinClrLst/>
+    <dgm:txFillClrLst/>
+    <dgm:txEffectClrLst/>
+  </dgm:styleLbl>
+  <dgm:styleLbl name="alignNode1">
+    <dgm:fillClrLst meth="repeat">
+      <a:schemeClr val="accent1"/>
+    </dgm:fillClrLst>
+    <dgm:linClrLst meth="repeat">
+      <a:schemeClr val="accent1"/>
+    </dgm:linClrLst>
+    <dgm:effectClrLst/>
+    <dgm:txLinClrLst/>
+    <dgm:txFillClrLst/>
+    <dgm:txEffectClrLst/>
+  </dgm:styleLbl>
+  <dgm:styleLbl name="node1">
+    <dgm:fillClrLst meth="repeat">
+      <a:schemeClr val="accent1"/>
+    </dgm:fillClrLst>
+    <dgm:linClrLst meth="repeat">
+      <a:schemeClr val="lt1"/>
+    </dgm:linClrLst>
+    <dgm:effectClrLst/>
+    <dgm:txLinClrLst/>
+    <dgm:txFillClrLst/>
+    <dgm:txEffectClrLst/>
+  </dgm:styleLbl>
+  <dgm:styleLbl name="lnNode1">
+    <dgm:fillClrLst meth="repeat">
+      <a:schemeClr val="accent1"/>
+    </dgm:fillClrLst>
+    <dgm:linClrLst meth="repeat">
+      <a:schemeClr val="lt1"/>
+    </dgm:linClrLst>
+    <dgm:effectClrLst/>
+    <dgm:txLinClrLst/>
+    <dgm:txFillClrLst/>
+    <dgm:txEffectClrLst/>
+  </dgm:styleLbl>
+  <dgm:styleLbl name="vennNode1">
+    <dgm:fillClrLst meth="repeat">
+      <a:schemeClr val="accent1">
+        <a:alpha val="50000"/>
+      </a:schemeClr>
+    </dgm:fillClrLst>
+    <dgm:linClrLst meth="repeat">
+      <a:schemeClr val="lt1"/>
+    </dgm:linClrLst>
+    <dgm:effectClrLst/>
+    <dgm:txLinClrLst/>
+    <dgm:txFillClrLst/>
+    <dgm:txEffectClrLst/>
+  </dgm:styleLbl>
+  <dgm:styleLbl name="node2">
+    <dgm:fillClrLst meth="repeat">
+      <a:schemeClr val="accent1"/>
+    </dgm:fillClrLst>
+    <dgm:linClrLst meth="repeat">
+      <a:schemeClr val="lt1"/>
+    </dgm:linClrLst>
+    <dgm:effectClrLst/>
+    <dgm:txLinClrLst/>
+    <dgm:txFillClrLst/>
+    <dgm:txEffectClrLst/>
+  </dgm:styleLbl>
+  <dgm:styleLbl name="node3">
+    <dgm:fillClrLst meth="repeat">
+      <a:schemeClr val="accent1"/>
+    </dgm:fillClrLst>
+    <dgm:linClrLst meth="repeat">
+      <a:schemeClr val="lt1"/>
+    </dgm:linClrLst>
+    <dgm:effectClrLst/>
+    <dgm:txLinClrLst/>
+    <dgm:txFillClrLst/>
+    <dgm:txEffectClrLst/>
+  </dgm:styleLbl>
+  <dgm:styleLbl name="node4">
+    <dgm:fillClrLst meth="repeat">
+      <a:schemeClr val="accent1"/>
+    </dgm:fillClrLst>
+    <dgm:linClrLst meth="repeat">
+      <a:schemeClr val="lt1"/>
+    </dgm:linClrLst>
+    <dgm:effectClrLst/>
+    <dgm:txLinClrLst/>
+    <dgm:txFillClrLst/>
+    <dgm:txEffectClrLst/>
+  </dgm:styleLbl>
+  <dgm:styleLbl name="fgImgPlace1">
+    <dgm:fillClrLst meth="repeat">
+      <a:schemeClr val="accent1">
+        <a:tint val="50000"/>
+      </a:schemeClr>
+    </dgm:fillClrLst>
+    <dgm:linClrLst meth="repeat">
+      <a:schemeClr val="lt1"/>
+    </dgm:linClrLst>
+    <dgm:effectClrLst/>
+    <dgm:txLinClrLst/>
+    <dgm:txFillClrLst meth="repeat">
+      <a:schemeClr val="lt1"/>
+    </dgm:txFillClrLst>
+    <dgm:txEffectClrLst/>
+  </dgm:styleLbl>
+  <dgm:styleLbl name="alignImgPlace1">
+    <dgm:fillClrLst meth="repeat">
+      <a:schemeClr val="accent1">
+        <a:tint val="50000"/>
+      </a:schemeClr>
+    </dgm:fillClrLst>
+    <dgm:linClrLst meth="repeat">
+      <a:schemeClr val="lt1"/>
+    </dgm:linClrLst>
+    <dgm:effectClrLst/>
+    <dgm:txLinClrLst/>
+    <dgm:txFillClrLst meth="repeat">
+      <a:schemeClr val="lt1"/>
+    </dgm:txFillClrLst>
+    <dgm:txEffectClrLst/>
+  </dgm:styleLbl>
+  <dgm:styleLbl name="bgImgPlace1">
+    <dgm:fillClrLst meth="repeat">
+      <a:schemeClr val="accent1">
+        <a:tint val="50000"/>
+      </a:schemeClr>
+    </dgm:fillClrLst>
+    <dgm:linClrLst meth="repeat">
+      <a:schemeClr val="lt1"/>
+    </dgm:linClrLst>
+    <dgm:effectClrLst/>
+    <dgm:txLinClrLst/>
+    <dgm:txFillClrLst meth="repeat">
+      <a:schemeClr val="lt1"/>
+    </dgm:txFillClrLst>
+    <dgm:txEffectClrLst/>
+  </dgm:styleLbl>
+  <dgm:styleLbl name="sibTrans2D1">
+    <dgm:fillClrLst meth="repeat">
+      <a:schemeClr val="accent1">
+        <a:tint val="60000"/>
+      </a:schemeClr>
+    </dgm:fillClrLst>
+    <dgm:linClrLst meth="repeat">
+      <a:schemeClr val="accent1">
+        <a:tint val="60000"/>
+      </a:schemeClr>
+    </dgm:linClrLst>
+    <dgm:effectClrLst/>
+    <dgm:txLinClrLst/>
+    <dgm:txFillClrLst/>
+    <dgm:txEffectClrLst/>
+  </dgm:styleLbl>
+  <dgm:styleLbl name="fgSibTrans2D1">
+    <dgm:fillClrLst meth="repeat">
+      <a:schemeClr val="accent1">
+        <a:tint val="60000"/>
+      </a:schemeClr>
+    </dgm:fillClrLst>
+    <dgm:linClrLst meth="repeat">
+      <a:schemeClr val="accent1">
+        <a:tint val="60000"/>
+      </a:schemeClr>
+    </dgm:linClrLst>
+    <dgm:effectClrLst/>
+    <dgm:txLinClrLst/>
+    <dgm:txFillClrLst/>
+    <dgm:txEffectClrLst/>
+  </dgm:styleLbl>
+  <dgm:styleLbl name="bgSibTrans2D1">
+    <dgm:fillClrLst meth="repeat">
+      <a:schemeClr val="accent1">
+        <a:tint val="60000"/>
+      </a:schemeClr>
+    </dgm:fillClrLst>
+    <dgm:linClrLst meth="repeat">
+      <a:schemeClr val="accent1">
+        <a:tint val="60000"/>
+      </a:schemeClr>
+    </dgm:linClrLst>
+    <dgm:effectClrLst/>
+    <dgm:txLinClrLst/>
+    <dgm:txFillClrLst/>
+    <dgm:txEffectClrLst/>
+  </dgm:styleLbl>
+  <dgm:styleLbl name="sibTrans1D1">
+    <dgm:fillClrLst meth="repeat">
+      <a:schemeClr val="accent1"/>
+    </dgm:fillClrLst>
+    <dgm:linClrLst meth="repeat">
+      <a:schemeClr val="accent1"/>
+    </dgm:linClrLst>
+    <dgm:effectClrLst/>
+    <dgm:txLinClrLst/>
+    <dgm:txFillClrLst meth="repeat">
+      <a:schemeClr val="tx1"/>
+    </dgm:txFillClrLst>
+    <dgm:txEffectClrLst/>
+  </dgm:styleLbl>
+  <dgm:styleLbl name="callout">
+    <dgm:fillClrLst meth="repeat">
+      <a:schemeClr val="accent1"/>
+    </dgm:fillClrLst>
+    <dgm:linClrLst meth="repeat">
+      <a:schemeClr val="accent1">
+        <a:tint val="50000"/>
+      </a:schemeClr>
+    </dgm:linClrLst>
+    <dgm:effectClrLst/>
+    <dgm:txLinClrLst/>
+    <dgm:txFillClrLst meth="repeat">
+      <a:schemeClr val="tx1"/>
+    </dgm:txFillClrLst>
+    <dgm:txEffectClrLst/>
+  </dgm:styleLbl>
+  <dgm:styleLbl name="asst0">
+    <dgm:fillClrLst meth="repeat">
+      <a:schemeClr val="accent1"/>
+    </dgm:fillClrLst>
+    <dgm:linClrLst meth="repeat">
+      <a:schemeClr val="lt1"/>
+    </dgm:linClrLst>
+    <dgm:effectClrLst/>
+    <dgm:txLinClrLst/>
+    <dgm:txFillClrLst/>
+    <dgm:txEffectClrLst/>
+  </dgm:styleLbl>
+  <dgm:styleLbl name="asst1">
+    <dgm:fillClrLst meth="repeat">
+      <a:schemeClr val="accent1"/>
+    </dgm:fillClrLst>
+    <dgm:linClrLst meth="repeat">
+      <a:schemeClr val="lt1"/>
+    </dgm:linClrLst>
+    <dgm:effectClrLst/>
+    <dgm:txLinClrLst/>
+    <dgm:txFillClrLst/>
+    <dgm:txEffectClrLst/>
+  </dgm:styleLbl>
+  <dgm:styleLbl name="asst2">
+    <dgm:fillClrLst meth="repeat">
+      <a:schemeClr val="accent1"/>
+    </dgm:fillClrLst>
+    <dgm:linClrLst meth="repeat">
+      <a:schemeClr val="lt1"/>
+    </dgm:linClrLst>
+    <dgm:effectClrLst/>
+    <dgm:txLinClrLst/>
+    <dgm:txFillClrLst/>
+    <dgm:txEffectClrLst/>
+  </dgm:styleLbl>
+  <dgm:styleLbl name="asst3">
+    <dgm:fillClrLst meth="repeat">
+      <a:schemeClr val="accent1"/>
+    </dgm:fillClrLst>
+    <dgm:linClrLst meth="repeat">
+      <a:schemeClr val="lt1"/>
+    </dgm:linClrLst>
+    <dgm:effectClrLst/>
+    <dgm:txLinClrLst/>
+    <dgm:txFillClrLst/>
+    <dgm:txEffectClrLst/>
+  </dgm:styleLbl>
+  <dgm:styleLbl name="asst4">
+    <dgm:fillClrLst meth="repeat">
+      <a:schemeClr val="accent1"/>
+    </dgm:fillClrLst>
+    <dgm:linClrLst meth="repeat">
+      <a:schemeClr val="lt1"/>
+    </dgm:linClrLst>
+    <dgm:effectClrLst/>
+    <dgm:txLinClrLst/>
+    <dgm:txFillClrLst/>
+    <dgm:txEffectClrLst/>
+  </dgm:styleLbl>
+  <dgm:styleLbl name="parChTrans2D1">
+    <dgm:fillClrLst meth="repeat">
+      <a:schemeClr val="accent1">
+        <a:tint val="60000"/>
+      </a:schemeClr>
+    </dgm:fillClrLst>
+    <dgm:linClrLst meth="repeat">
+      <a:schemeClr val="accent1">
+        <a:tint val="60000"/>
+      </a:schemeClr>
+    </dgm:linClrLst>
+    <dgm:effectClrLst/>
+    <dgm:txLinClrLst/>
+    <dgm:txFillClrLst meth="repeat">
+      <a:schemeClr val="lt1"/>
+    </dgm:txFillClrLst>
+    <dgm:txEffectClrLst/>
+  </dgm:styleLbl>
+  <dgm:styleLbl name="parChTrans2D2">
+    <dgm:fillClrLst meth="repeat">
+      <a:schemeClr val="accent1"/>
+    </dgm:fillClrLst>
+    <dgm:linClrLst meth="repeat">
+      <a:schemeClr val="accent1"/>
+    </dgm:linClrLst>
+    <dgm:effectClrLst/>
+    <dgm:txLinClrLst/>
+    <dgm:txFillClrLst meth="repeat">
+      <a:schemeClr val="lt1"/>
+    </dgm:txFillClrLst>
+    <dgm:txEffectClrLst/>
+  </dgm:styleLbl>
+  <dgm:styleLbl name="parChTrans2D3">
+    <dgm:fillClrLst meth="repeat">
+      <a:schemeClr val="accent1"/>
+    </dgm:fillClrLst>
+    <dgm:linClrLst meth="repeat">
+      <a:schemeClr val="accent1"/>
+    </dgm:linClrLst>
+    <dgm:effectClrLst/>
+    <dgm:txLinClrLst/>
+    <dgm:txFillClrLst meth="repeat">
+      <a:schemeClr val="lt1"/>
+    </dgm:txFillClrLst>
+    <dgm:txEffectClrLst/>
+  </dgm:styleLbl>
+  <dgm:styleLbl name="parChTrans2D4">
+    <dgm:fillClrLst meth="repeat">
+      <a:schemeClr val="accent1"/>
+    </dgm:fillClrLst>
+    <dgm:linClrLst meth="repeat">
+      <a:schemeClr val="accent1"/>
+    </dgm:linClrLst>
+    <dgm:effectClrLst/>
+    <dgm:txLinClrLst/>
+    <dgm:txFillClrLst meth="repeat">
+      <a:schemeClr val="lt1"/>
+    </dgm:txFillClrLst>
+    <dgm:txEffectClrLst/>
+  </dgm:styleLbl>
+  <dgm:styleLbl name="parChTrans1D1">
+    <dgm:fillClrLst meth="repeat">
+      <a:schemeClr val="accent1"/>
+    </dgm:fillClrLst>
+    <dgm:linClrLst meth="repeat">
+      <a:schemeClr val="accent1">
+        <a:shade val="60000"/>
+      </a:schemeClr>
+    </dgm:linClrLst>
+    <dgm:effectClrLst/>
+    <dgm:txLinClrLst/>
+    <dgm:txFillClrLst meth="repeat">
+      <a:schemeClr val="tx1"/>
+    </dgm:txFillClrLst>
+    <dgm:txEffectClrLst/>
+  </dgm:styleLbl>
+  <dgm:styleLbl name="parChTrans1D2">
+    <dgm:fillClrLst meth="repeat">
+      <a:schemeClr val="accent1"/>
+    </dgm:fillClrLst>
+    <dgm:linClrLst meth="repeat">
+      <a:schemeClr val="accent1">
+        <a:shade val="60000"/>
+      </a:schemeClr>
+    </dgm:linClrLst>
+    <dgm:effectClrLst/>
+    <dgm:txLinClrLst/>
+    <dgm:txFillClrLst meth="repeat">
+      <a:schemeClr val="tx1"/>
+    </dgm:txFillClrLst>
+    <dgm:txEffectClrLst/>
+  </dgm:styleLbl>
+  <dgm:styleLbl name="parChTrans1D3">
+    <dgm:fillClrLst meth="repeat">
+      <a:schemeClr val="accent1"/>
+    </dgm:fillClrLst>
+    <dgm:linClrLst meth="repeat">
+      <a:schemeClr val="accent1">
+        <a:shade val="80000"/>
+      </a:schemeClr>
+    </dgm:linClrLst>
+    <dgm:effectClrLst/>
+    <dgm:txLinClrLst/>
+    <dgm:txFillClrLst meth="repeat">
+      <a:schemeClr val="tx1"/>
+    </dgm:txFillClrLst>
+    <dgm:txEffectClrLst/>
+  </dgm:styleLbl>
+  <dgm:styleLbl name="parChTrans1D4">
+    <dgm:fillClrLst meth="repeat">
+      <a:schemeClr val="accent1"/>
+    </dgm:fillClrLst>
+    <dgm:linClrLst meth="repeat">
+      <a:schemeClr val="accent1">
+        <a:shade val="80000"/>
+      </a:schemeClr>
+    </dgm:linClrLst>
+    <dgm:effectClrLst/>
+    <dgm:txLinClrLst/>
+    <dgm:txFillClrLst meth="repeat">
+      <a:schemeClr val="tx1"/>
+    </dgm:txFillClrLst>
+    <dgm:txEffectClrLst/>
+  </dgm:styleLbl>
+  <dgm:styleLbl name="fgAcc1">
+    <dgm:fillClrLst meth="repeat">
+      <a:schemeClr val="lt1">
+        <a:alpha val="90000"/>
+      </a:schemeClr>
+    </dgm:fillClrLst>
+    <dgm:linClrLst meth="repeat">
+      <a:schemeClr val="accent1"/>
+    </dgm:linClrLst>
+    <dgm:effectClrLst/>
+    <dgm:txLinClrLst/>
+    <dgm:txFillClrLst meth="repeat">
+      <a:schemeClr val="dk1"/>
+    </dgm:txFillClrLst>
+    <dgm:txEffectClrLst/>
+  </dgm:styleLbl>
+  <dgm:styleLbl name="conFgAcc1">
+    <dgm:fillClrLst meth="repeat">
+      <a:schemeClr val="lt1">
+        <a:alpha val="90000"/>
+      </a:schemeClr>
+    </dgm:fillClrLst>
+    <dgm:linClrLst meth="repeat">
+      <a:schemeClr val="accent1"/>
+    </dgm:linClrLst>
+    <dgm:effectClrLst/>
+    <dgm:txLinClrLst/>
+    <dgm:txFillClrLst meth="repeat">
+      <a:schemeClr val="dk1"/>
+    </dgm:txFillClrLst>
+    <dgm:txEffectClrLst/>
+  </dgm:styleLbl>
+  <dgm:styleLbl name="alignAcc1">
+    <dgm:fillClrLst meth="repeat">
+      <a:schemeClr val="lt1">
+        <a:alpha val="90000"/>
+      </a:schemeClr>
+    </dgm:fillClrLst>
+    <dgm:linClrLst meth="repeat">
+      <a:schemeClr val="accent1"/>
+    </dgm:linClrLst>
+    <dgm:effectClrLst/>
+    <dgm:txLinClrLst/>
+    <dgm:txFillClrLst meth="repeat">
+      <a:schemeClr val="dk1"/>
+    </dgm:txFillClrLst>
+    <dgm:txEffectClrLst/>
+  </dgm:styleLbl>
+  <dgm:styleLbl name="trAlignAcc1">
+    <dgm:fillClrLst meth="repeat">
+      <a:schemeClr val="lt1">
+        <a:alpha val="40000"/>
+      </a:schemeClr>
+    </dgm:fillClrLst>
+    <dgm:linClrLst meth="repeat">
+      <a:schemeClr val="accent1"/>
+    </dgm:linClrLst>
+    <dgm:effectClrLst/>
+    <dgm:txLinClrLst/>
+    <dgm:txFillClrLst meth="repeat">
+      <a:schemeClr val="dk1"/>
+    </dgm:txFillClrLst>
+    <dgm:txEffectClrLst/>
+  </dgm:styleLbl>
+  <dgm:styleLbl name="bgAcc1">
+    <dgm:fillClrLst meth="repeat">
+      <a:schemeClr val="lt1">
+        <a:alpha val="90000"/>
+      </a:schemeClr>
+    </dgm:fillClrLst>
+    <dgm:linClrLst meth="repeat">
+      <a:schemeClr val="accent1"/>
+    </dgm:linClrLst>
+    <dgm:effectClrLst/>
+    <dgm:txLinClrLst/>
+    <dgm:txFillClrLst meth="repeat">
+      <a:schemeClr val="dk1"/>
+    </dgm:txFillClrLst>
+    <dgm:txEffectClrLst/>
+  </dgm:styleLbl>
+  <dgm:styleLbl name="solidFgAcc1">
+    <dgm:fillClrLst meth="repeat">
+      <a:schemeClr val="lt1"/>
+    </dgm:fillClrLst>
+    <dgm:linClrLst meth="repeat">
+      <a:schemeClr val="accent1"/>
+    </dgm:linClrLst>
+    <dgm:effectClrLst/>
+    <dgm:txLinClrLst/>
+    <dgm:txFillClrLst meth="repeat">
+      <a:schemeClr val="dk1"/>
+    </dgm:txFillClrLst>
+    <dgm:txEffectClrLst/>
+  </dgm:styleLbl>
+  <dgm:styleLbl name="solidAlignAcc1">
+    <dgm:fillClrLst meth="repeat">
+      <a:schemeClr val="lt1"/>
+    </dgm:fillClrLst>
+    <dgm:linClrLst meth="repeat">
+      <a:schemeClr val="accent1"/>
+    </dgm:linClrLst>
+    <dgm:effectClrLst/>
+    <dgm:txLinClrLst/>
+    <dgm:txFillClrLst meth="repeat">
+      <a:schemeClr val="dk1"/>
+    </dgm:txFillClrLst>
+    <dgm:txEffectClrLst/>
+  </dgm:styleLbl>
+  <dgm:styleLbl name="solidBgAcc1">
+    <dgm:fillClrLst meth="repeat">
+      <a:schemeClr val="lt1"/>
+    </dgm:fillClrLst>
+    <dgm:linClrLst meth="repeat">
+      <a:schemeClr val="accent1"/>
+    </dgm:linClrLst>
+    <dgm:effectClrLst/>
+    <dgm:txLinClrLst/>
+    <dgm:txFillClrLst meth="repeat">
+      <a:schemeClr val="dk1"/>
+    </dgm:txFillClrLst>
+    <dgm:txEffectClrLst/>
+  </dgm:styleLbl>
+  <dgm:styleLbl name="fgAccFollowNode1">
+    <dgm:fillClrLst meth="repeat">
+      <a:schemeClr val="accent1">
+        <a:alpha val="90000"/>
+        <a:tint val="40000"/>
+      </a:schemeClr>
+    </dgm:fillClrLst>
+    <dgm:linClrLst meth="repeat">
+      <a:schemeClr val="accent1">
+        <a:alpha val="90000"/>
+        <a:tint val="40000"/>
+      </a:schemeClr>
+    </dgm:linClrLst>
+    <dgm:effectClrLst/>
+    <dgm:txLinClrLst/>
+    <dgm:txFillClrLst meth="repeat">
+      <a:schemeClr val="dk1"/>
+    </dgm:txFillClrLst>
+    <dgm:txEffectClrLst/>
+  </dgm:styleLbl>
+  <dgm:styleLbl name="alignAccFollowNode1">
+    <dgm:fillClrLst meth="repeat">
+      <a:schemeClr val="accent1">
+        <a:alpha val="90000"/>
+        <a:tint val="40000"/>
+      </a:schemeClr>
+    </dgm:fillClrLst>
+    <dgm:linClrLst meth="repeat">
+      <a:schemeClr val="accent1">
+        <a:alpha val="90000"/>
+        <a:tint val="40000"/>
+      </a:schemeClr>
+    </dgm:linClrLst>
+    <dgm:effectClrLst/>
+    <dgm:txLinClrLst/>
+    <dgm:txFillClrLst meth="repeat">
+      <a:schemeClr val="dk1"/>
+    </dgm:txFillClrLst>
+    <dgm:txEffectClrLst/>
+  </dgm:styleLbl>
+  <dgm:styleLbl name="bgAccFollowNode1">
+    <dgm:fillClrLst meth="repeat">
+      <a:schemeClr val="accent1">
+        <a:alpha val="90000"/>
+        <a:tint val="40000"/>
+      </a:schemeClr>
+    </dgm:fillClrLst>
+    <dgm:linClrLst meth="repeat">
+      <a:schemeClr val="accent1">
+        <a:alpha val="90000"/>
+        <a:tint val="40000"/>
+      </a:schemeClr>
+    </dgm:linClrLst>
+    <dgm:effectClrLst/>
+    <dgm:txLinClrLst/>
+    <dgm:txFillClrLst meth="repeat">
+      <a:schemeClr val="dk1"/>
+    </dgm:txFillClrLst>
+    <dgm:txEffectClrLst/>
+  </dgm:styleLbl>
+  <dgm:styleLbl name="fgAcc0">
+    <dgm:fillClrLst meth="repeat">
+      <a:schemeClr val="lt1">
+        <a:alpha val="90000"/>
+      </a:schemeClr>
+    </dgm:fillClrLst>
+    <dgm:linClrLst meth="repeat">
+      <a:schemeClr val="accent1"/>
+    </dgm:linClrLst>
+    <dgm:effectClrLst/>
+    <dgm:txLinClrLst/>
+    <dgm:txFillClrLst meth="repeat">
+      <a:schemeClr val="dk1"/>
+    </dgm:txFillClrLst>
+    <dgm:txEffectClrLst/>
+  </dgm:styleLbl>
+  <dgm:styleLbl name="fgAcc2">
+    <dgm:fillClrLst meth="repeat">
+      <a:schemeClr val="lt1">
+        <a:alpha val="90000"/>
+      </a:schemeClr>
+    </dgm:fillClrLst>
+    <dgm:linClrLst meth="repeat">
+      <a:schemeClr val="accent1"/>
+    </dgm:linClrLst>
+    <dgm:effectClrLst/>
+    <dgm:txLinClrLst/>
+    <dgm:txFillClrLst meth="repeat">
+      <a:schemeClr val="dk1"/>
+    </dgm:txFillClrLst>
+    <dgm:txEffectClrLst/>
+  </dgm:styleLbl>
+  <dgm:styleLbl name="fgAcc3">
+    <dgm:fillClrLst meth="repeat">
+      <a:schemeClr val="lt1">
+        <a:alpha val="90000"/>
+      </a:schemeClr>
+    </dgm:fillClrLst>
+    <dgm:linClrLst meth="repeat">
+      <a:schemeClr val="accent1"/>
+    </dgm:linClrLst>
+    <dgm:effectClrLst/>
+    <dgm:txLinClrLst/>
+    <dgm:txFillClrLst meth="repeat">
+      <a:schemeClr val="dk1"/>
+    </dgm:txFillClrLst>
+    <dgm:txEffectClrLst/>
+  </dgm:styleLbl>
+  <dgm:styleLbl name="fgAcc4">
+    <dgm:fillClrLst meth="repeat">
+      <a:schemeClr val="lt1">
+        <a:alpha val="90000"/>
+      </a:schemeClr>
+    </dgm:fillClrLst>
+    <dgm:linClrLst meth="repeat">
+      <a:schemeClr val="accent1"/>
+    </dgm:linClrLst>
+    <dgm:effectClrLst/>
+    <dgm:txLinClrLst/>
+    <dgm:txFillClrLst meth="repeat">
+      <a:schemeClr val="dk1"/>
+    </dgm:txFillClrLst>
+    <dgm:txEffectClrLst/>
+  </dgm:styleLbl>
+  <dgm:styleLbl name="bgShp">
+    <dgm:fillClrLst meth="repeat">
+      <a:schemeClr val="accent1">
+        <a:tint val="40000"/>
+      </a:schemeClr>
+    </dgm:fillClrLst>
+    <dgm:linClrLst meth="repeat">
+      <a:schemeClr val="accent1"/>
+    </dgm:linClrLst>
+    <dgm:effectClrLst/>
+    <dgm:txLinClrLst/>
+    <dgm:txFillClrLst meth="repeat">
+      <a:schemeClr val="dk1"/>
+    </dgm:txFillClrLst>
+    <dgm:txEffectClrLst/>
+  </dgm:styleLbl>
+  <dgm:styleLbl name="dkBgShp">
+    <dgm:fillClrLst meth="repeat">
+      <a:schemeClr val="accent1">
+        <a:shade val="80000"/>
+      </a:schemeClr>
+    </dgm:fillClrLst>
+    <dgm:linClrLst meth="repeat">
+      <a:schemeClr val="accent1"/>
+    </dgm:linClrLst>
+    <dgm:effectClrLst/>
+    <dgm:txLinClrLst/>
+    <dgm:txFillClrLst meth="repeat">
+      <a:schemeClr val="lt1"/>
+    </dgm:txFillClrLst>
+    <dgm:txEffectClrLst/>
+  </dgm:styleLbl>
+  <dgm:styleLbl name="trBgShp">
+    <dgm:fillClrLst meth="repeat">
+      <a:schemeClr val="accent1">
+        <a:tint val="50000"/>
+        <a:alpha val="40000"/>
+      </a:schemeClr>
+    </dgm:fillClrLst>
+    <dgm:linClrLst meth="repeat">
+      <a:schemeClr val="accent1"/>
+    </dgm:linClrLst>
+    <dgm:effectClrLst/>
+    <dgm:txLinClrLst/>
+    <dgm:txFillClrLst meth="repeat">
+      <a:schemeClr val="lt1"/>
+    </dgm:txFillClrLst>
+    <dgm:txEffectClrLst/>
+  </dgm:styleLbl>
+  <dgm:styleLbl name="fgShp">
+    <dgm:fillClrLst meth="repeat">
+      <a:schemeClr val="accent1">
+        <a:tint val="60000"/>
+      </a:schemeClr>
+    </dgm:fillClrLst>
+    <dgm:linClrLst meth="repeat">
+      <a:schemeClr val="lt1"/>
+    </dgm:linClrLst>
+    <dgm:effectClrLst/>
+    <dgm:txLinClrLst/>
+    <dgm:txFillClrLst meth="repeat">
+      <a:schemeClr val="dk1"/>
+    </dgm:txFillClrLst>
+    <dgm:txEffectClrLst/>
+  </dgm:styleLbl>
+  <dgm:styleLbl name="revTx">
+    <dgm:fillClrLst meth="repeat">
+      <a:schemeClr val="lt1">
+        <a:alpha val="0"/>
+      </a:schemeClr>
+    </dgm:fillClrLst>
+    <dgm:linClrLst meth="repeat">
+      <a:schemeClr val="dk1">
+        <a:alpha val="0"/>
+      </a:schemeClr>
+    </dgm:linClrLst>
+    <dgm:effectClrLst/>
+    <dgm:txLinClrLst/>
+    <dgm:txFillClrLst meth="repeat">
+      <a:schemeClr val="tx1"/>
+    </dgm:txFillClrLst>
+    <dgm:txEffectClrLst/>
+  </dgm:styleLbl>
+</dgm:colorsDef>
+</file>
+
+<file path=ppt/diagrams/data1.xml><?xml version="1.0" encoding="utf-8"?>
+<dgm:dataModel xmlns:dgm="http://schemas.openxmlformats.org/drawingml/2006/diagram" xmlns:a="http://schemas.openxmlformats.org/drawingml/2006/main">
+  <dgm:ptLst>
+    <dgm:pt modelId="{ECF0F812-2538-4402-B846-FCAA89E15A68}" type="doc">
+      <dgm:prSet loTypeId="urn:microsoft.com/office/officeart/2018/2/layout/IconLabelList" loCatId="icon" qsTypeId="urn:microsoft.com/office/officeart/2005/8/quickstyle/simple1" qsCatId="simple" csTypeId="urn:microsoft.com/office/officeart/2005/8/colors/accent1_2" csCatId="accent1" phldr="1"/>
+      <dgm:spPr/>
+      <dgm:t>
+        <a:bodyPr/>
+        <a:lstStyle/>
+        <a:p>
+          <a:endParaRPr lang="en-US"/>
+        </a:p>
+      </dgm:t>
+    </dgm:pt>
+    <dgm:pt modelId="{DB48FAB3-6028-441E-AC8C-DA1A8508D5F1}">
+      <dgm:prSet custT="1"/>
+      <dgm:spPr/>
+      <dgm:t>
+        <a:bodyPr/>
+        <a:lstStyle/>
+        <a:p>
+          <a:pPr>
+            <a:lnSpc>
+              <a:spcPct val="100000"/>
+            </a:lnSpc>
+          </a:pPr>
+          <a:r>
+            <a:rPr lang="en-US" sz="2400" dirty="0"/>
+            <a:t>conducting reproducible research</a:t>
+          </a:r>
+        </a:p>
+      </dgm:t>
+    </dgm:pt>
+    <dgm:pt modelId="{2CF5FCCE-69FB-4D0D-88AA-2C2AED645BE7}" type="parTrans" cxnId="{0EDC46AB-5D16-4BD1-BDFB-E7F6338B7109}">
+      <dgm:prSet/>
+      <dgm:spPr/>
+      <dgm:t>
+        <a:bodyPr/>
+        <a:lstStyle/>
+        <a:p>
+          <a:endParaRPr lang="en-US"/>
+        </a:p>
+      </dgm:t>
+    </dgm:pt>
+    <dgm:pt modelId="{42D200FD-9F75-4950-A2E4-2D3AEF0E11FB}" type="sibTrans" cxnId="{0EDC46AB-5D16-4BD1-BDFB-E7F6338B7109}">
+      <dgm:prSet/>
+      <dgm:spPr/>
+      <dgm:t>
+        <a:bodyPr/>
+        <a:lstStyle/>
+        <a:p>
+          <a:endParaRPr lang="en-US"/>
+        </a:p>
+      </dgm:t>
+    </dgm:pt>
+    <dgm:pt modelId="{A79CF8D5-AFEE-41B0-A580-C7DA08686704}">
+      <dgm:prSet/>
+      <dgm:spPr/>
+      <dgm:t>
+        <a:bodyPr/>
+        <a:lstStyle/>
+        <a:p>
+          <a:pPr>
+            <a:lnSpc>
+              <a:spcPct val="100000"/>
+            </a:lnSpc>
+          </a:pPr>
+          <a:r>
+            <a:rPr lang="en-US"/>
+            <a:t>automating data processing pipelines</a:t>
+          </a:r>
+        </a:p>
+      </dgm:t>
+    </dgm:pt>
+    <dgm:pt modelId="{4586577F-A1D9-4187-A331-F6FD65063564}" type="parTrans" cxnId="{B265309A-A948-4B61-BDDE-CC4E9E0DB2C9}">
+      <dgm:prSet/>
+      <dgm:spPr/>
+      <dgm:t>
+        <a:bodyPr/>
+        <a:lstStyle/>
+        <a:p>
+          <a:endParaRPr lang="en-US"/>
+        </a:p>
+      </dgm:t>
+    </dgm:pt>
+    <dgm:pt modelId="{F4262D65-97D6-4E0E-A8D5-B4B48E05C742}" type="sibTrans" cxnId="{B265309A-A948-4B61-BDDE-CC4E9E0DB2C9}">
+      <dgm:prSet/>
+      <dgm:spPr/>
+      <dgm:t>
+        <a:bodyPr/>
+        <a:lstStyle/>
+        <a:p>
+          <a:endParaRPr lang="en-US"/>
+        </a:p>
+      </dgm:t>
+    </dgm:pt>
+    <dgm:pt modelId="{2D448533-7060-42E4-8C5B-1AC428ADFAE8}">
+      <dgm:prSet/>
+      <dgm:spPr/>
+      <dgm:t>
+        <a:bodyPr/>
+        <a:lstStyle/>
+        <a:p>
+          <a:pPr>
+            <a:lnSpc>
+              <a:spcPct val="100000"/>
+            </a:lnSpc>
+          </a:pPr>
+          <a:r>
+            <a:rPr lang="en-US"/>
+            <a:t>creating high-quality visualizations</a:t>
+          </a:r>
+        </a:p>
+      </dgm:t>
+    </dgm:pt>
+    <dgm:pt modelId="{A9900495-948B-484B-A9EC-66ED1F1CD5DC}" type="parTrans" cxnId="{12BBE848-8266-4059-A5F1-518DC7118A8C}">
+      <dgm:prSet/>
+      <dgm:spPr/>
+      <dgm:t>
+        <a:bodyPr/>
+        <a:lstStyle/>
+        <a:p>
+          <a:endParaRPr lang="en-US"/>
+        </a:p>
+      </dgm:t>
+    </dgm:pt>
+    <dgm:pt modelId="{538C2DC3-8F20-4B49-BA1C-B3C10EE04158}" type="sibTrans" cxnId="{12BBE848-8266-4059-A5F1-518DC7118A8C}">
+      <dgm:prSet/>
+      <dgm:spPr/>
+      <dgm:t>
+        <a:bodyPr/>
+        <a:lstStyle/>
+        <a:p>
+          <a:endParaRPr lang="en-US"/>
+        </a:p>
+      </dgm:t>
+    </dgm:pt>
+    <dgm:pt modelId="{8854736F-97B7-4019-A54F-52C0AFF21E36}">
+      <dgm:prSet/>
+      <dgm:spPr/>
+      <dgm:t>
+        <a:bodyPr/>
+        <a:lstStyle/>
+        <a:p>
+          <a:pPr>
+            <a:lnSpc>
+              <a:spcPct val="100000"/>
+            </a:lnSpc>
+          </a:pPr>
+          <a:r>
+            <a:rPr lang="en-US" dirty="0"/>
+            <a:t>conducting statistical analyses</a:t>
+          </a:r>
+        </a:p>
+      </dgm:t>
+    </dgm:pt>
+    <dgm:pt modelId="{B7143DDE-CD74-4A2A-A20C-3CDB5FFFFAC5}" type="parTrans" cxnId="{6693DE21-51D2-4BC5-B555-EC2305B9A9B8}">
+      <dgm:prSet/>
+      <dgm:spPr/>
+      <dgm:t>
+        <a:bodyPr/>
+        <a:lstStyle/>
+        <a:p>
+          <a:endParaRPr lang="en-US"/>
+        </a:p>
+      </dgm:t>
+    </dgm:pt>
+    <dgm:pt modelId="{5574BB57-1DEA-4E78-A28A-22B03E9FCF2B}" type="sibTrans" cxnId="{6693DE21-51D2-4BC5-B555-EC2305B9A9B8}">
+      <dgm:prSet/>
+      <dgm:spPr/>
+      <dgm:t>
+        <a:bodyPr/>
+        <a:lstStyle/>
+        <a:p>
+          <a:endParaRPr lang="en-US"/>
+        </a:p>
+      </dgm:t>
+    </dgm:pt>
+    <dgm:pt modelId="{14DBE236-F9BD-4CC5-A584-E85C0B5A5231}" type="pres">
+      <dgm:prSet presAssocID="{ECF0F812-2538-4402-B846-FCAA89E15A68}" presName="root" presStyleCnt="0">
+        <dgm:presLayoutVars>
+          <dgm:dir/>
+          <dgm:resizeHandles val="exact"/>
+        </dgm:presLayoutVars>
+      </dgm:prSet>
+      <dgm:spPr/>
+    </dgm:pt>
+    <dgm:pt modelId="{19C9566F-E78D-4A0B-92EB-F223ECB718B3}" type="pres">
+      <dgm:prSet presAssocID="{DB48FAB3-6028-441E-AC8C-DA1A8508D5F1}" presName="compNode" presStyleCnt="0"/>
+      <dgm:spPr/>
+    </dgm:pt>
+    <dgm:pt modelId="{5A101DD3-973F-4621-98A7-9C84AA1CB73F}" type="pres">
+      <dgm:prSet presAssocID="{DB48FAB3-6028-441E-AC8C-DA1A8508D5F1}" presName="iconRect" presStyleLbl="node1" presStyleIdx="0" presStyleCnt="4"/>
+      <dgm:spPr>
+        <a:blipFill>
+          <a:blip xmlns:r="http://schemas.openxmlformats.org/officeDocument/2006/relationships" r:embed="rId1">
+            <a:extLst>
+              <a:ext uri="{96DAC541-7B7A-43D3-8B79-37D633B846F1}">
+                <asvg:svgBlip xmlns:asvg="http://schemas.microsoft.com/office/drawing/2016/SVG/main" r:embed="rId2"/>
+              </a:ext>
+            </a:extLst>
+          </a:blip>
+          <a:srcRect/>
+          <a:stretch>
+            <a:fillRect/>
+          </a:stretch>
+        </a:blipFill>
+      </dgm:spPr>
+      <dgm:extLst>
+        <a:ext uri="{E40237B7-FDA0-4F09-8148-C483321AD2D9}">
+          <dgm14:cNvPr xmlns:dgm14="http://schemas.microsoft.com/office/drawing/2010/diagram" id="0" name="" descr="Document with solid fill"/>
+        </a:ext>
+      </dgm:extLst>
+    </dgm:pt>
+    <dgm:pt modelId="{A65785DE-7999-419E-8AF2-5EE1D547BD89}" type="pres">
+      <dgm:prSet presAssocID="{DB48FAB3-6028-441E-AC8C-DA1A8508D5F1}" presName="spaceRect" presStyleCnt="0"/>
+      <dgm:spPr/>
+    </dgm:pt>
+    <dgm:pt modelId="{4F02105B-1205-4FBE-8E31-7FCD49FADAA0}" type="pres">
+      <dgm:prSet presAssocID="{DB48FAB3-6028-441E-AC8C-DA1A8508D5F1}" presName="textRect" presStyleLbl="revTx" presStyleIdx="0" presStyleCnt="4">
+        <dgm:presLayoutVars>
+          <dgm:chMax val="1"/>
+          <dgm:chPref val="1"/>
+        </dgm:presLayoutVars>
+      </dgm:prSet>
+      <dgm:spPr/>
+    </dgm:pt>
+    <dgm:pt modelId="{4FE9223D-F63D-4398-AE61-46B0F4DCA398}" type="pres">
+      <dgm:prSet presAssocID="{42D200FD-9F75-4950-A2E4-2D3AEF0E11FB}" presName="sibTrans" presStyleCnt="0"/>
+      <dgm:spPr/>
+    </dgm:pt>
+    <dgm:pt modelId="{7F6018E4-5027-4475-9D58-741875578054}" type="pres">
+      <dgm:prSet presAssocID="{A79CF8D5-AFEE-41B0-A580-C7DA08686704}" presName="compNode" presStyleCnt="0"/>
+      <dgm:spPr/>
+    </dgm:pt>
+    <dgm:pt modelId="{DB152C9C-5359-4B44-918E-66933B6DC113}" type="pres">
+      <dgm:prSet presAssocID="{A79CF8D5-AFEE-41B0-A580-C7DA08686704}" presName="iconRect" presStyleLbl="node1" presStyleIdx="1" presStyleCnt="4"/>
+      <dgm:spPr>
+        <a:blipFill>
+          <a:blip xmlns:r="http://schemas.openxmlformats.org/officeDocument/2006/relationships" r:embed="rId3">
+            <a:extLst>
+              <a:ext uri="{96DAC541-7B7A-43D3-8B79-37D633B846F1}">
+                <asvg:svgBlip xmlns:asvg="http://schemas.microsoft.com/office/drawing/2016/SVG/main" r:embed="rId4"/>
+              </a:ext>
+            </a:extLst>
+          </a:blip>
+          <a:srcRect/>
+          <a:stretch>
+            <a:fillRect/>
+          </a:stretch>
+        </a:blipFill>
+      </dgm:spPr>
+      <dgm:extLst>
+        <a:ext uri="{E40237B7-FDA0-4F09-8148-C483321AD2D9}">
+          <dgm14:cNvPr xmlns:dgm14="http://schemas.microsoft.com/office/drawing/2010/diagram" id="0" name="" descr="Workflow with solid fill"/>
+        </a:ext>
+      </dgm:extLst>
+    </dgm:pt>
+    <dgm:pt modelId="{7F813139-0EEC-4CE5-820E-C0B7929F6155}" type="pres">
+      <dgm:prSet presAssocID="{A79CF8D5-AFEE-41B0-A580-C7DA08686704}" presName="spaceRect" presStyleCnt="0"/>
+      <dgm:spPr/>
+    </dgm:pt>
+    <dgm:pt modelId="{758E77FF-E9CB-4883-A209-AC5A7C7A156D}" type="pres">
+      <dgm:prSet presAssocID="{A79CF8D5-AFEE-41B0-A580-C7DA08686704}" presName="textRect" presStyleLbl="revTx" presStyleIdx="1" presStyleCnt="4">
+        <dgm:presLayoutVars>
+          <dgm:chMax val="1"/>
+          <dgm:chPref val="1"/>
+        </dgm:presLayoutVars>
+      </dgm:prSet>
+      <dgm:spPr/>
+    </dgm:pt>
+    <dgm:pt modelId="{B162F144-A9ED-4D43-A36E-3BFB9131647B}" type="pres">
+      <dgm:prSet presAssocID="{F4262D65-97D6-4E0E-A8D5-B4B48E05C742}" presName="sibTrans" presStyleCnt="0"/>
+      <dgm:spPr/>
+    </dgm:pt>
+    <dgm:pt modelId="{4BD33880-6D8B-4485-A1D6-C1A24CFC6A2A}" type="pres">
+      <dgm:prSet presAssocID="{2D448533-7060-42E4-8C5B-1AC428ADFAE8}" presName="compNode" presStyleCnt="0"/>
+      <dgm:spPr/>
+    </dgm:pt>
+    <dgm:pt modelId="{95E6871C-4E25-4284-A8AB-B4B3D133E002}" type="pres">
+      <dgm:prSet presAssocID="{2D448533-7060-42E4-8C5B-1AC428ADFAE8}" presName="iconRect" presStyleLbl="node1" presStyleIdx="2" presStyleCnt="4"/>
+      <dgm:spPr>
+        <a:blipFill>
+          <a:blip xmlns:r="http://schemas.openxmlformats.org/officeDocument/2006/relationships" r:embed="rId5">
+            <a:extLst>
+              <a:ext uri="{28A0092B-C50C-407E-A947-70E740481C1C}">
+                <a14:useLocalDpi xmlns:a14="http://schemas.microsoft.com/office/drawing/2010/main" val="0"/>
+              </a:ext>
+              <a:ext uri="{96DAC541-7B7A-43D3-8B79-37D633B846F1}">
+                <asvg:svgBlip xmlns:asvg="http://schemas.microsoft.com/office/drawing/2016/SVG/main" r:embed="rId6"/>
+              </a:ext>
+            </a:extLst>
+          </a:blip>
+          <a:srcRect/>
+          <a:stretch>
+            <a:fillRect/>
+          </a:stretch>
+        </a:blipFill>
+      </dgm:spPr>
+      <dgm:extLst>
+        <a:ext uri="{E40237B7-FDA0-4F09-8148-C483321AD2D9}">
+          <dgm14:cNvPr xmlns:dgm14="http://schemas.microsoft.com/office/drawing/2010/diagram" id="0" name="" descr="Upward trend with solid fill"/>
+        </a:ext>
+      </dgm:extLst>
+    </dgm:pt>
+    <dgm:pt modelId="{DDB2BA62-D0A6-4DBE-B8DE-34A89FCC6469}" type="pres">
+      <dgm:prSet presAssocID="{2D448533-7060-42E4-8C5B-1AC428ADFAE8}" presName="spaceRect" presStyleCnt="0"/>
+      <dgm:spPr/>
+    </dgm:pt>
+    <dgm:pt modelId="{383EE496-B078-47E8-A30B-9CD24CFDEBA8}" type="pres">
+      <dgm:prSet presAssocID="{2D448533-7060-42E4-8C5B-1AC428ADFAE8}" presName="textRect" presStyleLbl="revTx" presStyleIdx="2" presStyleCnt="4">
+        <dgm:presLayoutVars>
+          <dgm:chMax val="1"/>
+          <dgm:chPref val="1"/>
+        </dgm:presLayoutVars>
+      </dgm:prSet>
+      <dgm:spPr/>
+    </dgm:pt>
+    <dgm:pt modelId="{61051FB0-4947-4862-BE28-088612BC001D}" type="pres">
+      <dgm:prSet presAssocID="{538C2DC3-8F20-4B49-BA1C-B3C10EE04158}" presName="sibTrans" presStyleCnt="0"/>
+      <dgm:spPr/>
+    </dgm:pt>
+    <dgm:pt modelId="{C37274FB-6C39-4DFE-9513-AA766E37EF50}" type="pres">
+      <dgm:prSet presAssocID="{8854736F-97B7-4019-A54F-52C0AFF21E36}" presName="compNode" presStyleCnt="0"/>
+      <dgm:spPr/>
+    </dgm:pt>
+    <dgm:pt modelId="{6A25AEA4-6FC8-4303-88FA-8C9C4425DD0F}" type="pres">
+      <dgm:prSet presAssocID="{8854736F-97B7-4019-A54F-52C0AFF21E36}" presName="iconRect" presStyleLbl="node1" presStyleIdx="3" presStyleCnt="4"/>
+      <dgm:spPr>
+        <a:blipFill>
+          <a:blip xmlns:r="http://schemas.openxmlformats.org/officeDocument/2006/relationships" r:embed="rId7">
+            <a:extLst>
+              <a:ext uri="{96DAC541-7B7A-43D3-8B79-37D633B846F1}">
+                <asvg:svgBlip xmlns:asvg="http://schemas.microsoft.com/office/drawing/2016/SVG/main" r:embed="rId8"/>
+              </a:ext>
+            </a:extLst>
+          </a:blip>
+          <a:srcRect/>
+          <a:stretch>
+            <a:fillRect/>
+          </a:stretch>
+        </a:blipFill>
+      </dgm:spPr>
+      <dgm:extLst>
+        <a:ext uri="{E40237B7-FDA0-4F09-8148-C483321AD2D9}">
+          <dgm14:cNvPr xmlns:dgm14="http://schemas.microsoft.com/office/drawing/2010/diagram" id="0" name="" descr="Normal Distribution with solid fill"/>
+        </a:ext>
+      </dgm:extLst>
+    </dgm:pt>
+    <dgm:pt modelId="{AED4C432-14B2-455A-8307-BC242EC3736E}" type="pres">
+      <dgm:prSet presAssocID="{8854736F-97B7-4019-A54F-52C0AFF21E36}" presName="spaceRect" presStyleCnt="0"/>
+      <dgm:spPr/>
+    </dgm:pt>
+    <dgm:pt modelId="{3817AF31-111C-477F-A281-97F650C27330}" type="pres">
+      <dgm:prSet presAssocID="{8854736F-97B7-4019-A54F-52C0AFF21E36}" presName="textRect" presStyleLbl="revTx" presStyleIdx="3" presStyleCnt="4">
+        <dgm:presLayoutVars>
+          <dgm:chMax val="1"/>
+          <dgm:chPref val="1"/>
+        </dgm:presLayoutVars>
+      </dgm:prSet>
+      <dgm:spPr/>
+    </dgm:pt>
+  </dgm:ptLst>
+  <dgm:cxnLst>
+    <dgm:cxn modelId="{D160DF15-5B13-4FE2-AC4A-27EEAA7A0A41}" type="presOf" srcId="{A79CF8D5-AFEE-41B0-A580-C7DA08686704}" destId="{758E77FF-E9CB-4883-A209-AC5A7C7A156D}" srcOrd="0" destOrd="0" presId="urn:microsoft.com/office/officeart/2018/2/layout/IconLabelList"/>
+    <dgm:cxn modelId="{6693DE21-51D2-4BC5-B555-EC2305B9A9B8}" srcId="{ECF0F812-2538-4402-B846-FCAA89E15A68}" destId="{8854736F-97B7-4019-A54F-52C0AFF21E36}" srcOrd="3" destOrd="0" parTransId="{B7143DDE-CD74-4A2A-A20C-3CDB5FFFFAC5}" sibTransId="{5574BB57-1DEA-4E78-A28A-22B03E9FCF2B}"/>
+    <dgm:cxn modelId="{2FBB522E-DFD3-4B5E-8633-93529B9AB963}" type="presOf" srcId="{2D448533-7060-42E4-8C5B-1AC428ADFAE8}" destId="{383EE496-B078-47E8-A30B-9CD24CFDEBA8}" srcOrd="0" destOrd="0" presId="urn:microsoft.com/office/officeart/2018/2/layout/IconLabelList"/>
+    <dgm:cxn modelId="{12BBE848-8266-4059-A5F1-518DC7118A8C}" srcId="{ECF0F812-2538-4402-B846-FCAA89E15A68}" destId="{2D448533-7060-42E4-8C5B-1AC428ADFAE8}" srcOrd="2" destOrd="0" parTransId="{A9900495-948B-484B-A9EC-66ED1F1CD5DC}" sibTransId="{538C2DC3-8F20-4B49-BA1C-B3C10EE04158}"/>
+    <dgm:cxn modelId="{6EC38694-31DA-4735-AE75-322916BC75FE}" type="presOf" srcId="{8854736F-97B7-4019-A54F-52C0AFF21E36}" destId="{3817AF31-111C-477F-A281-97F650C27330}" srcOrd="0" destOrd="0" presId="urn:microsoft.com/office/officeart/2018/2/layout/IconLabelList"/>
+    <dgm:cxn modelId="{B265309A-A948-4B61-BDDE-CC4E9E0DB2C9}" srcId="{ECF0F812-2538-4402-B846-FCAA89E15A68}" destId="{A79CF8D5-AFEE-41B0-A580-C7DA08686704}" srcOrd="1" destOrd="0" parTransId="{4586577F-A1D9-4187-A331-F6FD65063564}" sibTransId="{F4262D65-97D6-4E0E-A8D5-B4B48E05C742}"/>
+    <dgm:cxn modelId="{D3BDD19C-E0C3-4CD0-9497-0149C70C2B46}" type="presOf" srcId="{DB48FAB3-6028-441E-AC8C-DA1A8508D5F1}" destId="{4F02105B-1205-4FBE-8E31-7FCD49FADAA0}" srcOrd="0" destOrd="0" presId="urn:microsoft.com/office/officeart/2018/2/layout/IconLabelList"/>
+    <dgm:cxn modelId="{0EDC46AB-5D16-4BD1-BDFB-E7F6338B7109}" srcId="{ECF0F812-2538-4402-B846-FCAA89E15A68}" destId="{DB48FAB3-6028-441E-AC8C-DA1A8508D5F1}" srcOrd="0" destOrd="0" parTransId="{2CF5FCCE-69FB-4D0D-88AA-2C2AED645BE7}" sibTransId="{42D200FD-9F75-4950-A2E4-2D3AEF0E11FB}"/>
+    <dgm:cxn modelId="{DD77A3F9-122B-4C00-BECC-ECB48582E765}" type="presOf" srcId="{ECF0F812-2538-4402-B846-FCAA89E15A68}" destId="{14DBE236-F9BD-4CC5-A584-E85C0B5A5231}" srcOrd="0" destOrd="0" presId="urn:microsoft.com/office/officeart/2018/2/layout/IconLabelList"/>
+    <dgm:cxn modelId="{F073E29B-AA12-4DF4-B82A-889A50E8A82F}" type="presParOf" srcId="{14DBE236-F9BD-4CC5-A584-E85C0B5A5231}" destId="{19C9566F-E78D-4A0B-92EB-F223ECB718B3}" srcOrd="0" destOrd="0" presId="urn:microsoft.com/office/officeart/2018/2/layout/IconLabelList"/>
+    <dgm:cxn modelId="{978F37DB-529C-4787-BB0E-850DA2B22154}" type="presParOf" srcId="{19C9566F-E78D-4A0B-92EB-F223ECB718B3}" destId="{5A101DD3-973F-4621-98A7-9C84AA1CB73F}" srcOrd="0" destOrd="0" presId="urn:microsoft.com/office/officeart/2018/2/layout/IconLabelList"/>
+    <dgm:cxn modelId="{4144CE96-4D1C-4974-87A9-CBFEFFEBD233}" type="presParOf" srcId="{19C9566F-E78D-4A0B-92EB-F223ECB718B3}" destId="{A65785DE-7999-419E-8AF2-5EE1D547BD89}" srcOrd="1" destOrd="0" presId="urn:microsoft.com/office/officeart/2018/2/layout/IconLabelList"/>
+    <dgm:cxn modelId="{2C68D335-D464-4876-8788-34A6079EF636}" type="presParOf" srcId="{19C9566F-E78D-4A0B-92EB-F223ECB718B3}" destId="{4F02105B-1205-4FBE-8E31-7FCD49FADAA0}" srcOrd="2" destOrd="0" presId="urn:microsoft.com/office/officeart/2018/2/layout/IconLabelList"/>
+    <dgm:cxn modelId="{41F15CF6-4995-4D1D-BAD7-92DE5D391CC0}" type="presParOf" srcId="{14DBE236-F9BD-4CC5-A584-E85C0B5A5231}" destId="{4FE9223D-F63D-4398-AE61-46B0F4DCA398}" srcOrd="1" destOrd="0" presId="urn:microsoft.com/office/officeart/2018/2/layout/IconLabelList"/>
+    <dgm:cxn modelId="{E20BAD40-395C-44B7-AAD7-72A6A06AFC61}" type="presParOf" srcId="{14DBE236-F9BD-4CC5-A584-E85C0B5A5231}" destId="{7F6018E4-5027-4475-9D58-741875578054}" srcOrd="2" destOrd="0" presId="urn:microsoft.com/office/officeart/2018/2/layout/IconLabelList"/>
+    <dgm:cxn modelId="{D1CEC998-7DE7-4B60-A62C-4E3F6AFA9BF1}" type="presParOf" srcId="{7F6018E4-5027-4475-9D58-741875578054}" destId="{DB152C9C-5359-4B44-918E-66933B6DC113}" srcOrd="0" destOrd="0" presId="urn:microsoft.com/office/officeart/2018/2/layout/IconLabelList"/>
+    <dgm:cxn modelId="{8156B481-4D8A-42FC-8FCE-1EDB5872993E}" type="presParOf" srcId="{7F6018E4-5027-4475-9D58-741875578054}" destId="{7F813139-0EEC-4CE5-820E-C0B7929F6155}" srcOrd="1" destOrd="0" presId="urn:microsoft.com/office/officeart/2018/2/layout/IconLabelList"/>
+    <dgm:cxn modelId="{E96227AE-0E5F-4A58-AD62-17529E4BF513}" type="presParOf" srcId="{7F6018E4-5027-4475-9D58-741875578054}" destId="{758E77FF-E9CB-4883-A209-AC5A7C7A156D}" srcOrd="2" destOrd="0" presId="urn:microsoft.com/office/officeart/2018/2/layout/IconLabelList"/>
+    <dgm:cxn modelId="{EC75FDFC-EED4-46E0-AA42-A2803D712FAB}" type="presParOf" srcId="{14DBE236-F9BD-4CC5-A584-E85C0B5A5231}" destId="{B162F144-A9ED-4D43-A36E-3BFB9131647B}" srcOrd="3" destOrd="0" presId="urn:microsoft.com/office/officeart/2018/2/layout/IconLabelList"/>
+    <dgm:cxn modelId="{FD33A535-C5B8-4251-BC8B-CF44830C4488}" type="presParOf" srcId="{14DBE236-F9BD-4CC5-A584-E85C0B5A5231}" destId="{4BD33880-6D8B-4485-A1D6-C1A24CFC6A2A}" srcOrd="4" destOrd="0" presId="urn:microsoft.com/office/officeart/2018/2/layout/IconLabelList"/>
+    <dgm:cxn modelId="{E4DD1F89-69AE-467D-B84D-2E752FDA247A}" type="presParOf" srcId="{4BD33880-6D8B-4485-A1D6-C1A24CFC6A2A}" destId="{95E6871C-4E25-4284-A8AB-B4B3D133E002}" srcOrd="0" destOrd="0" presId="urn:microsoft.com/office/officeart/2018/2/layout/IconLabelList"/>
+    <dgm:cxn modelId="{13A699F0-B472-45F5-AEE0-9D980F18B063}" type="presParOf" srcId="{4BD33880-6D8B-4485-A1D6-C1A24CFC6A2A}" destId="{DDB2BA62-D0A6-4DBE-B8DE-34A89FCC6469}" srcOrd="1" destOrd="0" presId="urn:microsoft.com/office/officeart/2018/2/layout/IconLabelList"/>
+    <dgm:cxn modelId="{EE394321-9ACD-4BEC-B2E2-E541A48E907C}" type="presParOf" srcId="{4BD33880-6D8B-4485-A1D6-C1A24CFC6A2A}" destId="{383EE496-B078-47E8-A30B-9CD24CFDEBA8}" srcOrd="2" destOrd="0" presId="urn:microsoft.com/office/officeart/2018/2/layout/IconLabelList"/>
+    <dgm:cxn modelId="{589DE4DB-F6BA-454A-86CC-4DAA661789E2}" type="presParOf" srcId="{14DBE236-F9BD-4CC5-A584-E85C0B5A5231}" destId="{61051FB0-4947-4862-BE28-088612BC001D}" srcOrd="5" destOrd="0" presId="urn:microsoft.com/office/officeart/2018/2/layout/IconLabelList"/>
+    <dgm:cxn modelId="{67AA501A-546E-4C2F-BEB6-CCC7652F5B72}" type="presParOf" srcId="{14DBE236-F9BD-4CC5-A584-E85C0B5A5231}" destId="{C37274FB-6C39-4DFE-9513-AA766E37EF50}" srcOrd="6" destOrd="0" presId="urn:microsoft.com/office/officeart/2018/2/layout/IconLabelList"/>
+    <dgm:cxn modelId="{3C2DB6AA-0DD7-4ED1-95B7-B9F2D45BA747}" type="presParOf" srcId="{C37274FB-6C39-4DFE-9513-AA766E37EF50}" destId="{6A25AEA4-6FC8-4303-88FA-8C9C4425DD0F}" srcOrd="0" destOrd="0" presId="urn:microsoft.com/office/officeart/2018/2/layout/IconLabelList"/>
+    <dgm:cxn modelId="{CF871DF5-DFCB-4211-857C-BAE0F742887F}" type="presParOf" srcId="{C37274FB-6C39-4DFE-9513-AA766E37EF50}" destId="{AED4C432-14B2-455A-8307-BC242EC3736E}" srcOrd="1" destOrd="0" presId="urn:microsoft.com/office/officeart/2018/2/layout/IconLabelList"/>
+    <dgm:cxn modelId="{041003ED-5DDF-4A8F-AA76-F9744E084194}" type="presParOf" srcId="{C37274FB-6C39-4DFE-9513-AA766E37EF50}" destId="{3817AF31-111C-477F-A281-97F650C27330}" srcOrd="2" destOrd="0" presId="urn:microsoft.com/office/officeart/2018/2/layout/IconLabelList"/>
+  </dgm:cxnLst>
+  <dgm:bg/>
+  <dgm:whole/>
+  <dgm:extLst>
+    <a:ext uri="http://schemas.microsoft.com/office/drawing/2008/diagram">
+      <dsp:dataModelExt xmlns:dsp="http://schemas.microsoft.com/office/drawing/2008/diagram" relId="rId6" minVer="http://schemas.openxmlformats.org/drawingml/2006/diagram"/>
+    </a:ext>
+  </dgm:extLst>
+</dgm:dataModel>
+</file>
+
+<file path=ppt/diagrams/drawing1.xml><?xml version="1.0" encoding="utf-8"?>
+<dsp:drawing xmlns:dgm="http://schemas.openxmlformats.org/drawingml/2006/diagram" xmlns:dsp="http://schemas.microsoft.com/office/drawing/2008/diagram" xmlns:a="http://schemas.openxmlformats.org/drawingml/2006/main">
+  <dsp:spTree>
+    <dsp:nvGrpSpPr>
+      <dsp:cNvPr id="0" name=""/>
+      <dsp:cNvGrpSpPr/>
+    </dsp:nvGrpSpPr>
+    <dsp:grpSpPr/>
+    <dsp:sp modelId="{5A101DD3-973F-4621-98A7-9C84AA1CB73F}">
+      <dsp:nvSpPr>
+        <dsp:cNvPr id="0" name=""/>
+        <dsp:cNvSpPr/>
+      </dsp:nvSpPr>
+      <dsp:spPr>
+        <a:xfrm>
+          <a:off x="1138979" y="965227"/>
+          <a:ext cx="932563" cy="932563"/>
+        </a:xfrm>
+        <a:prstGeom prst="rect">
+          <a:avLst/>
+        </a:prstGeom>
+        <a:blipFill>
+          <a:blip xmlns:r="http://schemas.openxmlformats.org/officeDocument/2006/relationships" r:embed="rId1">
+            <a:extLst>
+              <a:ext uri="{96DAC541-7B7A-43D3-8B79-37D633B846F1}">
+                <asvg:svgBlip xmlns:asvg="http://schemas.microsoft.com/office/drawing/2016/SVG/main" r:embed="rId2"/>
+              </a:ext>
+            </a:extLst>
+          </a:blip>
+          <a:srcRect/>
+          <a:stretch>
+            <a:fillRect/>
+          </a:stretch>
+        </a:blipFill>
+        <a:ln w="12700" cap="flat" cmpd="sng" algn="ctr">
+          <a:solidFill>
+            <a:schemeClr val="lt1">
+              <a:hueOff val="0"/>
+              <a:satOff val="0"/>
+              <a:lumOff val="0"/>
+              <a:alphaOff val="0"/>
+            </a:schemeClr>
+          </a:solidFill>
+          <a:prstDash val="solid"/>
+          <a:miter lim="800000"/>
+        </a:ln>
+        <a:effectLst/>
+      </dsp:spPr>
+      <dsp:style>
+        <a:lnRef idx="2">
+          <a:scrgbClr r="0" g="0" b="0"/>
+        </a:lnRef>
+        <a:fillRef idx="1">
+          <a:scrgbClr r="0" g="0" b="0"/>
+        </a:fillRef>
+        <a:effectRef idx="0">
+          <a:scrgbClr r="0" g="0" b="0"/>
+        </a:effectRef>
+        <a:fontRef idx="minor">
+          <a:schemeClr val="lt1"/>
+        </a:fontRef>
+      </dsp:style>
+    </dsp:sp>
+    <dsp:sp modelId="{4F02105B-1205-4FBE-8E31-7FCD49FADAA0}">
+      <dsp:nvSpPr>
+        <dsp:cNvPr id="0" name=""/>
+        <dsp:cNvSpPr/>
+      </dsp:nvSpPr>
+      <dsp:spPr>
+        <a:xfrm>
+          <a:off x="569079" y="2261110"/>
+          <a:ext cx="2072362" cy="1125000"/>
+        </a:xfrm>
+        <a:prstGeom prst="rect">
+          <a:avLst/>
+        </a:prstGeom>
+        <a:noFill/>
+        <a:ln>
+          <a:noFill/>
+        </a:ln>
+        <a:effectLst/>
+      </dsp:spPr>
+      <dsp:style>
+        <a:lnRef idx="0">
+          <a:scrgbClr r="0" g="0" b="0"/>
+        </a:lnRef>
+        <a:fillRef idx="0">
+          <a:scrgbClr r="0" g="0" b="0"/>
+        </a:fillRef>
+        <a:effectRef idx="0">
+          <a:scrgbClr r="0" g="0" b="0"/>
+        </a:effectRef>
+        <a:fontRef idx="minor"/>
+      </dsp:style>
+      <dsp:txBody>
+        <a:bodyPr spcFirstLastPara="0" vert="horz" wrap="square" lIns="0" tIns="0" rIns="0" bIns="0" numCol="1" spcCol="1270" anchor="t" anchorCtr="0">
+          <a:noAutofit/>
+        </a:bodyPr>
+        <a:lstStyle/>
+        <a:p>
+          <a:pPr marL="0" lvl="0" indent="0" algn="ctr" defTabSz="1066800">
+            <a:lnSpc>
+              <a:spcPct val="100000"/>
+            </a:lnSpc>
+            <a:spcBef>
+              <a:spcPct val="0"/>
+            </a:spcBef>
+            <a:spcAft>
+              <a:spcPct val="35000"/>
+            </a:spcAft>
+            <a:buNone/>
+          </a:pPr>
+          <a:r>
+            <a:rPr lang="en-US" sz="2400" kern="1200" dirty="0"/>
+            <a:t>conducting reproducible research</a:t>
+          </a:r>
+        </a:p>
+      </dsp:txBody>
+      <dsp:txXfrm>
+        <a:off x="569079" y="2261110"/>
+        <a:ext cx="2072362" cy="1125000"/>
+      </dsp:txXfrm>
+    </dsp:sp>
+    <dsp:sp modelId="{DB152C9C-5359-4B44-918E-66933B6DC113}">
+      <dsp:nvSpPr>
+        <dsp:cNvPr id="0" name=""/>
+        <dsp:cNvSpPr/>
+      </dsp:nvSpPr>
+      <dsp:spPr>
+        <a:xfrm>
+          <a:off x="3574005" y="965227"/>
+          <a:ext cx="932563" cy="932563"/>
+        </a:xfrm>
+        <a:prstGeom prst="rect">
+          <a:avLst/>
+        </a:prstGeom>
+        <a:blipFill>
+          <a:blip xmlns:r="http://schemas.openxmlformats.org/officeDocument/2006/relationships" r:embed="rId3">
+            <a:extLst>
+              <a:ext uri="{96DAC541-7B7A-43D3-8B79-37D633B846F1}">
+                <asvg:svgBlip xmlns:asvg="http://schemas.microsoft.com/office/drawing/2016/SVG/main" r:embed="rId4"/>
+              </a:ext>
+            </a:extLst>
+          </a:blip>
+          <a:srcRect/>
+          <a:stretch>
+            <a:fillRect/>
+          </a:stretch>
+        </a:blipFill>
+        <a:ln w="12700" cap="flat" cmpd="sng" algn="ctr">
+          <a:solidFill>
+            <a:schemeClr val="lt1">
+              <a:hueOff val="0"/>
+              <a:satOff val="0"/>
+              <a:lumOff val="0"/>
+              <a:alphaOff val="0"/>
+            </a:schemeClr>
+          </a:solidFill>
+          <a:prstDash val="solid"/>
+          <a:miter lim="800000"/>
+        </a:ln>
+        <a:effectLst/>
+      </dsp:spPr>
+      <dsp:style>
+        <a:lnRef idx="2">
+          <a:scrgbClr r="0" g="0" b="0"/>
+        </a:lnRef>
+        <a:fillRef idx="1">
+          <a:scrgbClr r="0" g="0" b="0"/>
+        </a:fillRef>
+        <a:effectRef idx="0">
+          <a:scrgbClr r="0" g="0" b="0"/>
+        </a:effectRef>
+        <a:fontRef idx="minor">
+          <a:schemeClr val="lt1"/>
+        </a:fontRef>
+      </dsp:style>
+    </dsp:sp>
+    <dsp:sp modelId="{758E77FF-E9CB-4883-A209-AC5A7C7A156D}">
+      <dsp:nvSpPr>
+        <dsp:cNvPr id="0" name=""/>
+        <dsp:cNvSpPr/>
+      </dsp:nvSpPr>
+      <dsp:spPr>
+        <a:xfrm>
+          <a:off x="3004105" y="2261110"/>
+          <a:ext cx="2072362" cy="1125000"/>
+        </a:xfrm>
+        <a:prstGeom prst="rect">
+          <a:avLst/>
+        </a:prstGeom>
+        <a:noFill/>
+        <a:ln>
+          <a:noFill/>
+        </a:ln>
+        <a:effectLst/>
+      </dsp:spPr>
+      <dsp:style>
+        <a:lnRef idx="0">
+          <a:scrgbClr r="0" g="0" b="0"/>
+        </a:lnRef>
+        <a:fillRef idx="0">
+          <a:scrgbClr r="0" g="0" b="0"/>
+        </a:fillRef>
+        <a:effectRef idx="0">
+          <a:scrgbClr r="0" g="0" b="0"/>
+        </a:effectRef>
+        <a:fontRef idx="minor"/>
+      </dsp:style>
+      <dsp:txBody>
+        <a:bodyPr spcFirstLastPara="0" vert="horz" wrap="square" lIns="0" tIns="0" rIns="0" bIns="0" numCol="1" spcCol="1270" anchor="t" anchorCtr="0">
+          <a:noAutofit/>
+        </a:bodyPr>
+        <a:lstStyle/>
+        <a:p>
+          <a:pPr marL="0" lvl="0" indent="0" algn="ctr" defTabSz="1066800">
+            <a:lnSpc>
+              <a:spcPct val="100000"/>
+            </a:lnSpc>
+            <a:spcBef>
+              <a:spcPct val="0"/>
+            </a:spcBef>
+            <a:spcAft>
+              <a:spcPct val="35000"/>
+            </a:spcAft>
+            <a:buNone/>
+          </a:pPr>
+          <a:r>
+            <a:rPr lang="en-US" sz="2400" kern="1200"/>
+            <a:t>automating data processing pipelines</a:t>
+          </a:r>
+        </a:p>
+      </dsp:txBody>
+      <dsp:txXfrm>
+        <a:off x="3004105" y="2261110"/>
+        <a:ext cx="2072362" cy="1125000"/>
+      </dsp:txXfrm>
+    </dsp:sp>
+    <dsp:sp modelId="{95E6871C-4E25-4284-A8AB-B4B3D133E002}">
+      <dsp:nvSpPr>
+        <dsp:cNvPr id="0" name=""/>
+        <dsp:cNvSpPr/>
+      </dsp:nvSpPr>
+      <dsp:spPr>
+        <a:xfrm>
+          <a:off x="6009031" y="965227"/>
+          <a:ext cx="932563" cy="932563"/>
+        </a:xfrm>
+        <a:prstGeom prst="rect">
+          <a:avLst/>
+        </a:prstGeom>
+        <a:blipFill>
+          <a:blip xmlns:r="http://schemas.openxmlformats.org/officeDocument/2006/relationships" r:embed="rId5">
+            <a:extLst>
+              <a:ext uri="{28A0092B-C50C-407E-A947-70E740481C1C}">
+                <a14:useLocalDpi xmlns:a14="http://schemas.microsoft.com/office/drawing/2010/main" val="0"/>
+              </a:ext>
+              <a:ext uri="{96DAC541-7B7A-43D3-8B79-37D633B846F1}">
+                <asvg:svgBlip xmlns:asvg="http://schemas.microsoft.com/office/drawing/2016/SVG/main" r:embed="rId6"/>
+              </a:ext>
+            </a:extLst>
+          </a:blip>
+          <a:srcRect/>
+          <a:stretch>
+            <a:fillRect/>
+          </a:stretch>
+        </a:blipFill>
+        <a:ln w="12700" cap="flat" cmpd="sng" algn="ctr">
+          <a:solidFill>
+            <a:schemeClr val="lt1">
+              <a:hueOff val="0"/>
+              <a:satOff val="0"/>
+              <a:lumOff val="0"/>
+              <a:alphaOff val="0"/>
+            </a:schemeClr>
+          </a:solidFill>
+          <a:prstDash val="solid"/>
+          <a:miter lim="800000"/>
+        </a:ln>
+        <a:effectLst/>
+      </dsp:spPr>
+      <dsp:style>
+        <a:lnRef idx="2">
+          <a:scrgbClr r="0" g="0" b="0"/>
+        </a:lnRef>
+        <a:fillRef idx="1">
+          <a:scrgbClr r="0" g="0" b="0"/>
+        </a:fillRef>
+        <a:effectRef idx="0">
+          <a:scrgbClr r="0" g="0" b="0"/>
+        </a:effectRef>
+        <a:fontRef idx="minor">
+          <a:schemeClr val="lt1"/>
+        </a:fontRef>
+      </dsp:style>
+    </dsp:sp>
+    <dsp:sp modelId="{383EE496-B078-47E8-A30B-9CD24CFDEBA8}">
+      <dsp:nvSpPr>
+        <dsp:cNvPr id="0" name=""/>
+        <dsp:cNvSpPr/>
+      </dsp:nvSpPr>
+      <dsp:spPr>
+        <a:xfrm>
+          <a:off x="5439131" y="2261110"/>
+          <a:ext cx="2072362" cy="1125000"/>
+        </a:xfrm>
+        <a:prstGeom prst="rect">
+          <a:avLst/>
+        </a:prstGeom>
+        <a:noFill/>
+        <a:ln>
+          <a:noFill/>
+        </a:ln>
+        <a:effectLst/>
+      </dsp:spPr>
+      <dsp:style>
+        <a:lnRef idx="0">
+          <a:scrgbClr r="0" g="0" b="0"/>
+        </a:lnRef>
+        <a:fillRef idx="0">
+          <a:scrgbClr r="0" g="0" b="0"/>
+        </a:fillRef>
+        <a:effectRef idx="0">
+          <a:scrgbClr r="0" g="0" b="0"/>
+        </a:effectRef>
+        <a:fontRef idx="minor"/>
+      </dsp:style>
+      <dsp:txBody>
+        <a:bodyPr spcFirstLastPara="0" vert="horz" wrap="square" lIns="0" tIns="0" rIns="0" bIns="0" numCol="1" spcCol="1270" anchor="t" anchorCtr="0">
+          <a:noAutofit/>
+        </a:bodyPr>
+        <a:lstStyle/>
+        <a:p>
+          <a:pPr marL="0" lvl="0" indent="0" algn="ctr" defTabSz="1066800">
+            <a:lnSpc>
+              <a:spcPct val="100000"/>
+            </a:lnSpc>
+            <a:spcBef>
+              <a:spcPct val="0"/>
+            </a:spcBef>
+            <a:spcAft>
+              <a:spcPct val="35000"/>
+            </a:spcAft>
+            <a:buNone/>
+          </a:pPr>
+          <a:r>
+            <a:rPr lang="en-US" sz="2400" kern="1200"/>
+            <a:t>creating high-quality visualizations</a:t>
+          </a:r>
+        </a:p>
+      </dsp:txBody>
+      <dsp:txXfrm>
+        <a:off x="5439131" y="2261110"/>
+        <a:ext cx="2072362" cy="1125000"/>
+      </dsp:txXfrm>
+    </dsp:sp>
+    <dsp:sp modelId="{6A25AEA4-6FC8-4303-88FA-8C9C4425DD0F}">
+      <dsp:nvSpPr>
+        <dsp:cNvPr id="0" name=""/>
+        <dsp:cNvSpPr/>
+      </dsp:nvSpPr>
+      <dsp:spPr>
+        <a:xfrm>
+          <a:off x="8444057" y="965227"/>
+          <a:ext cx="932563" cy="932563"/>
+        </a:xfrm>
+        <a:prstGeom prst="rect">
+          <a:avLst/>
+        </a:prstGeom>
+        <a:blipFill>
+          <a:blip xmlns:r="http://schemas.openxmlformats.org/officeDocument/2006/relationships" r:embed="rId7">
+            <a:extLst>
+              <a:ext uri="{96DAC541-7B7A-43D3-8B79-37D633B846F1}">
+                <asvg:svgBlip xmlns:asvg="http://schemas.microsoft.com/office/drawing/2016/SVG/main" r:embed="rId8"/>
+              </a:ext>
+            </a:extLst>
+          </a:blip>
+          <a:srcRect/>
+          <a:stretch>
+            <a:fillRect/>
+          </a:stretch>
+        </a:blipFill>
+        <a:ln w="12700" cap="flat" cmpd="sng" algn="ctr">
+          <a:solidFill>
+            <a:schemeClr val="lt1">
+              <a:hueOff val="0"/>
+              <a:satOff val="0"/>
+              <a:lumOff val="0"/>
+              <a:alphaOff val="0"/>
+            </a:schemeClr>
+          </a:solidFill>
+          <a:prstDash val="solid"/>
+          <a:miter lim="800000"/>
+        </a:ln>
+        <a:effectLst/>
+      </dsp:spPr>
+      <dsp:style>
+        <a:lnRef idx="2">
+          <a:scrgbClr r="0" g="0" b="0"/>
+        </a:lnRef>
+        <a:fillRef idx="1">
+          <a:scrgbClr r="0" g="0" b="0"/>
+        </a:fillRef>
+        <a:effectRef idx="0">
+          <a:scrgbClr r="0" g="0" b="0"/>
+        </a:effectRef>
+        <a:fontRef idx="minor">
+          <a:schemeClr val="lt1"/>
+        </a:fontRef>
+      </dsp:style>
+    </dsp:sp>
+    <dsp:sp modelId="{3817AF31-111C-477F-A281-97F650C27330}">
+      <dsp:nvSpPr>
+        <dsp:cNvPr id="0" name=""/>
+        <dsp:cNvSpPr/>
+      </dsp:nvSpPr>
+      <dsp:spPr>
+        <a:xfrm>
+          <a:off x="7874157" y="2261110"/>
+          <a:ext cx="2072362" cy="1125000"/>
+        </a:xfrm>
+        <a:prstGeom prst="rect">
+          <a:avLst/>
+        </a:prstGeom>
+        <a:noFill/>
+        <a:ln>
+          <a:noFill/>
+        </a:ln>
+        <a:effectLst/>
+      </dsp:spPr>
+      <dsp:style>
+        <a:lnRef idx="0">
+          <a:scrgbClr r="0" g="0" b="0"/>
+        </a:lnRef>
+        <a:fillRef idx="0">
+          <a:scrgbClr r="0" g="0" b="0"/>
+        </a:fillRef>
+        <a:effectRef idx="0">
+          <a:scrgbClr r="0" g="0" b="0"/>
+        </a:effectRef>
+        <a:fontRef idx="minor"/>
+      </dsp:style>
+      <dsp:txBody>
+        <a:bodyPr spcFirstLastPara="0" vert="horz" wrap="square" lIns="0" tIns="0" rIns="0" bIns="0" numCol="1" spcCol="1270" anchor="t" anchorCtr="0">
+          <a:noAutofit/>
+        </a:bodyPr>
+        <a:lstStyle/>
+        <a:p>
+          <a:pPr marL="0" lvl="0" indent="0" algn="ctr" defTabSz="1066800">
+            <a:lnSpc>
+              <a:spcPct val="100000"/>
+            </a:lnSpc>
+            <a:spcBef>
+              <a:spcPct val="0"/>
+            </a:spcBef>
+            <a:spcAft>
+              <a:spcPct val="35000"/>
+            </a:spcAft>
+            <a:buNone/>
+          </a:pPr>
+          <a:r>
+            <a:rPr lang="en-US" sz="2400" kern="1200" dirty="0"/>
+            <a:t>conducting statistical analyses</a:t>
+          </a:r>
+        </a:p>
+      </dsp:txBody>
+      <dsp:txXfrm>
+        <a:off x="7874157" y="2261110"/>
+        <a:ext cx="2072362" cy="1125000"/>
+      </dsp:txXfrm>
+    </dsp:sp>
+  </dsp:spTree>
+</dsp:drawing>
+</file>
+
+<file path=ppt/diagrams/layout1.xml><?xml version="1.0" encoding="utf-8"?>
+<dgm:layoutDef xmlns:dgm="http://schemas.openxmlformats.org/drawingml/2006/diagram" xmlns:a="http://schemas.openxmlformats.org/drawingml/2006/main" uniqueId="urn:microsoft.com/office/officeart/2018/2/layout/IconLabelList">
+  <dgm:title val="Icon Label List"/>
+  <dgm:desc val="Use to show non-sequential or grouped chunks of information accompanied by a related visuals. Works best with icons or small pictures with short text captions."/>
+  <dgm:catLst>
+    <dgm:cat type="icon" pri="500"/>
+  </dgm:catLst>
+  <dgm:sampData useDef="1">
+    <dgm:dataModel>
+      <dgm:ptLst/>
+      <dgm:bg/>
+      <dgm:whole/>
+    </dgm:dataModel>
+  </dgm:sampData>
+  <dgm:styleData useDef="1">
+    <dgm:dataModel>
+      <dgm:ptLst/>
+      <dgm:bg/>
+      <dgm:whole/>
+    </dgm:dataModel>
+  </dgm:styleData>
+  <dgm:clrData useDef="1">
+    <dgm:dataModel>
+      <dgm:ptLst/>
+      <dgm:bg/>
+      <dgm:whole/>
+    </dgm:dataModel>
+  </dgm:clrData>
+  <dgm:layoutNode name="root">
+    <dgm:varLst>
+      <dgm:dir/>
+      <dgm:resizeHandles val="exact"/>
+    </dgm:varLst>
+    <dgm:choose name="Name0">
+      <dgm:if name="Name1" axis="self" func="var" arg="dir" op="equ" val="norm">
+        <dgm:alg type="snake">
+          <dgm:param type="grDir" val="tL"/>
+          <dgm:param type="flowDir" val="row"/>
+          <dgm:param type="contDir" val="sameDir"/>
+          <dgm:param type="off" val="ctr"/>
+          <dgm:param type="vertAlign" val="mid"/>
+          <dgm:param type="horzAlign" val="ctr"/>
+        </dgm:alg>
+      </dgm:if>
+      <dgm:else name="Name2">
+        <dgm:alg type="snake">
+          <dgm:param type="grDir" val="tR"/>
+          <dgm:param type="flowDir" val="row"/>
+          <dgm:param type="contDir" val="sameDir"/>
+          <dgm:param type="off" val="ctr"/>
+          <dgm:param type="vertAlign" val="mid"/>
+          <dgm:param type="horzAlign" val="ctr"/>
+        </dgm:alg>
+      </dgm:else>
+    </dgm:choose>
+    <dgm:shape xmlns:r="http://schemas.openxmlformats.org/officeDocument/2006/relationships" r:blip="">
+      <dgm:adjLst/>
+    </dgm:shape>
+    <dgm:presOf/>
+    <dgm:choose name="Name3">
+      <dgm:if name="Name4" axis="ch" ptType="node" func="cnt" op="lte" val="2">
+        <dgm:constrLst>
+          <dgm:constr type="h" for="ch" forName="compNode" refType="h" fact="0.4"/>
+          <dgm:constr type="w" for="ch" forName="compNode" val="120"/>
+          <dgm:constr type="w" for="ch" forName="sibTrans" refType="w" refFor="ch" refForName="compNode" fact="0.175"/>
+          <dgm:constr type="sp" refType="w" refFor="ch" refForName="compNode" op="equ" fact="0.25"/>
+          <dgm:constr type="primFontSz" for="des" ptType="node" op="equ" val="50"/>
+          <dgm:constr type="h" for="des" forName="compNode" op="equ"/>
+          <dgm:constr type="h" for="des" forName="textRect" op="equ"/>
+        </dgm:constrLst>
+      </dgm:if>
+      <dgm:if name="Name5" axis="ch" ptType="node" func="cnt" op="lte" val="4">
+        <dgm:constrLst>
+          <dgm:constr type="h" for="ch" forName="compNode" refType="h" fact="0.4"/>
+          <dgm:constr type="w" for="ch" forName="compNode" refType="w"/>
+          <dgm:constr type="w" for="ch" forName="sibTrans" refType="w" refFor="ch" refForName="compNode" fact="0.175"/>
+          <dgm:constr type="sp" refType="w" refFor="ch" refForName="compNode" op="equ" fact="0.25"/>
+          <dgm:constr type="primFontSz" for="des" ptType="node" op="equ" val="36"/>
+          <dgm:constr type="h" for="des" forName="compNode" op="equ"/>
+          <dgm:constr type="h" for="des" forName="textRect" op="equ"/>
+        </dgm:constrLst>
+      </dgm:if>
+      <dgm:else name="Name6">
+        <dgm:constrLst>
+          <dgm:constr type="h" for="ch" forName="compNode" refType="h" fact="0.4"/>
+          <dgm:constr type="w" for="ch" forName="compNode" refType="w"/>
+          <dgm:constr type="w" for="ch" forName="sibTrans" refType="w" refFor="ch" refForName="compNode" fact="0.175"/>
+          <dgm:constr type="sp" refType="w" refFor="ch" refForName="compNode" op="equ" fact="0.25"/>
+          <dgm:constr type="primFontSz" for="des" ptType="node" op="equ" val="24"/>
+          <dgm:constr type="h" for="des" forName="compNode" op="equ"/>
+          <dgm:constr type="h" for="des" forName="textRect" op="equ"/>
+        </dgm:constrLst>
+      </dgm:else>
+    </dgm:choose>
+    <dgm:ruleLst>
+      <dgm:rule type="w" for="ch" forName="compNode" val="50" fact="NaN" max="NaN"/>
+    </dgm:ruleLst>
+    <dgm:forEach name="Name7" axis="ch" ptType="node">
+      <dgm:layoutNode name="compNode">
+        <dgm:alg type="composite"/>
+        <dgm:shape xmlns:r="http://schemas.openxmlformats.org/officeDocument/2006/relationships" r:blip="">
+          <dgm:adjLst/>
+        </dgm:shape>
+        <dgm:presOf axis="self"/>
+        <dgm:constrLst>
+          <dgm:constr type="w" for="ch" forName="iconRect" refType="w" fact="0.45"/>
+          <dgm:constr type="h" for="ch" forName="iconRect" refType="w" refFor="ch" refForName="iconRect"/>
+          <dgm:constr type="ctrX" for="ch" forName="iconRect" refType="w" fact="0.5"/>
+          <dgm:constr type="t" for="ch" forName="iconRect"/>
+          <dgm:constr type="h" for="ch" forName="spaceRect" refType="h" fact="0.15"/>
+          <dgm:constr type="w" for="ch" forName="spaceRect" refType="w"/>
+          <dgm:constr type="l" for="ch" forName="spaceRect"/>
+          <dgm:constr type="t" for="ch" forName="spaceRect" refType="b" refFor="ch" refForName="iconRect"/>
+          <dgm:constr type="h" for="ch" forName="textRect" val="20"/>
+          <dgm:constr type="w" for="ch" forName="textRect" refType="w"/>
+          <dgm:constr type="l" for="ch" forName="textRect"/>
+          <dgm:constr type="t" for="ch" forName="textRect" refType="b" refFor="ch" refForName="spaceRect"/>
+        </dgm:constrLst>
+        <dgm:ruleLst>
+          <dgm:rule type="h" val="INF" fact="NaN" max="NaN"/>
+        </dgm:ruleLst>
+        <dgm:layoutNode name="iconRect" styleLbl="node1">
+          <dgm:alg type="sp"/>
+          <dgm:shape xmlns:r="http://schemas.openxmlformats.org/officeDocument/2006/relationships" type="rect" r:blip="" blipPhldr="1">
+            <dgm:adjLst/>
+          </dgm:shape>
+          <dgm:presOf/>
+          <dgm:constrLst/>
+          <dgm:ruleLst/>
+        </dgm:layoutNode>
+        <dgm:layoutNode name="spaceRect">
+          <dgm:alg type="sp"/>
+          <dgm:shape xmlns:r="http://schemas.openxmlformats.org/officeDocument/2006/relationships" r:blip="">
+            <dgm:adjLst/>
+          </dgm:shape>
+          <dgm:presOf/>
+          <dgm:constrLst/>
+          <dgm:ruleLst/>
+        </dgm:layoutNode>
+        <dgm:layoutNode name="textRect" styleLbl="revTx">
+          <dgm:varLst>
+            <dgm:chMax val="1"/>
+            <dgm:chPref val="1"/>
+          </dgm:varLst>
+          <dgm:alg type="tx">
+            <dgm:param type="txAnchorVert" val="t"/>
+          </dgm:alg>
+          <dgm:shape xmlns:r="http://schemas.openxmlformats.org/officeDocument/2006/relationships" type="rect" r:blip="">
+            <dgm:adjLst/>
+          </dgm:shape>
+          <dgm:presOf axis="self" ptType="node"/>
+          <dgm:constrLst>
+            <dgm:constr type="lMarg"/>
+            <dgm:constr type="rMarg"/>
+            <dgm:constr type="tMarg"/>
+            <dgm:constr type="bMarg"/>
+          </dgm:constrLst>
+          <dgm:ruleLst>
+            <dgm:rule type="primFontSz" val="11" fact="NaN" max="NaN"/>
+            <dgm:rule type="h" val="INF" fact="NaN" max="NaN"/>
+          </dgm:ruleLst>
+        </dgm:layoutNode>
+      </dgm:layoutNode>
+      <dgm:forEach name="Name8" axis="followSib" ptType="sibTrans" cnt="1">
+        <dgm:layoutNode name="sibTrans">
+          <dgm:alg type="sp"/>
+          <dgm:shape xmlns:r="http://schemas.openxmlformats.org/officeDocument/2006/relationships" r:blip="">
+            <dgm:adjLst/>
+          </dgm:shape>
+          <dgm:presOf axis="self"/>
+          <dgm:constrLst/>
+          <dgm:ruleLst/>
+        </dgm:layoutNode>
+      </dgm:forEach>
+    </dgm:forEach>
+  </dgm:layoutNode>
+  <dgm:extLst>
+    <a:ext uri="{68A01E43-0DF5-4B5B-8FA6-DAF915123BFB}">
+      <dgm1612:lstStyle xmlns:dgm1612="http://schemas.microsoft.com/office/drawing/2016/12/diagram">
+        <a:lvl1pPr>
+          <a:lnSpc>
+            <a:spcPct val="100000"/>
+          </a:lnSpc>
+        </a:lvl1pPr>
+      </dgm1612:lstStyle>
+    </a:ext>
+  </dgm:extLst>
+</dgm:layoutDef>
+</file>
+
+<file path=ppt/diagrams/quickStyle1.xml><?xml version="1.0" encoding="utf-8"?>
+<dgm:styleDef xmlns:dgm="http://schemas.openxmlformats.org/drawingml/2006/diagram" xmlns:a="http://schemas.openxmlformats.org/drawingml/2006/main" uniqueId="urn:microsoft.com/office/officeart/2005/8/quickstyle/simple1">
+  <dgm:title val=""/>
+  <dgm:desc val=""/>
+  <dgm:catLst>
+    <dgm:cat type="simple" pri="10100"/>
+  </dgm:catLst>
+  <dgm:scene3d>
+    <a:camera prst="orthographicFront"/>
+    <a:lightRig rig="threePt" dir="t"/>
+  </dgm:scene3d>
+  <dgm:styleLbl name="node0">
+    <dgm:scene3d>
+      <a:camera prst="orthographicFront"/>
+      <a:lightRig rig="threePt" dir="t"/>
+    </dgm:scene3d>
+    <dgm:sp3d/>
+    <dgm:txPr/>
+    <dgm:style>
+      <a:lnRef idx="2">
+        <a:scrgbClr r="0" g="0" b="0"/>
+      </a:lnRef>
+      <a:fillRef idx="1">
+        <a:scrgbClr r="0" g="0" b="0"/>
+      </a:fillRef>
+      <a:effectRef idx="0">
+        <a:scrgbClr r="0" g="0" b="0"/>
+      </a:effectRef>
+      <a:fontRef idx="minor">
+        <a:schemeClr val="lt1"/>
+      </a:fontRef>
+    </dgm:style>
+  </dgm:styleLbl>
+  <dgm:styleLbl name="lnNode1">
+    <dgm:scene3d>
+      <a:camera prst="orthographicFront"/>
+      <a:lightRig rig="threePt" dir="t"/>
+    </dgm:scene3d>
+    <dgm:sp3d/>
+    <dgm:txPr/>
+    <dgm:style>
+      <a:lnRef idx="2">
+        <a:scrgbClr r="0" g="0" b="0"/>
+      </a:lnRef>
+      <a:fillRef idx="1">
+        <a:scrgbClr r="0" g="0" b="0"/>
+      </a:fillRef>
+      <a:effectRef idx="0">
+        <a:scrgbClr r="0" g="0" b="0"/>
+      </a:effectRef>
+      <a:fontRef idx="minor">
+        <a:schemeClr val="lt1"/>
+      </a:fontRef>
+    </dgm:style>
+  </dgm:styleLbl>
+  <dgm:styleLbl name="vennNode1">
+    <dgm:scene3d>
+      <a:camera prst="orthographicFront"/>
+      <a:lightRig rig="threePt" dir="t"/>
+    </dgm:scene3d>
+    <dgm:sp3d/>
+    <dgm:txPr/>
+    <dgm:style>
+      <a:lnRef idx="2">
+        <a:scrgbClr r="0" g="0" b="0"/>
+      </a:lnRef>
+      <a:fillRef idx="1">
+        <a:scrgbClr r="0" g="0" b="0"/>
+      </a:fillRef>
+      <a:effectRef idx="0">
+        <a:scrgbClr r="0" g="0" b="0"/>
+      </a:effectRef>
+      <a:fontRef idx="minor">
+        <a:schemeClr val="tx1"/>
+      </a:fontRef>
+    </dgm:style>
+  </dgm:styleLbl>
+  <dgm:styleLbl name="alignNode1">
+    <dgm:scene3d>
+      <a:camera prst="orthographicFront"/>
+      <a:lightRig rig="threePt" dir="t"/>
+    </dgm:scene3d>
+    <dgm:sp3d/>
+    <dgm:txPr/>
+    <dgm:style>
+      <a:lnRef idx="2">
+        <a:scrgbClr r="0" g="0" b="0"/>
+      </a:lnRef>
+      <a:fillRef idx="1">
+        <a:scrgbClr r="0" g="0" b="0"/>
+      </a:fillRef>
+      <a:effectRef idx="0">
+        <a:scrgbClr r="0" g="0" b="0"/>
+      </a:effectRef>
+      <a:fontRef idx="minor">
+        <a:schemeClr val="lt1"/>
+      </a:fontRef>
+    </dgm:style>
+  </dgm:styleLbl>
+  <dgm:styleLbl name="node1">
+    <dgm:scene3d>
+      <a:camera prst="orthographicFront"/>
+      <a:lightRig rig="threePt" dir="t"/>
+    </dgm:scene3d>
+    <dgm:sp3d/>
+    <dgm:txPr/>
+    <dgm:style>
+      <a:lnRef idx="2">
+        <a:scrgbClr r="0" g="0" b="0"/>
+      </a:lnRef>
+      <a:fillRef idx="1">
+        <a:scrgbClr r="0" g="0" b="0"/>
+      </a:fillRef>
+      <a:effectRef idx="0">
+        <a:scrgbClr r="0" g="0" b="0"/>
+      </a:effectRef>
+      <a:fontRef idx="minor">
+        <a:schemeClr val="lt1"/>
+      </a:fontRef>
+    </dgm:style>
+  </dgm:styleLbl>
+  <dgm:styleLbl name="node2">
+    <dgm:scene3d>
+      <a:camera prst="orthographicFront"/>
+      <a:lightRig rig="threePt" dir="t"/>
+    </dgm:scene3d>
+    <dgm:sp3d/>
+    <dgm:txPr/>
+    <dgm:style>
+      <a:lnRef idx="2">
+        <a:scrgbClr r="0" g="0" b="0"/>
+      </a:lnRef>
+      <a:fillRef idx="1">
+        <a:scrgbClr r="0" g="0" b="0"/>
+      </a:fillRef>
+      <a:effectRef idx="0">
+        <a:scrgbClr r="0" g="0" b="0"/>
+      </a:effectRef>
+      <a:fontRef idx="minor">
+        <a:schemeClr val="lt1"/>
+      </a:fontRef>
+    </dgm:style>
+  </dgm:styleLbl>
+  <dgm:styleLbl name="node3">
+    <dgm:scene3d>
+      <a:camera prst="orthographicFront"/>
+      <a:lightRig rig="threePt" dir="t"/>
+    </dgm:scene3d>
+    <dgm:sp3d/>
+    <dgm:txPr/>
+    <dgm:style>
+      <a:lnRef idx="2">
+        <a:scrgbClr r="0" g="0" b="0"/>
+      </a:lnRef>
+      <a:fillRef idx="1">
+        <a:scrgbClr r="0" g="0" b="0"/>
+      </a:fillRef>
+      <a:effectRef idx="0">
+        <a:scrgbClr r="0" g="0" b="0"/>
+      </a:effectRef>
+      <a:fontRef idx="minor">
+        <a:schemeClr val="lt1"/>
+      </a:fontRef>
+    </dgm:style>
+  </dgm:styleLbl>
+  <dgm:styleLbl name="node4">
+    <dgm:scene3d>
+      <a:camera prst="orthographicFront"/>
+      <a:lightRig rig="threePt" dir="t"/>
+    </dgm:scene3d>
+    <dgm:sp3d/>
+    <dgm:txPr/>
+    <dgm:style>
+      <a:lnRef idx="2">
+        <a:scrgbClr r="0" g="0" b="0"/>
+      </a:lnRef>
+      <a:fillRef idx="1">
+        <a:scrgbClr r="0" g="0" b="0"/>
+      </a:fillRef>
+      <a:effectRef idx="0">
+        <a:scrgbClr r="0" g="0" b="0"/>
+      </a:effectRef>
+      <a:fontRef idx="minor">
+        <a:schemeClr val="lt1"/>
+      </a:fontRef>
+    </dgm:style>
+  </dgm:styleLbl>
+  <dgm:styleLbl name="fgImgPlace1">
+    <dgm:scene3d>
+      <a:camera prst="orthographicFront"/>
+      <a:lightRig rig="threePt" dir="t"/>
+    </dgm:scene3d>
+    <dgm:sp3d/>
+    <dgm:txPr/>
+    <dgm:style>
+      <a:lnRef idx="2">
+        <a:scrgbClr r="0" g="0" b="0"/>
+      </a:lnRef>
+      <a:fillRef idx="1">
+        <a:scrgbClr r="0" g="0" b="0"/>
+      </a:fillRef>
+      <a:effectRef idx="0">
+        <a:scrgbClr r="0" g="0" b="0"/>
+      </a:effectRef>
+      <a:fontRef idx="minor"/>
+    </dgm:style>
+  </dgm:styleLbl>
+  <dgm:styleLbl name="alignImgPlace1">
+    <dgm:scene3d>
+      <a:camera prst="orthographicFront"/>
+      <a:lightRig rig="threePt" dir="t"/>
+    </dgm:scene3d>
+    <dgm:sp3d/>
+    <dgm:txPr/>
+    <dgm:style>
+      <a:lnRef idx="2">
+        <a:scrgbClr r="0" g="0" b="0"/>
+      </a:lnRef>
+      <a:fillRef idx="1">
+        <a:scrgbClr r="0" g="0" b="0"/>
+      </a:fillRef>
+      <a:effectRef idx="0">
+        <a:scrgbClr r="0" g="0" b="0"/>
+      </a:effectRef>
+      <a:fontRef idx="minor"/>
+    </dgm:style>
+  </dgm:styleLbl>
+  <dgm:styleLbl name="bgImgPlace1">
+    <dgm:scene3d>
+      <a:camera prst="orthographicFront"/>
+      <a:lightRig rig="threePt" dir="t"/>
+    </dgm:scene3d>
+    <dgm:sp3d/>
+    <dgm:txPr/>
+    <dgm:style>
+      <a:lnRef idx="2">
+        <a:scrgbClr r="0" g="0" b="0"/>
+      </a:lnRef>
+      <a:fillRef idx="1">
+        <a:scrgbClr r="0" g="0" b="0"/>
+      </a:fillRef>
+      <a:effectRef idx="0">
+        <a:scrgbClr r="0" g="0" b="0"/>
+      </a:effectRef>
+      <a:fontRef idx="minor"/>
+    </dgm:style>
+  </dgm:styleLbl>
+  <dgm:styleLbl name="sibTrans2D1">
+    <dgm:scene3d>
+      <a:camera prst="orthographicFront"/>
+      <a:lightRig rig="threePt" dir="t"/>
+    </dgm:scene3d>
+    <dgm:sp3d/>
+    <dgm:txPr/>
+    <dgm:style>
+      <a:lnRef idx="0">
+        <a:scrgbClr r="0" g="0" b="0"/>
+      </a:lnRef>
+      <a:fillRef idx="1">
+        <a:scrgbClr r="0" g="0" b="0"/>
+      </a:fillRef>
+      <a:effectRef idx="0">
+        <a:scrgbClr r="0" g="0" b="0"/>
+      </a:effectRef>
+      <a:fontRef idx="minor">
+        <a:schemeClr val="lt1"/>
+      </a:fontRef>
+    </dgm:style>
+  </dgm:styleLbl>
+  <dgm:styleLbl name="fgSibTrans2D1">
+    <dgm:scene3d>
+      <a:camera prst="orthographicFront"/>
+      <a:lightRig rig="threePt" dir="t"/>
+    </dgm:scene3d>
+    <dgm:sp3d/>
+    <dgm:txPr/>
+    <dgm:style>
+      <a:lnRef idx="0">
+        <a:scrgbClr r="0" g="0" b="0"/>
+      </a:lnRef>
+      <a:fillRef idx="1">
+        <a:scrgbClr r="0" g="0" b="0"/>
+      </a:fillRef>
+      <a:effectRef idx="0">
+        <a:scrgbClr r="0" g="0" b="0"/>
+      </a:effectRef>
+      <a:fontRef idx="minor">
+        <a:schemeClr val="lt1"/>
+      </a:fontRef>
+    </dgm:style>
+  </dgm:styleLbl>
+  <dgm:styleLbl name="bgSibTrans2D1">
+    <dgm:scene3d>
+      <a:camera prst="orthographicFront"/>
+      <a:lightRig rig="threePt" dir="t"/>
+    </dgm:scene3d>
+    <dgm:sp3d/>
+    <dgm:txPr/>
+    <dgm:style>
+      <a:lnRef idx="0">
+        <a:scrgbClr r="0" g="0" b="0"/>
+      </a:lnRef>
+      <a:fillRef idx="1">
+        <a:scrgbClr r="0" g="0" b="0"/>
+      </a:fillRef>
+      <a:effectRef idx="0">
+        <a:scrgbClr r="0" g="0" b="0"/>
+      </a:effectRef>
+      <a:fontRef idx="minor">
+        <a:schemeClr val="lt1"/>
+      </a:fontRef>
+    </dgm:style>
+  </dgm:styleLbl>
+  <dgm:styleLbl name="sibTrans1D1">
+    <dgm:scene3d>
+      <a:camera prst="orthographicFront"/>
+      <a:lightRig rig="threePt" dir="t"/>
+    </dgm:scene3d>
+    <dgm:sp3d/>
+    <dgm:txPr/>
+    <dgm:style>
+      <a:lnRef idx="1">
+        <a:scrgbClr r="0" g="0" b="0"/>
+      </a:lnRef>
+      <a:fillRef idx="0">
+        <a:scrgbClr r="0" g="0" b="0"/>
+      </a:fillRef>
+      <a:effectRef idx="0">
+        <a:scrgbClr r="0" g="0" b="0"/>
+      </a:effectRef>
+      <a:fontRef idx="minor"/>
+    </dgm:style>
+  </dgm:styleLbl>
+  <dgm:styleLbl name="callout">
+    <dgm:scene3d>
+      <a:camera prst="orthographicFront"/>
+      <a:lightRig rig="threePt" dir="t"/>
+    </dgm:scene3d>
+    <dgm:sp3d/>
+    <dgm:txPr/>
+    <dgm:style>
+      <a:lnRef idx="2">
+        <a:scrgbClr r="0" g="0" b="0"/>
+      </a:lnRef>
+      <a:fillRef idx="1">
+        <a:scrgbClr r="0" g="0" b="0"/>
+      </a:fillRef>
+      <a:effectRef idx="0">
+        <a:scrgbClr r="0" g="0" b="0"/>
+      </a:effectRef>
+      <a:fontRef idx="minor"/>
+    </dgm:style>
+  </dgm:styleLbl>
+  <dgm:styleLbl name="asst0">
+    <dgm:scene3d>
+      <a:camera prst="orthographicFront"/>
+      <a:lightRig rig="threePt" dir="t"/>
+    </dgm:scene3d>
+    <dgm:sp3d/>
+    <dgm:txPr/>
+    <dgm:style>
+      <a:lnRef idx="2">
+        <a:scrgbClr r="0" g="0" b="0"/>
+      </a:lnRef>
+      <a:fillRef idx="1">
+        <a:scrgbClr r="0" g="0" b="0"/>
+      </a:fillRef>
+      <a:effectRef idx="0">
+        <a:scrgbClr r="0" g="0" b="0"/>
+      </a:effectRef>
+      <a:fontRef idx="minor">
+        <a:schemeClr val="lt1"/>
+      </a:fontRef>
+    </dgm:style>
+  </dgm:styleLbl>
+  <dgm:styleLbl name="asst1">
+    <dgm:scene3d>
+      <a:camera prst="orthographicFront"/>
+      <a:lightRig rig="threePt" dir="t"/>
+    </dgm:scene3d>
+    <dgm:sp3d/>
+    <dgm:txPr/>
+    <dgm:style>
+      <a:lnRef idx="2">
+        <a:scrgbClr r="0" g="0" b="0"/>
+      </a:lnRef>
+      <a:fillRef idx="1">
+        <a:scrgbClr r="0" g="0" b="0"/>
+      </a:fillRef>
+      <a:effectRef idx="0">
+        <a:scrgbClr r="0" g="0" b="0"/>
+      </a:effectRef>
+      <a:fontRef idx="minor">
+        <a:schemeClr val="lt1"/>
+      </a:fontRef>
+    </dgm:style>
+  </dgm:styleLbl>
+  <dgm:styleLbl name="asst2">
+    <dgm:scene3d>
+      <a:camera prst="orthographicFront"/>
+      <a:lightRig rig="threePt" dir="t"/>
+    </dgm:scene3d>
+    <dgm:sp3d/>
+    <dgm:txPr/>
+    <dgm:style>
+      <a:lnRef idx="2">
+        <a:scrgbClr r="0" g="0" b="0"/>
+      </a:lnRef>
+      <a:fillRef idx="1">
+        <a:scrgbClr r="0" g="0" b="0"/>
+      </a:fillRef>
+      <a:effectRef idx="0">
+        <a:scrgbClr r="0" g="0" b="0"/>
+      </a:effectRef>
+      <a:fontRef idx="minor">
+        <a:schemeClr val="lt1"/>
+      </a:fontRef>
+    </dgm:style>
+  </dgm:styleLbl>
+  <dgm:styleLbl name="asst3">
+    <dgm:scene3d>
+      <a:camera prst="orthographicFront"/>
+      <a:lightRig rig="threePt" dir="t"/>
+    </dgm:scene3d>
+    <dgm:sp3d/>
+    <dgm:txPr/>
+    <dgm:style>
+      <a:lnRef idx="2">
+        <a:scrgbClr r="0" g="0" b="0"/>
+      </a:lnRef>
+      <a:fillRef idx="1">
+        <a:scrgbClr r="0" g="0" b="0"/>
+      </a:fillRef>
+      <a:effectRef idx="0">
+        <a:scrgbClr r="0" g="0" b="0"/>
+      </a:effectRef>
+      <a:fontRef idx="minor">
+        <a:schemeClr val="lt1"/>
+      </a:fontRef>
+    </dgm:style>
+  </dgm:styleLbl>
+  <dgm:styleLbl name="asst4">
+    <dgm:scene3d>
+      <a:camera prst="orthographicFront"/>
+      <a:lightRig rig="threePt" dir="t"/>
+    </dgm:scene3d>
+    <dgm:sp3d/>
+    <dgm:txPr/>
+    <dgm:style>
+      <a:lnRef idx="2">
+        <a:scrgbClr r="0" g="0" b="0"/>
+      </a:lnRef>
+      <a:fillRef idx="1">
+        <a:scrgbClr r="0" g="0" b="0"/>
+      </a:fillRef>
+      <a:effectRef idx="0">
+        <a:scrgbClr r="0" g="0" b="0"/>
+      </a:effectRef>
+      <a:fontRef idx="minor">
+        <a:schemeClr val="lt1"/>
+      </a:fontRef>
+    </dgm:style>
+  </dgm:styleLbl>
+  <dgm:styleLbl name="parChTrans2D1">
+    <dgm:scene3d>
+      <a:camera prst="orthographicFront"/>
+      <a:lightRig rig="threePt" dir="t"/>
+    </dgm:scene3d>
+    <dgm:sp3d/>
+    <dgm:txPr/>
+    <dgm:style>
+      <a:lnRef idx="2">
+        <a:scrgbClr r="0" g="0" b="0"/>
+      </a:lnRef>
+      <a:fillRef idx="1">
+        <a:scrgbClr r="0" g="0" b="0"/>
+      </a:fillRef>
+      <a:effectRef idx="0">
+        <a:scrgbClr r="0" g="0" b="0"/>
+      </a:effectRef>
+      <a:fontRef idx="minor">
+        <a:schemeClr val="lt1"/>
+      </a:fontRef>
+    </dgm:style>
+  </dgm:styleLbl>
+  <dgm:styleLbl name="parChTrans2D2">
+    <dgm:scene3d>
+      <a:camera prst="orthographicFront"/>
+      <a:lightRig rig="threePt" dir="t"/>
+    </dgm:scene3d>
+    <dgm:sp3d/>
+    <dgm:txPr/>
+    <dgm:style>
+      <a:lnRef idx="2">
+        <a:scrgbClr r="0" g="0" b="0"/>
+      </a:lnRef>
+      <a:fillRef idx="1">
+        <a:scrgbClr r="0" g="0" b="0"/>
+      </a:fillRef>
+      <a:effectRef idx="0">
+        <a:scrgbClr r="0" g="0" b="0"/>
+      </a:effectRef>
+      <a:fontRef idx="minor">
+        <a:schemeClr val="lt1"/>
+      </a:fontRef>
+    </dgm:style>
+  </dgm:styleLbl>
+  <dgm:styleLbl name="parChTrans2D3">
+    <dgm:scene3d>
+      <a:camera prst="orthographicFront"/>
+      <a:lightRig rig="threePt" dir="t"/>
+    </dgm:scene3d>
+    <dgm:sp3d/>
+    <dgm:txPr/>
+    <dgm:style>
+      <a:lnRef idx="2">
+        <a:scrgbClr r="0" g="0" b="0"/>
+      </a:lnRef>
+      <a:fillRef idx="1">
+        <a:scrgbClr r="0" g="0" b="0"/>
+      </a:fillRef>
+      <a:effectRef idx="0">
+        <a:scrgbClr r="0" g="0" b="0"/>
+      </a:effectRef>
+      <a:fontRef idx="minor">
+        <a:schemeClr val="lt1"/>
+      </a:fontRef>
+    </dgm:style>
+  </dgm:styleLbl>
+  <dgm:styleLbl name="parChTrans2D4">
+    <dgm:scene3d>
+      <a:camera prst="orthographicFront"/>
+      <a:lightRig rig="threePt" dir="t"/>
+    </dgm:scene3d>
+    <dgm:sp3d/>
+    <dgm:txPr/>
+    <dgm:style>
+      <a:lnRef idx="2">
+        <a:scrgbClr r="0" g="0" b="0"/>
+      </a:lnRef>
+      <a:fillRef idx="1">
+        <a:scrgbClr r="0" g="0" b="0"/>
+      </a:fillRef>
+      <a:effectRef idx="0">
+        <a:scrgbClr r="0" g="0" b="0"/>
+      </a:effectRef>
+      <a:fontRef idx="minor">
+        <a:schemeClr val="lt1"/>
+      </a:fontRef>
+    </dgm:style>
+  </dgm:styleLbl>
+  <dgm:styleLbl name="parChTrans1D1">
+    <dgm:scene3d>
+      <a:camera prst="orthographicFront"/>
+      <a:lightRig rig="threePt" dir="t"/>
+    </dgm:scene3d>
+    <dgm:sp3d/>
+    <dgm:txPr/>
+    <dgm:style>
+      <a:lnRef idx="2">
+        <a:scrgbClr r="0" g="0" b="0"/>
+      </a:lnRef>
+      <a:fillRef idx="0">
+        <a:scrgbClr r="0" g="0" b="0"/>
+      </a:fillRef>
+      <a:effectRef idx="0">
+        <a:scrgbClr r="0" g="0" b="0"/>
+      </a:effectRef>
+      <a:fontRef idx="minor"/>
+    </dgm:style>
+  </dgm:styleLbl>
+  <dgm:styleLbl name="parChTrans1D2">
+    <dgm:scene3d>
+      <a:camera prst="orthographicFront"/>
+      <a:lightRig rig="threePt" dir="t"/>
+    </dgm:scene3d>
+    <dgm:sp3d/>
+    <dgm:txPr/>
+    <dgm:style>
+      <a:lnRef idx="2">
+        <a:scrgbClr r="0" g="0" b="0"/>
+      </a:lnRef>
+      <a:fillRef idx="0">
+        <a:scrgbClr r="0" g="0" b="0"/>
+      </a:fillRef>
+      <a:effectRef idx="0">
+        <a:scrgbClr r="0" g="0" b="0"/>
+      </a:effectRef>
+      <a:fontRef idx="minor"/>
+    </dgm:style>
+  </dgm:styleLbl>
+  <dgm:styleLbl name="parChTrans1D3">
+    <dgm:scene3d>
+      <a:camera prst="orthographicFront"/>
+      <a:lightRig rig="threePt" dir="t"/>
+    </dgm:scene3d>
+    <dgm:sp3d/>
+    <dgm:txPr/>
+    <dgm:style>
+      <a:lnRef idx="2">
+        <a:scrgbClr r="0" g="0" b="0"/>
+      </a:lnRef>
+      <a:fillRef idx="0">
+        <a:scrgbClr r="0" g="0" b="0"/>
+      </a:fillRef>
+      <a:effectRef idx="0">
+        <a:scrgbClr r="0" g="0" b="0"/>
+      </a:effectRef>
+      <a:fontRef idx="minor"/>
+    </dgm:style>
+  </dgm:styleLbl>
+  <dgm:styleLbl name="parChTrans1D4">
+    <dgm:scene3d>
+      <a:camera prst="orthographicFront"/>
+      <a:lightRig rig="threePt" dir="t"/>
+    </dgm:scene3d>
+    <dgm:sp3d/>
+    <dgm:txPr/>
+    <dgm:style>
+      <a:lnRef idx="2">
+        <a:scrgbClr r="0" g="0" b="0"/>
+      </a:lnRef>
+      <a:fillRef idx="0">
+        <a:scrgbClr r="0" g="0" b="0"/>
+      </a:fillRef>
+      <a:effectRef idx="0">
+        <a:scrgbClr r="0" g="0" b="0"/>
+      </a:effectRef>
+      <a:fontRef idx="minor"/>
+    </dgm:style>
+  </dgm:styleLbl>
+  <dgm:styleLbl name="fgAcc1">
+    <dgm:scene3d>
+      <a:camera prst="orthographicFront"/>
+      <a:lightRig rig="threePt" dir="t"/>
+    </dgm:scene3d>
+    <dgm:sp3d/>
+    <dgm:txPr/>
+    <dgm:style>
+      <a:lnRef idx="2">
+        <a:scrgbClr r="0" g="0" b="0"/>
+      </a:lnRef>
+      <a:fillRef idx="1">
+        <a:scrgbClr r="0" g="0" b="0"/>
+      </a:fillRef>
+      <a:effectRef idx="0">
+        <a:scrgbClr r="0" g="0" b="0"/>
+      </a:effectRef>
+      <a:fontRef idx="minor"/>
+    </dgm:style>
+  </dgm:styleLbl>
+  <dgm:styleLbl name="conFgAcc1">
+    <dgm:scene3d>
+      <a:camera prst="orthographicFront"/>
+      <a:lightRig rig="threePt" dir="t"/>
+    </dgm:scene3d>
+    <dgm:sp3d/>
+    <dgm:txPr/>
+    <dgm:style>
+      <a:lnRef idx="2">
+        <a:scrgbClr r="0" g="0" b="0"/>
+      </a:lnRef>
+      <a:fillRef idx="1">
+        <a:scrgbClr r="0" g="0" b="0"/>
+      </a:fillRef>
+      <a:effectRef idx="0">
+        <a:scrgbClr r="0" g="0" b="0"/>
+      </a:effectRef>
+      <a:fontRef idx="minor"/>
+    </dgm:style>
+  </dgm:styleLbl>
+  <dgm:styleLbl name="alignAcc1">
+    <dgm:scene3d>
+      <a:camera prst="orthographicFront"/>
+      <a:lightRig rig="threePt" dir="t"/>
+    </dgm:scene3d>
+    <dgm:sp3d/>
+    <dgm:txPr/>
+    <dgm:style>
+      <a:lnRef idx="2">
+        <a:scrgbClr r="0" g="0" b="0"/>
+      </a:lnRef>
+      <a:fillRef idx="1">
+        <a:scrgbClr r="0" g="0" b="0"/>
+      </a:fillRef>
+      <a:effectRef idx="0">
+        <a:scrgbClr r="0" g="0" b="0"/>
+      </a:effectRef>
+      <a:fontRef idx="minor"/>
+    </dgm:style>
+  </dgm:styleLbl>
+  <dgm:styleLbl name="trAlignAcc1">
+    <dgm:scene3d>
+      <a:camera prst="orthographicFront"/>
+      <a:lightRig rig="threePt" dir="t"/>
+    </dgm:scene3d>
+    <dgm:sp3d/>
+    <dgm:txPr/>
+    <dgm:style>
+      <a:lnRef idx="1">
+        <a:scrgbClr r="0" g="0" b="0"/>
+      </a:lnRef>
+      <a:fillRef idx="1">
+        <a:scrgbClr r="0" g="0" b="0"/>
+      </a:fillRef>
+      <a:effectRef idx="0">
+        <a:scrgbClr r="0" g="0" b="0"/>
+      </a:effectRef>
+      <a:fontRef idx="minor"/>
+    </dgm:style>
+  </dgm:styleLbl>
+  <dgm:styleLbl name="bgAcc1">
+    <dgm:scene3d>
+      <a:camera prst="orthographicFront"/>
+      <a:lightRig rig="threePt" dir="t"/>
+    </dgm:scene3d>
+    <dgm:sp3d/>
+    <dgm:txPr/>
+    <dgm:style>
+      <a:lnRef idx="2">
+        <a:scrgbClr r="0" g="0" b="0"/>
+      </a:lnRef>
+      <a:fillRef idx="1">
+        <a:scrgbClr r="0" g="0" b="0"/>
+      </a:fillRef>
+      <a:effectRef idx="0">
+        <a:scrgbClr r="0" g="0" b="0"/>
+      </a:effectRef>
+      <a:fontRef idx="minor"/>
+    </dgm:style>
+  </dgm:styleLbl>
+  <dgm:styleLbl name="solidFgAcc1">
+    <dgm:scene3d>
+      <a:camera prst="orthographicFront"/>
+      <a:lightRig rig="threePt" dir="t"/>
+    </dgm:scene3d>
+    <dgm:sp3d/>
+    <dgm:txPr/>
+    <dgm:style>
+      <a:lnRef idx="2">
+        <a:scrgbClr r="0" g="0" b="0"/>
+      </a:lnRef>
+      <a:fillRef idx="1">
+        <a:scrgbClr r="0" g="0" b="0"/>
+      </a:fillRef>
+      <a:effectRef idx="0">
+        <a:scrgbClr r="0" g="0" b="0"/>
+      </a:effectRef>
+      <a:fontRef idx="minor"/>
+    </dgm:style>
+  </dgm:styleLbl>
+  <dgm:styleLbl name="solidAlignAcc1">
+    <dgm:scene3d>
+      <a:camera prst="orthographicFront"/>
+      <a:lightRig rig="threePt" dir="t"/>
+    </dgm:scene3d>
+    <dgm:sp3d/>
+    <dgm:txPr/>
+    <dgm:style>
+      <a:lnRef idx="2">
+        <a:scrgbClr r="0" g="0" b="0"/>
+      </a:lnRef>
+      <a:fillRef idx="1">
+        <a:scrgbClr r="0" g="0" b="0"/>
+      </a:fillRef>
+      <a:effectRef idx="0">
+        <a:scrgbClr r="0" g="0" b="0"/>
+      </a:effectRef>
+      <a:fontRef idx="minor"/>
+    </dgm:style>
+  </dgm:styleLbl>
+  <dgm:styleLbl name="solidBgAcc1">
+    <dgm:scene3d>
+      <a:camera prst="orthographicFront"/>
+      <a:lightRig rig="threePt" dir="t"/>
+    </dgm:scene3d>
+    <dgm:sp3d/>
+    <dgm:txPr/>
+    <dgm:style>
+      <a:lnRef idx="2">
+        <a:scrgbClr r="0" g="0" b="0"/>
+      </a:lnRef>
+      <a:fillRef idx="1">
+        <a:scrgbClr r="0" g="0" b="0"/>
+      </a:fillRef>
+      <a:effectRef idx="0">
+        <a:scrgbClr r="0" g="0" b="0"/>
+      </a:effectRef>
+      <a:fontRef idx="minor"/>
+    </dgm:style>
+  </dgm:styleLbl>
+  <dgm:styleLbl name="fgAccFollowNode1">
+    <dgm:scene3d>
+      <a:camera prst="orthographicFront"/>
+      <a:lightRig rig="threePt" dir="t"/>
+    </dgm:scene3d>
+    <dgm:sp3d/>
+    <dgm:txPr/>
+    <dgm:style>
+      <a:lnRef idx="2">
+        <a:scrgbClr r="0" g="0" b="0"/>
+      </a:lnRef>
+      <a:fillRef idx="1">
+        <a:scrgbClr r="0" g="0" b="0"/>
+      </a:fillRef>
+      <a:effectRef idx="0">
+        <a:scrgbClr r="0" g="0" b="0"/>
+      </a:effectRef>
+      <a:fontRef idx="minor"/>
+    </dgm:style>
+  </dgm:styleLbl>
+  <dgm:styleLbl name="alignAccFollowNode1">
+    <dgm:scene3d>
+      <a:camera prst="orthographicFront"/>
+      <a:lightRig rig="threePt" dir="t"/>
+    </dgm:scene3d>
+    <dgm:sp3d/>
+    <dgm:txPr/>
+    <dgm:style>
+      <a:lnRef idx="2">
+        <a:scrgbClr r="0" g="0" b="0"/>
+      </a:lnRef>
+      <a:fillRef idx="1">
+        <a:scrgbClr r="0" g="0" b="0"/>
+      </a:fillRef>
+      <a:effectRef idx="0">
+        <a:scrgbClr r="0" g="0" b="0"/>
+      </a:effectRef>
+      <a:fontRef idx="minor"/>
+    </dgm:style>
+  </dgm:styleLbl>
+  <dgm:styleLbl name="bgAccFollowNode1">
+    <dgm:scene3d>
+      <a:camera prst="orthographicFront"/>
+      <a:lightRig rig="threePt" dir="t"/>
+    </dgm:scene3d>
+    <dgm:sp3d/>
+    <dgm:txPr/>
+    <dgm:style>
+      <a:lnRef idx="2">
+        <a:scrgbClr r="0" g="0" b="0"/>
+      </a:lnRef>
+      <a:fillRef idx="1">
+        <a:scrgbClr r="0" g="0" b="0"/>
+      </a:fillRef>
+      <a:effectRef idx="0">
+        <a:scrgbClr r="0" g="0" b="0"/>
+      </a:effectRef>
+      <a:fontRef idx="minor"/>
+    </dgm:style>
+  </dgm:styleLbl>
+  <dgm:styleLbl name="fgAcc0">
+    <dgm:scene3d>
+      <a:camera prst="orthographicFront"/>
+      <a:lightRig rig="threePt" dir="t"/>
+    </dgm:scene3d>
+    <dgm:sp3d/>
+    <dgm:txPr/>
+    <dgm:style>
+      <a:lnRef idx="2">
+        <a:scrgbClr r="0" g="0" b="0"/>
+      </a:lnRef>
+      <a:fillRef idx="1">
+        <a:scrgbClr r="0" g="0" b="0"/>
+      </a:fillRef>
+      <a:effectRef idx="0">
+        <a:scrgbClr r="0" g="0" b="0"/>
+      </a:effectRef>
+      <a:fontRef idx="minor"/>
+    </dgm:style>
+  </dgm:styleLbl>
+  <dgm:styleLbl name="fgAcc2">
+    <dgm:scene3d>
+      <a:camera prst="orthographicFront"/>
+      <a:lightRig rig="threePt" dir="t"/>
+    </dgm:scene3d>
+    <dgm:sp3d/>
+    <dgm:txPr/>
+    <dgm:style>
+      <a:lnRef idx="2">
+        <a:scrgbClr r="0" g="0" b="0"/>
+      </a:lnRef>
+      <a:fillRef idx="1">
+        <a:scrgbClr r="0" g="0" b="0"/>
+      </a:fillRef>
+      <a:effectRef idx="0">
+        <a:scrgbClr r="0" g="0" b="0"/>
+      </a:effectRef>
+      <a:fontRef idx="minor"/>
+    </dgm:style>
+  </dgm:styleLbl>
+  <dgm:styleLbl name="fgAcc3">
+    <dgm:scene3d>
+      <a:camera prst="orthographicFront"/>
+      <a:lightRig rig="threePt" dir="t"/>
+    </dgm:scene3d>
+    <dgm:sp3d/>
+    <dgm:txPr/>
+    <dgm:style>
+      <a:lnRef idx="2">
+        <a:scrgbClr r="0" g="0" b="0"/>
+      </a:lnRef>
+      <a:fillRef idx="1">
+        <a:scrgbClr r="0" g="0" b="0"/>
+      </a:fillRef>
+      <a:effectRef idx="0">
+        <a:scrgbClr r="0" g="0" b="0"/>
+      </a:effectRef>
+      <a:fontRef idx="minor"/>
+    </dgm:style>
+  </dgm:styleLbl>
+  <dgm:styleLbl name="fgAcc4">
+    <dgm:scene3d>
+      <a:camera prst="orthographicFront"/>
+      <a:lightRig rig="threePt" dir="t"/>
+    </dgm:scene3d>
+    <dgm:sp3d/>
+    <dgm:txPr/>
+    <dgm:style>
+      <a:lnRef idx="2">
+        <a:scrgbClr r="0" g="0" b="0"/>
+      </a:lnRef>
+      <a:fillRef idx="1">
+        <a:scrgbClr r="0" g="0" b="0"/>
+      </a:fillRef>
+      <a:effectRef idx="0">
+        <a:scrgbClr r="0" g="0" b="0"/>
+      </a:effectRef>
+      <a:fontRef idx="minor"/>
+    </dgm:style>
+  </dgm:styleLbl>
+  <dgm:styleLbl name="bgShp">
+    <dgm:scene3d>
+      <a:camera prst="orthographicFront"/>
+      <a:lightRig rig="threePt" dir="t"/>
+    </dgm:scene3d>
+    <dgm:sp3d/>
+    <dgm:txPr/>
+    <dgm:style>
+      <a:lnRef idx="0">
+        <a:scrgbClr r="0" g="0" b="0"/>
+      </a:lnRef>
+      <a:fillRef idx="1">
+        <a:scrgbClr r="0" g="0" b="0"/>
+      </a:fillRef>
+      <a:effectRef idx="0">
+        <a:scrgbClr r="0" g="0" b="0"/>
+      </a:effectRef>
+      <a:fontRef idx="minor"/>
+    </dgm:style>
+  </dgm:styleLbl>
+  <dgm:styleLbl name="dkBgShp">
+    <dgm:scene3d>
+      <a:camera prst="orthographicFront"/>
+      <a:lightRig rig="threePt" dir="t"/>
+    </dgm:scene3d>
+    <dgm:sp3d/>
+    <dgm:txPr/>
+    <dgm:style>
+      <a:lnRef idx="0">
+        <a:scrgbClr r="0" g="0" b="0"/>
+      </a:lnRef>
+      <a:fillRef idx="1">
+        <a:scrgbClr r="0" g="0" b="0"/>
+      </a:fillRef>
+      <a:effectRef idx="0">
+        <a:scrgbClr r="0" g="0" b="0"/>
+      </a:effectRef>
+      <a:fontRef idx="minor"/>
+    </dgm:style>
+  </dgm:styleLbl>
+  <dgm:styleLbl name="trBgShp">
+    <dgm:scene3d>
+      <a:camera prst="orthographicFront"/>
+      <a:lightRig rig="threePt" dir="t"/>
+    </dgm:scene3d>
+    <dgm:sp3d/>
+    <dgm:txPr/>
+    <dgm:style>
+      <a:lnRef idx="0">
+        <a:scrgbClr r="0" g="0" b="0"/>
+      </a:lnRef>
+      <a:fillRef idx="1">
+        <a:scrgbClr r="0" g="0" b="0"/>
+      </a:fillRef>
+      <a:effectRef idx="0">
+        <a:scrgbClr r="0" g="0" b="0"/>
+      </a:effectRef>
+      <a:fontRef idx="minor"/>
+    </dgm:style>
+  </dgm:styleLbl>
+  <dgm:styleLbl name="fgShp">
+    <dgm:scene3d>
+      <a:camera prst="orthographicFront"/>
+      <a:lightRig rig="threePt" dir="t"/>
+    </dgm:scene3d>
+    <dgm:sp3d/>
+    <dgm:txPr/>
+    <dgm:style>
+      <a:lnRef idx="2">
+        <a:scrgbClr r="0" g="0" b="0"/>
+      </a:lnRef>
+      <a:fillRef idx="1">
+        <a:scrgbClr r="0" g="0" b="0"/>
+      </a:fillRef>
+      <a:effectRef idx="0">
+        <a:scrgbClr r="0" g="0" b="0"/>
+      </a:effectRef>
+      <a:fontRef idx="minor"/>
+    </dgm:style>
+  </dgm:styleLbl>
+  <dgm:styleLbl name="revTx">
+    <dgm:scene3d>
+      <a:camera prst="orthographicFront"/>
+      <a:lightRig rig="threePt" dir="t"/>
+    </dgm:scene3d>
+    <dgm:sp3d/>
+    <dgm:txPr/>
+    <dgm:style>
+      <a:lnRef idx="0">
+        <a:scrgbClr r="0" g="0" b="0"/>
+      </a:lnRef>
+      <a:fillRef idx="0">
+        <a:scrgbClr r="0" g="0" b="0"/>
+      </a:fillRef>
+      <a:effectRef idx="0">
+        <a:scrgbClr r="0" g="0" b="0"/>
+      </a:effectRef>
+      <a:fontRef idx="minor"/>
+    </dgm:style>
+  </dgm:styleLbl>
+</dgm:styleDef>
 </file>
 
 <file path=ppt/slideLayouts/slideLayout1.xml><?xml version="1.0" encoding="utf-8"?>
@@ -255,7 +3115,7 @@
           <a:p>
             <a:fld id="{8AA4956B-DE02-5C42-81C0-EF69C3354259}" type="datetimeFigureOut">
               <a:rPr lang="en-US" smtClean="0"/>
-              <a:t>8/1/22</a:t>
+              <a:t>8/7/22</a:t>
             </a:fld>
             <a:endParaRPr lang="en-US"/>
           </a:p>
@@ -453,7 +3313,7 @@
           <a:p>
             <a:fld id="{8AA4956B-DE02-5C42-81C0-EF69C3354259}" type="datetimeFigureOut">
               <a:rPr lang="en-US" smtClean="0"/>
-              <a:t>8/1/22</a:t>
+              <a:t>8/7/22</a:t>
             </a:fld>
             <a:endParaRPr lang="en-US"/>
           </a:p>
@@ -661,7 +3521,7 @@
           <a:p>
             <a:fld id="{8AA4956B-DE02-5C42-81C0-EF69C3354259}" type="datetimeFigureOut">
               <a:rPr lang="en-US" smtClean="0"/>
-              <a:t>8/1/22</a:t>
+              <a:t>8/7/22</a:t>
             </a:fld>
             <a:endParaRPr lang="en-US"/>
           </a:p>
@@ -859,7 +3719,7 @@
           <a:p>
             <a:fld id="{8AA4956B-DE02-5C42-81C0-EF69C3354259}" type="datetimeFigureOut">
               <a:rPr lang="en-US" smtClean="0"/>
-              <a:t>8/1/22</a:t>
+              <a:t>8/7/22</a:t>
             </a:fld>
             <a:endParaRPr lang="en-US"/>
           </a:p>
@@ -1134,7 +3994,7 @@
           <a:p>
             <a:fld id="{8AA4956B-DE02-5C42-81C0-EF69C3354259}" type="datetimeFigureOut">
               <a:rPr lang="en-US" smtClean="0"/>
-              <a:t>8/1/22</a:t>
+              <a:t>8/7/22</a:t>
             </a:fld>
             <a:endParaRPr lang="en-US"/>
           </a:p>
@@ -1399,7 +4259,7 @@
           <a:p>
             <a:fld id="{8AA4956B-DE02-5C42-81C0-EF69C3354259}" type="datetimeFigureOut">
               <a:rPr lang="en-US" smtClean="0"/>
-              <a:t>8/1/22</a:t>
+              <a:t>8/7/22</a:t>
             </a:fld>
             <a:endParaRPr lang="en-US"/>
           </a:p>
@@ -1811,7 +4671,7 @@
           <a:p>
             <a:fld id="{8AA4956B-DE02-5C42-81C0-EF69C3354259}" type="datetimeFigureOut">
               <a:rPr lang="en-US" smtClean="0"/>
-              <a:t>8/1/22</a:t>
+              <a:t>8/7/22</a:t>
             </a:fld>
             <a:endParaRPr lang="en-US"/>
           </a:p>
@@ -1952,7 +4812,7 @@
           <a:p>
             <a:fld id="{8AA4956B-DE02-5C42-81C0-EF69C3354259}" type="datetimeFigureOut">
               <a:rPr lang="en-US" smtClean="0"/>
-              <a:t>8/1/22</a:t>
+              <a:t>8/7/22</a:t>
             </a:fld>
             <a:endParaRPr lang="en-US"/>
           </a:p>
@@ -2065,7 +4925,7 @@
           <a:p>
             <a:fld id="{8AA4956B-DE02-5C42-81C0-EF69C3354259}" type="datetimeFigureOut">
               <a:rPr lang="en-US" smtClean="0"/>
-              <a:t>8/1/22</a:t>
+              <a:t>8/7/22</a:t>
             </a:fld>
             <a:endParaRPr lang="en-US"/>
           </a:p>
@@ -2376,7 +5236,7 @@
           <a:p>
             <a:fld id="{8AA4956B-DE02-5C42-81C0-EF69C3354259}" type="datetimeFigureOut">
               <a:rPr lang="en-US" smtClean="0"/>
-              <a:t>8/1/22</a:t>
+              <a:t>8/7/22</a:t>
             </a:fld>
             <a:endParaRPr lang="en-US"/>
           </a:p>
@@ -2664,7 +5524,7 @@
           <a:p>
             <a:fld id="{8AA4956B-DE02-5C42-81C0-EF69C3354259}" type="datetimeFigureOut">
               <a:rPr lang="en-US" smtClean="0"/>
-              <a:t>8/1/22</a:t>
+              <a:t>8/7/22</a:t>
             </a:fld>
             <a:endParaRPr lang="en-US"/>
           </a:p>
@@ -2905,7 +5765,7 @@
           <a:p>
             <a:fld id="{8AA4956B-DE02-5C42-81C0-EF69C3354259}" type="datetimeFigureOut">
               <a:rPr lang="en-US" smtClean="0"/>
-              <a:t>8/1/22</a:t>
+              <a:t>8/7/22</a:t>
             </a:fld>
             <a:endParaRPr lang="en-US"/>
           </a:p>
@@ -3308,6 +6168,1203 @@
 <file path=ppt/slides/slide1.xml><?xml version="1.0" encoding="utf-8"?>
 <p:sld xmlns:a="http://schemas.openxmlformats.org/drawingml/2006/main" xmlns:r="http://schemas.openxmlformats.org/officeDocument/2006/relationships" xmlns:p="http://schemas.openxmlformats.org/presentationml/2006/main">
   <p:cSld>
+    <p:bg>
+      <p:bgPr>
+        <a:solidFill>
+          <a:schemeClr val="bg1"/>
+        </a:solidFill>
+        <a:effectLst/>
+      </p:bgPr>
+    </p:bg>
+    <p:spTree>
+      <p:nvGrpSpPr>
+        <p:cNvPr id="1" name=""/>
+        <p:cNvGrpSpPr/>
+        <p:nvPr/>
+      </p:nvGrpSpPr>
+      <p:grpSpPr>
+        <a:xfrm>
+          <a:off x="0" y="0"/>
+          <a:ext cx="0" cy="0"/>
+          <a:chOff x="0" y="0"/>
+          <a:chExt cx="0" cy="0"/>
+        </a:xfrm>
+      </p:grpSpPr>
+      <p:sp useBgFill="1">
+        <p:nvSpPr>
+          <p:cNvPr id="2059" name="Rectangle 2058">
+            <a:extLst>
+              <a:ext uri="{FF2B5EF4-FFF2-40B4-BE49-F238E27FC236}">
+                <a16:creationId xmlns:a16="http://schemas.microsoft.com/office/drawing/2014/main" id="{1ED8053C-AF28-403A-90F2-67A100EDECE4}"/>
+              </a:ext>
+              <a:ext uri="{C183D7F6-B498-43B3-948B-1728B52AA6E4}">
+                <adec:decorative xmlns:adec="http://schemas.microsoft.com/office/drawing/2017/decorative" val="1"/>
+              </a:ext>
+            </a:extLst>
+          </p:cNvPr>
+          <p:cNvSpPr>
+            <a:spLocks noGrp="1" noRot="1" noChangeAspect="1" noMove="1" noResize="1" noEditPoints="1" noAdjustHandles="1" noChangeArrowheads="1" noChangeShapeType="1" noTextEdit="1"/>
+          </p:cNvSpPr>
+          <p:nvPr>
+            <p:extLst>
+              <p:ext uri="{386F3935-93C4-4BCD-93E2-E3B085C9AB24}">
+                <p16:designElem xmlns:p16="http://schemas.microsoft.com/office/powerpoint/2015/main" val="1"/>
+              </p:ext>
+            </p:extLst>
+          </p:nvPr>
+        </p:nvSpPr>
+        <p:spPr>
+          <a:xfrm>
+            <a:off x="0" y="0"/>
+            <a:ext cx="12192000" cy="6858000"/>
+          </a:xfrm>
+          <a:prstGeom prst="rect">
+            <a:avLst/>
+          </a:prstGeom>
+          <a:ln>
+            <a:noFill/>
+          </a:ln>
+        </p:spPr>
+        <p:style>
+          <a:lnRef idx="2">
+            <a:schemeClr val="accent1">
+              <a:shade val="50000"/>
+            </a:schemeClr>
+          </a:lnRef>
+          <a:fillRef idx="1">
+            <a:schemeClr val="accent1"/>
+          </a:fillRef>
+          <a:effectRef idx="0">
+            <a:schemeClr val="accent1"/>
+          </a:effectRef>
+          <a:fontRef idx="minor">
+            <a:schemeClr val="lt1"/>
+          </a:fontRef>
+        </p:style>
+        <p:txBody>
+          <a:bodyPr rtlCol="0" anchor="ctr"/>
+          <a:lstStyle/>
+          <a:p>
+            <a:pPr algn="ctr"/>
+            <a:endParaRPr lang="en-US"/>
+          </a:p>
+        </p:txBody>
+      </p:sp>
+      <p:sp>
+        <p:nvSpPr>
+          <p:cNvPr id="2061" name="Freeform: Shape 2060">
+            <a:extLst>
+              <a:ext uri="{FF2B5EF4-FFF2-40B4-BE49-F238E27FC236}">
+                <a16:creationId xmlns:a16="http://schemas.microsoft.com/office/drawing/2014/main" id="{10BCDCE7-03A4-438B-9B4A-0F5E37C4C1AF}"/>
+              </a:ext>
+              <a:ext uri="{C183D7F6-B498-43B3-948B-1728B52AA6E4}">
+                <adec:decorative xmlns:adec="http://schemas.microsoft.com/office/drawing/2017/decorative" val="1"/>
+              </a:ext>
+            </a:extLst>
+          </p:cNvPr>
+          <p:cNvSpPr>
+            <a:spLocks noGrp="1" noRot="1" noChangeAspect="1" noMove="1" noResize="1" noEditPoints="1" noAdjustHandles="1" noChangeArrowheads="1" noChangeShapeType="1" noTextEdit="1"/>
+          </p:cNvSpPr>
+          <p:nvPr>
+            <p:extLst>
+              <p:ext uri="{386F3935-93C4-4BCD-93E2-E3B085C9AB24}">
+                <p16:designElem xmlns:p16="http://schemas.microsoft.com/office/powerpoint/2015/main" val="1"/>
+              </p:ext>
+            </p:extLst>
+          </p:nvPr>
+        </p:nvSpPr>
+        <p:spPr>
+          <a:xfrm>
+            <a:off x="562677" y="456020"/>
+            <a:ext cx="6737282" cy="6032228"/>
+          </a:xfrm>
+          <a:custGeom>
+            <a:avLst/>
+            <a:gdLst>
+              <a:gd name="connsiteX0" fmla="*/ 3069307 w 6737282"/>
+              <a:gd name="connsiteY0" fmla="*/ 4550727 h 6032228"/>
+              <a:gd name="connsiteX1" fmla="*/ 3741218 w 6737282"/>
+              <a:gd name="connsiteY1" fmla="*/ 4550727 h 6032228"/>
+              <a:gd name="connsiteX2" fmla="*/ 3772850 w 6737282"/>
+              <a:gd name="connsiteY2" fmla="*/ 4554928 h 6032228"/>
+              <a:gd name="connsiteX3" fmla="*/ 3794605 w 6737282"/>
+              <a:gd name="connsiteY3" fmla="*/ 4564050 h 6032228"/>
+              <a:gd name="connsiteX4" fmla="*/ 3781310 w 6737282"/>
+              <a:gd name="connsiteY4" fmla="*/ 4587045 h 6032228"/>
+              <a:gd name="connsiteX5" fmla="*/ 3310252 w 6737282"/>
+              <a:gd name="connsiteY5" fmla="*/ 5401750 h 6032228"/>
+              <a:gd name="connsiteX6" fmla="*/ 3029607 w 6737282"/>
+              <a:gd name="connsiteY6" fmla="*/ 5564857 h 6032228"/>
+              <a:gd name="connsiteX7" fmla="*/ 2804017 w 6737282"/>
+              <a:gd name="connsiteY7" fmla="*/ 5564857 h 6032228"/>
+              <a:gd name="connsiteX8" fmla="*/ 2777701 w 6737282"/>
+              <a:gd name="connsiteY8" fmla="*/ 5564857 h 6032228"/>
+              <a:gd name="connsiteX9" fmla="*/ 2752589 w 6737282"/>
+              <a:gd name="connsiteY9" fmla="*/ 5521614 h 6032228"/>
+              <a:gd name="connsiteX10" fmla="*/ 2629590 w 6737282"/>
+              <a:gd name="connsiteY10" fmla="*/ 5309799 h 6032228"/>
+              <a:gd name="connsiteX11" fmla="*/ 2629590 w 6737282"/>
+              <a:gd name="connsiteY11" fmla="*/ 5191240 h 6032228"/>
+              <a:gd name="connsiteX12" fmla="*/ 2966272 w 6737282"/>
+              <a:gd name="connsiteY12" fmla="*/ 4611452 h 6032228"/>
+              <a:gd name="connsiteX13" fmla="*/ 3069307 w 6737282"/>
+              <a:gd name="connsiteY13" fmla="*/ 4550727 h 6032228"/>
+              <a:gd name="connsiteX14" fmla="*/ 1224899 w 6737282"/>
+              <a:gd name="connsiteY14" fmla="*/ 1805663 h 6032228"/>
+              <a:gd name="connsiteX15" fmla="*/ 3029607 w 6737282"/>
+              <a:gd name="connsiteY15" fmla="*/ 1805663 h 6032228"/>
+              <a:gd name="connsiteX16" fmla="*/ 3310252 w 6737282"/>
+              <a:gd name="connsiteY16" fmla="*/ 1968768 h 6032228"/>
+              <a:gd name="connsiteX17" fmla="*/ 4210657 w 6737282"/>
+              <a:gd name="connsiteY17" fmla="*/ 3526038 h 6032228"/>
+              <a:gd name="connsiteX18" fmla="*/ 4210657 w 6737282"/>
+              <a:gd name="connsiteY18" fmla="*/ 3844482 h 6032228"/>
+              <a:gd name="connsiteX19" fmla="*/ 3876331 w 6737282"/>
+              <a:gd name="connsiteY19" fmla="*/ 4422707 h 6032228"/>
+              <a:gd name="connsiteX20" fmla="*/ 3848154 w 6737282"/>
+              <a:gd name="connsiteY20" fmla="*/ 4471437 h 6032228"/>
+              <a:gd name="connsiteX21" fmla="*/ 3849146 w 6737282"/>
+              <a:gd name="connsiteY21" fmla="*/ 4471853 h 6032228"/>
+              <a:gd name="connsiteX22" fmla="*/ 3898870 w 6737282"/>
+              <a:gd name="connsiteY22" fmla="*/ 4522003 h 6032228"/>
+              <a:gd name="connsiteX23" fmla="*/ 4277006 w 6737282"/>
+              <a:gd name="connsiteY23" fmla="*/ 5175999 h 6032228"/>
+              <a:gd name="connsiteX24" fmla="*/ 4277006 w 6737282"/>
+              <a:gd name="connsiteY24" fmla="*/ 5309735 h 6032228"/>
+              <a:gd name="connsiteX25" fmla="*/ 3898870 w 6737282"/>
+              <a:gd name="connsiteY25" fmla="*/ 5963729 h 6032228"/>
+              <a:gd name="connsiteX26" fmla="*/ 3781007 w 6737282"/>
+              <a:gd name="connsiteY26" fmla="*/ 6032228 h 6032228"/>
+              <a:gd name="connsiteX27" fmla="*/ 3023096 w 6737282"/>
+              <a:gd name="connsiteY27" fmla="*/ 6032228 h 6032228"/>
+              <a:gd name="connsiteX28" fmla="*/ 2906872 w 6737282"/>
+              <a:gd name="connsiteY28" fmla="*/ 5963729 h 6032228"/>
+              <a:gd name="connsiteX29" fmla="*/ 2703170 w 6737282"/>
+              <a:gd name="connsiteY29" fmla="*/ 5612942 h 6032228"/>
+              <a:gd name="connsiteX30" fmla="*/ 2680159 w 6737282"/>
+              <a:gd name="connsiteY30" fmla="*/ 5573313 h 6032228"/>
+              <a:gd name="connsiteX31" fmla="*/ 2698265 w 6737282"/>
+              <a:gd name="connsiteY31" fmla="*/ 5573313 h 6032228"/>
+              <a:gd name="connsiteX32" fmla="*/ 2783846 w 6737282"/>
+              <a:gd name="connsiteY32" fmla="*/ 5573313 h 6032228"/>
+              <a:gd name="connsiteX33" fmla="*/ 2821023 w 6737282"/>
+              <a:gd name="connsiteY33" fmla="*/ 5637336 h 6032228"/>
+              <a:gd name="connsiteX34" fmla="*/ 2963060 w 6737282"/>
+              <a:gd name="connsiteY34" fmla="*/ 5881934 h 6032228"/>
+              <a:gd name="connsiteX35" fmla="*/ 3066097 w 6737282"/>
+              <a:gd name="connsiteY35" fmla="*/ 5942660 h 6032228"/>
+              <a:gd name="connsiteX36" fmla="*/ 3738008 w 6737282"/>
+              <a:gd name="connsiteY36" fmla="*/ 5942660 h 6032228"/>
+              <a:gd name="connsiteX37" fmla="*/ 3842494 w 6737282"/>
+              <a:gd name="connsiteY37" fmla="*/ 5881934 h 6032228"/>
+              <a:gd name="connsiteX38" fmla="*/ 4177724 w 6737282"/>
+              <a:gd name="connsiteY38" fmla="*/ 5302148 h 6032228"/>
+              <a:gd name="connsiteX39" fmla="*/ 4177724 w 6737282"/>
+              <a:gd name="connsiteY39" fmla="*/ 5183586 h 6032228"/>
+              <a:gd name="connsiteX40" fmla="*/ 3842494 w 6737282"/>
+              <a:gd name="connsiteY40" fmla="*/ 4603800 h 6032228"/>
+              <a:gd name="connsiteX41" fmla="*/ 3798414 w 6737282"/>
+              <a:gd name="connsiteY41" fmla="*/ 4559340 h 6032228"/>
+              <a:gd name="connsiteX42" fmla="*/ 3793313 w 6737282"/>
+              <a:gd name="connsiteY42" fmla="*/ 4557203 h 6032228"/>
+              <a:gd name="connsiteX43" fmla="*/ 3820657 w 6737282"/>
+              <a:gd name="connsiteY43" fmla="*/ 4509913 h 6032228"/>
+              <a:gd name="connsiteX44" fmla="*/ 3840991 w 6737282"/>
+              <a:gd name="connsiteY44" fmla="*/ 4474742 h 6032228"/>
+              <a:gd name="connsiteX45" fmla="*/ 3819900 w 6737282"/>
+              <a:gd name="connsiteY45" fmla="*/ 4465898 h 6032228"/>
+              <a:gd name="connsiteX46" fmla="*/ 3784219 w 6737282"/>
+              <a:gd name="connsiteY46" fmla="*/ 4461158 h 6032228"/>
+              <a:gd name="connsiteX47" fmla="*/ 3026307 w 6737282"/>
+              <a:gd name="connsiteY47" fmla="*/ 4461158 h 6032228"/>
+              <a:gd name="connsiteX48" fmla="*/ 2910084 w 6737282"/>
+              <a:gd name="connsiteY48" fmla="*/ 4529655 h 6032228"/>
+              <a:gd name="connsiteX49" fmla="*/ 2530310 w 6737282"/>
+              <a:gd name="connsiteY49" fmla="*/ 5183651 h 6032228"/>
+              <a:gd name="connsiteX50" fmla="*/ 2530310 w 6737282"/>
+              <a:gd name="connsiteY50" fmla="*/ 5317387 h 6032228"/>
+              <a:gd name="connsiteX51" fmla="*/ 2655664 w 6737282"/>
+              <a:gd name="connsiteY51" fmla="*/ 5533256 h 6032228"/>
+              <a:gd name="connsiteX52" fmla="*/ 2674015 w 6737282"/>
+              <a:gd name="connsiteY52" fmla="*/ 5564857 h 6032228"/>
+              <a:gd name="connsiteX53" fmla="*/ 2589005 w 6737282"/>
+              <a:gd name="connsiteY53" fmla="*/ 5564857 h 6032228"/>
+              <a:gd name="connsiteX54" fmla="*/ 1224899 w 6737282"/>
+              <a:gd name="connsiteY54" fmla="*/ 5564857 h 6032228"/>
+              <a:gd name="connsiteX55" fmla="*/ 948151 w 6737282"/>
+              <a:gd name="connsiteY55" fmla="*/ 5401750 h 6032228"/>
+              <a:gd name="connsiteX56" fmla="*/ 43851 w 6737282"/>
+              <a:gd name="connsiteY56" fmla="*/ 3844482 h 6032228"/>
+              <a:gd name="connsiteX57" fmla="*/ 43851 w 6737282"/>
+              <a:gd name="connsiteY57" fmla="*/ 3526038 h 6032228"/>
+              <a:gd name="connsiteX58" fmla="*/ 948151 w 6737282"/>
+              <a:gd name="connsiteY58" fmla="*/ 1968768 h 6032228"/>
+              <a:gd name="connsiteX59" fmla="*/ 1224899 w 6737282"/>
+              <a:gd name="connsiteY59" fmla="*/ 1805663 h 6032228"/>
+              <a:gd name="connsiteX60" fmla="*/ 4371720 w 6737282"/>
+              <a:gd name="connsiteY60" fmla="*/ 257854 h 6032228"/>
+              <a:gd name="connsiteX61" fmla="*/ 5796146 w 6737282"/>
+              <a:gd name="connsiteY61" fmla="*/ 257854 h 6032228"/>
+              <a:gd name="connsiteX62" fmla="*/ 5999634 w 6737282"/>
+              <a:gd name="connsiteY62" fmla="*/ 374270 h 6032228"/>
+              <a:gd name="connsiteX63" fmla="*/ 6711846 w 6737282"/>
+              <a:gd name="connsiteY63" fmla="*/ 1628971 h 6032228"/>
+              <a:gd name="connsiteX64" fmla="*/ 6711846 w 6737282"/>
+              <a:gd name="connsiteY64" fmla="*/ 1870427 h 6032228"/>
+              <a:gd name="connsiteX65" fmla="*/ 5999634 w 6737282"/>
+              <a:gd name="connsiteY65" fmla="*/ 3125126 h 6032228"/>
+              <a:gd name="connsiteX66" fmla="*/ 5796146 w 6737282"/>
+              <a:gd name="connsiteY66" fmla="*/ 3241542 h 6032228"/>
+              <a:gd name="connsiteX67" fmla="*/ 4371720 w 6737282"/>
+              <a:gd name="connsiteY67" fmla="*/ 3241542 h 6032228"/>
+              <a:gd name="connsiteX68" fmla="*/ 4168233 w 6737282"/>
+              <a:gd name="connsiteY68" fmla="*/ 3125126 h 6032228"/>
+              <a:gd name="connsiteX69" fmla="*/ 3456020 w 6737282"/>
+              <a:gd name="connsiteY69" fmla="*/ 1870427 h 6032228"/>
+              <a:gd name="connsiteX70" fmla="*/ 3456020 w 6737282"/>
+              <a:gd name="connsiteY70" fmla="*/ 1628971 h 6032228"/>
+              <a:gd name="connsiteX71" fmla="*/ 4168233 w 6737282"/>
+              <a:gd name="connsiteY71" fmla="*/ 374270 h 6032228"/>
+              <a:gd name="connsiteX72" fmla="*/ 4371720 w 6737282"/>
+              <a:gd name="connsiteY72" fmla="*/ 257854 h 6032228"/>
+              <a:gd name="connsiteX73" fmla="*/ 2350132 w 6737282"/>
+              <a:gd name="connsiteY73" fmla="*/ 0 h 6032228"/>
+              <a:gd name="connsiteX74" fmla="*/ 3150522 w 6737282"/>
+              <a:gd name="connsiteY74" fmla="*/ 0 h 6032228"/>
+              <a:gd name="connsiteX75" fmla="*/ 3264863 w 6737282"/>
+              <a:gd name="connsiteY75" fmla="*/ 65415 h 6032228"/>
+              <a:gd name="connsiteX76" fmla="*/ 3665057 w 6737282"/>
+              <a:gd name="connsiteY76" fmla="*/ 770436 h 6032228"/>
+              <a:gd name="connsiteX77" fmla="*/ 3665057 w 6737282"/>
+              <a:gd name="connsiteY77" fmla="*/ 906111 h 6032228"/>
+              <a:gd name="connsiteX78" fmla="*/ 3264863 w 6737282"/>
+              <a:gd name="connsiteY78" fmla="*/ 1611131 h 6032228"/>
+              <a:gd name="connsiteX79" fmla="*/ 3150522 w 6737282"/>
+              <a:gd name="connsiteY79" fmla="*/ 1676547 h 6032228"/>
+              <a:gd name="connsiteX80" fmla="*/ 2350132 w 6737282"/>
+              <a:gd name="connsiteY80" fmla="*/ 1676547 h 6032228"/>
+              <a:gd name="connsiteX81" fmla="*/ 2235791 w 6737282"/>
+              <a:gd name="connsiteY81" fmla="*/ 1611131 h 6032228"/>
+              <a:gd name="connsiteX82" fmla="*/ 1835596 w 6737282"/>
+              <a:gd name="connsiteY82" fmla="*/ 906111 h 6032228"/>
+              <a:gd name="connsiteX83" fmla="*/ 1835596 w 6737282"/>
+              <a:gd name="connsiteY83" fmla="*/ 770436 h 6032228"/>
+              <a:gd name="connsiteX84" fmla="*/ 2235791 w 6737282"/>
+              <a:gd name="connsiteY84" fmla="*/ 65415 h 6032228"/>
+              <a:gd name="connsiteX85" fmla="*/ 2350132 w 6737282"/>
+              <a:gd name="connsiteY85" fmla="*/ 0 h 6032228"/>
+            </a:gdLst>
+            <a:ahLst/>
+            <a:cxnLst>
+              <a:cxn ang="0">
+                <a:pos x="connsiteX0" y="connsiteY0"/>
+              </a:cxn>
+              <a:cxn ang="0">
+                <a:pos x="connsiteX1" y="connsiteY1"/>
+              </a:cxn>
+              <a:cxn ang="0">
+                <a:pos x="connsiteX2" y="connsiteY2"/>
+              </a:cxn>
+              <a:cxn ang="0">
+                <a:pos x="connsiteX3" y="connsiteY3"/>
+              </a:cxn>
+              <a:cxn ang="0">
+                <a:pos x="connsiteX4" y="connsiteY4"/>
+              </a:cxn>
+              <a:cxn ang="0">
+                <a:pos x="connsiteX5" y="connsiteY5"/>
+              </a:cxn>
+              <a:cxn ang="0">
+                <a:pos x="connsiteX6" y="connsiteY6"/>
+              </a:cxn>
+              <a:cxn ang="0">
+                <a:pos x="connsiteX7" y="connsiteY7"/>
+              </a:cxn>
+              <a:cxn ang="0">
+                <a:pos x="connsiteX8" y="connsiteY8"/>
+              </a:cxn>
+              <a:cxn ang="0">
+                <a:pos x="connsiteX9" y="connsiteY9"/>
+              </a:cxn>
+              <a:cxn ang="0">
+                <a:pos x="connsiteX10" y="connsiteY10"/>
+              </a:cxn>
+              <a:cxn ang="0">
+                <a:pos x="connsiteX11" y="connsiteY11"/>
+              </a:cxn>
+              <a:cxn ang="0">
+                <a:pos x="connsiteX12" y="connsiteY12"/>
+              </a:cxn>
+              <a:cxn ang="0">
+                <a:pos x="connsiteX13" y="connsiteY13"/>
+              </a:cxn>
+              <a:cxn ang="0">
+                <a:pos x="connsiteX14" y="connsiteY14"/>
+              </a:cxn>
+              <a:cxn ang="0">
+                <a:pos x="connsiteX15" y="connsiteY15"/>
+              </a:cxn>
+              <a:cxn ang="0">
+                <a:pos x="connsiteX16" y="connsiteY16"/>
+              </a:cxn>
+              <a:cxn ang="0">
+                <a:pos x="connsiteX17" y="connsiteY17"/>
+              </a:cxn>
+              <a:cxn ang="0">
+                <a:pos x="connsiteX18" y="connsiteY18"/>
+              </a:cxn>
+              <a:cxn ang="0">
+                <a:pos x="connsiteX19" y="connsiteY19"/>
+              </a:cxn>
+              <a:cxn ang="0">
+                <a:pos x="connsiteX20" y="connsiteY20"/>
+              </a:cxn>
+              <a:cxn ang="0">
+                <a:pos x="connsiteX21" y="connsiteY21"/>
+              </a:cxn>
+              <a:cxn ang="0">
+                <a:pos x="connsiteX22" y="connsiteY22"/>
+              </a:cxn>
+              <a:cxn ang="0">
+                <a:pos x="connsiteX23" y="connsiteY23"/>
+              </a:cxn>
+              <a:cxn ang="0">
+                <a:pos x="connsiteX24" y="connsiteY24"/>
+              </a:cxn>
+              <a:cxn ang="0">
+                <a:pos x="connsiteX25" y="connsiteY25"/>
+              </a:cxn>
+              <a:cxn ang="0">
+                <a:pos x="connsiteX26" y="connsiteY26"/>
+              </a:cxn>
+              <a:cxn ang="0">
+                <a:pos x="connsiteX27" y="connsiteY27"/>
+              </a:cxn>
+              <a:cxn ang="0">
+                <a:pos x="connsiteX28" y="connsiteY28"/>
+              </a:cxn>
+              <a:cxn ang="0">
+                <a:pos x="connsiteX29" y="connsiteY29"/>
+              </a:cxn>
+              <a:cxn ang="0">
+                <a:pos x="connsiteX30" y="connsiteY30"/>
+              </a:cxn>
+              <a:cxn ang="0">
+                <a:pos x="connsiteX31" y="connsiteY31"/>
+              </a:cxn>
+              <a:cxn ang="0">
+                <a:pos x="connsiteX32" y="connsiteY32"/>
+              </a:cxn>
+              <a:cxn ang="0">
+                <a:pos x="connsiteX33" y="connsiteY33"/>
+              </a:cxn>
+              <a:cxn ang="0">
+                <a:pos x="connsiteX34" y="connsiteY34"/>
+              </a:cxn>
+              <a:cxn ang="0">
+                <a:pos x="connsiteX35" y="connsiteY35"/>
+              </a:cxn>
+              <a:cxn ang="0">
+                <a:pos x="connsiteX36" y="connsiteY36"/>
+              </a:cxn>
+              <a:cxn ang="0">
+                <a:pos x="connsiteX37" y="connsiteY37"/>
+              </a:cxn>
+              <a:cxn ang="0">
+                <a:pos x="connsiteX38" y="connsiteY38"/>
+              </a:cxn>
+              <a:cxn ang="0">
+                <a:pos x="connsiteX39" y="connsiteY39"/>
+              </a:cxn>
+              <a:cxn ang="0">
+                <a:pos x="connsiteX40" y="connsiteY40"/>
+              </a:cxn>
+              <a:cxn ang="0">
+                <a:pos x="connsiteX41" y="connsiteY41"/>
+              </a:cxn>
+              <a:cxn ang="0">
+                <a:pos x="connsiteX42" y="connsiteY42"/>
+              </a:cxn>
+              <a:cxn ang="0">
+                <a:pos x="connsiteX43" y="connsiteY43"/>
+              </a:cxn>
+              <a:cxn ang="0">
+                <a:pos x="connsiteX44" y="connsiteY44"/>
+              </a:cxn>
+              <a:cxn ang="0">
+                <a:pos x="connsiteX45" y="connsiteY45"/>
+              </a:cxn>
+              <a:cxn ang="0">
+                <a:pos x="connsiteX46" y="connsiteY46"/>
+              </a:cxn>
+              <a:cxn ang="0">
+                <a:pos x="connsiteX47" y="connsiteY47"/>
+              </a:cxn>
+              <a:cxn ang="0">
+                <a:pos x="connsiteX48" y="connsiteY48"/>
+              </a:cxn>
+              <a:cxn ang="0">
+                <a:pos x="connsiteX49" y="connsiteY49"/>
+              </a:cxn>
+              <a:cxn ang="0">
+                <a:pos x="connsiteX50" y="connsiteY50"/>
+              </a:cxn>
+              <a:cxn ang="0">
+                <a:pos x="connsiteX51" y="connsiteY51"/>
+              </a:cxn>
+              <a:cxn ang="0">
+                <a:pos x="connsiteX52" y="connsiteY52"/>
+              </a:cxn>
+              <a:cxn ang="0">
+                <a:pos x="connsiteX53" y="connsiteY53"/>
+              </a:cxn>
+              <a:cxn ang="0">
+                <a:pos x="connsiteX54" y="connsiteY54"/>
+              </a:cxn>
+              <a:cxn ang="0">
+                <a:pos x="connsiteX55" y="connsiteY55"/>
+              </a:cxn>
+              <a:cxn ang="0">
+                <a:pos x="connsiteX56" y="connsiteY56"/>
+              </a:cxn>
+              <a:cxn ang="0">
+                <a:pos x="connsiteX57" y="connsiteY57"/>
+              </a:cxn>
+              <a:cxn ang="0">
+                <a:pos x="connsiteX58" y="connsiteY58"/>
+              </a:cxn>
+              <a:cxn ang="0">
+                <a:pos x="connsiteX59" y="connsiteY59"/>
+              </a:cxn>
+              <a:cxn ang="0">
+                <a:pos x="connsiteX60" y="connsiteY60"/>
+              </a:cxn>
+              <a:cxn ang="0">
+                <a:pos x="connsiteX61" y="connsiteY61"/>
+              </a:cxn>
+              <a:cxn ang="0">
+                <a:pos x="connsiteX62" y="connsiteY62"/>
+              </a:cxn>
+              <a:cxn ang="0">
+                <a:pos x="connsiteX63" y="connsiteY63"/>
+              </a:cxn>
+              <a:cxn ang="0">
+                <a:pos x="connsiteX64" y="connsiteY64"/>
+              </a:cxn>
+              <a:cxn ang="0">
+                <a:pos x="connsiteX65" y="connsiteY65"/>
+              </a:cxn>
+              <a:cxn ang="0">
+                <a:pos x="connsiteX66" y="connsiteY66"/>
+              </a:cxn>
+              <a:cxn ang="0">
+                <a:pos x="connsiteX67" y="connsiteY67"/>
+              </a:cxn>
+              <a:cxn ang="0">
+                <a:pos x="connsiteX68" y="connsiteY68"/>
+              </a:cxn>
+              <a:cxn ang="0">
+                <a:pos x="connsiteX69" y="connsiteY69"/>
+              </a:cxn>
+              <a:cxn ang="0">
+                <a:pos x="connsiteX70" y="connsiteY70"/>
+              </a:cxn>
+              <a:cxn ang="0">
+                <a:pos x="connsiteX71" y="connsiteY71"/>
+              </a:cxn>
+              <a:cxn ang="0">
+                <a:pos x="connsiteX72" y="connsiteY72"/>
+              </a:cxn>
+              <a:cxn ang="0">
+                <a:pos x="connsiteX73" y="connsiteY73"/>
+              </a:cxn>
+              <a:cxn ang="0">
+                <a:pos x="connsiteX74" y="connsiteY74"/>
+              </a:cxn>
+              <a:cxn ang="0">
+                <a:pos x="connsiteX75" y="connsiteY75"/>
+              </a:cxn>
+              <a:cxn ang="0">
+                <a:pos x="connsiteX76" y="connsiteY76"/>
+              </a:cxn>
+              <a:cxn ang="0">
+                <a:pos x="connsiteX77" y="connsiteY77"/>
+              </a:cxn>
+              <a:cxn ang="0">
+                <a:pos x="connsiteX78" y="connsiteY78"/>
+              </a:cxn>
+              <a:cxn ang="0">
+                <a:pos x="connsiteX79" y="connsiteY79"/>
+              </a:cxn>
+              <a:cxn ang="0">
+                <a:pos x="connsiteX80" y="connsiteY80"/>
+              </a:cxn>
+              <a:cxn ang="0">
+                <a:pos x="connsiteX81" y="connsiteY81"/>
+              </a:cxn>
+              <a:cxn ang="0">
+                <a:pos x="connsiteX82" y="connsiteY82"/>
+              </a:cxn>
+              <a:cxn ang="0">
+                <a:pos x="connsiteX83" y="connsiteY83"/>
+              </a:cxn>
+              <a:cxn ang="0">
+                <a:pos x="connsiteX84" y="connsiteY84"/>
+              </a:cxn>
+              <a:cxn ang="0">
+                <a:pos x="connsiteX85" y="connsiteY85"/>
+              </a:cxn>
+            </a:cxnLst>
+            <a:rect l="l" t="t" r="r" b="b"/>
+            <a:pathLst>
+              <a:path w="6737282" h="6032228">
+                <a:moveTo>
+                  <a:pt x="3069307" y="4550727"/>
+                </a:moveTo>
+                <a:cubicBezTo>
+                  <a:pt x="3069307" y="4550727"/>
+                  <a:pt x="3069307" y="4550727"/>
+                  <a:pt x="3741218" y="4550727"/>
+                </a:cubicBezTo>
+                <a:cubicBezTo>
+                  <a:pt x="3752102" y="4550727"/>
+                  <a:pt x="3762715" y="4552172"/>
+                  <a:pt x="3772850" y="4554928"/>
+                </a:cubicBezTo>
+                <a:lnTo>
+                  <a:pt x="3794605" y="4564050"/>
+                </a:lnTo>
+                <a:lnTo>
+                  <a:pt x="3781310" y="4587045"/>
+                </a:lnTo>
+                <a:cubicBezTo>
+                  <a:pt x="3661093" y="4794962"/>
+                  <a:pt x="3507216" y="5061097"/>
+                  <a:pt x="3310252" y="5401750"/>
+                </a:cubicBezTo>
+                <a:cubicBezTo>
+                  <a:pt x="3251786" y="5502720"/>
+                  <a:pt x="3146542" y="5564857"/>
+                  <a:pt x="3029607" y="5564857"/>
+                </a:cubicBezTo>
+                <a:cubicBezTo>
+                  <a:pt x="3029607" y="5564857"/>
+                  <a:pt x="3029607" y="5564857"/>
+                  <a:pt x="2804017" y="5564857"/>
+                </a:cubicBezTo>
+                <a:lnTo>
+                  <a:pt x="2777701" y="5564857"/>
+                </a:lnTo>
+                <a:lnTo>
+                  <a:pt x="2752589" y="5521614"/>
+                </a:lnTo>
+                <a:cubicBezTo>
+                  <a:pt x="2717623" y="5461398"/>
+                  <a:pt x="2676936" y="5391332"/>
+                  <a:pt x="2629590" y="5309799"/>
+                </a:cubicBezTo>
+                <a:cubicBezTo>
+                  <a:pt x="2607824" y="5273652"/>
+                  <a:pt x="2607824" y="5227386"/>
+                  <a:pt x="2629590" y="5191240"/>
+                </a:cubicBezTo>
+                <a:cubicBezTo>
+                  <a:pt x="2629590" y="5191240"/>
+                  <a:pt x="2629590" y="5191240"/>
+                  <a:pt x="2966272" y="4611452"/>
+                </a:cubicBezTo>
+                <a:cubicBezTo>
+                  <a:pt x="2986590" y="4573861"/>
+                  <a:pt x="3027221" y="4550727"/>
+                  <a:pt x="3069307" y="4550727"/>
+                </a:cubicBezTo>
+                <a:close/>
+                <a:moveTo>
+                  <a:pt x="1224899" y="1805663"/>
+                </a:moveTo>
+                <a:cubicBezTo>
+                  <a:pt x="1224899" y="1805663"/>
+                  <a:pt x="1224899" y="1805663"/>
+                  <a:pt x="3029607" y="1805663"/>
+                </a:cubicBezTo>
+                <a:cubicBezTo>
+                  <a:pt x="3146542" y="1805663"/>
+                  <a:pt x="3251786" y="1867798"/>
+                  <a:pt x="3310252" y="1968768"/>
+                </a:cubicBezTo>
+                <a:cubicBezTo>
+                  <a:pt x="3310252" y="1968768"/>
+                  <a:pt x="3310252" y="1968768"/>
+                  <a:pt x="4210657" y="3526038"/>
+                </a:cubicBezTo>
+                <a:cubicBezTo>
+                  <a:pt x="4269126" y="3623125"/>
+                  <a:pt x="4269126" y="3747395"/>
+                  <a:pt x="4210657" y="3844482"/>
+                </a:cubicBezTo>
+                <a:cubicBezTo>
+                  <a:pt x="4210657" y="3844482"/>
+                  <a:pt x="4210657" y="3844482"/>
+                  <a:pt x="3876331" y="4422707"/>
+                </a:cubicBezTo>
+                <a:lnTo>
+                  <a:pt x="3848154" y="4471437"/>
+                </a:lnTo>
+                <a:lnTo>
+                  <a:pt x="3849146" y="4471853"/>
+                </a:lnTo>
+                <a:cubicBezTo>
+                  <a:pt x="3869404" y="4483677"/>
+                  <a:pt x="3886591" y="4500801"/>
+                  <a:pt x="3898870" y="4522003"/>
+                </a:cubicBezTo>
+                <a:cubicBezTo>
+                  <a:pt x="3898870" y="4522003"/>
+                  <a:pt x="3898870" y="4522003"/>
+                  <a:pt x="4277006" y="5175999"/>
+                </a:cubicBezTo>
+                <a:cubicBezTo>
+                  <a:pt x="4301561" y="5216772"/>
+                  <a:pt x="4301561" y="5268961"/>
+                  <a:pt x="4277006" y="5309735"/>
+                </a:cubicBezTo>
+                <a:cubicBezTo>
+                  <a:pt x="4277006" y="5309735"/>
+                  <a:pt x="4277006" y="5309735"/>
+                  <a:pt x="3898870" y="5963729"/>
+                </a:cubicBezTo>
+                <a:cubicBezTo>
+                  <a:pt x="3874314" y="6006133"/>
+                  <a:pt x="3830116" y="6032228"/>
+                  <a:pt x="3781007" y="6032228"/>
+                </a:cubicBezTo>
+                <a:cubicBezTo>
+                  <a:pt x="3781007" y="6032228"/>
+                  <a:pt x="3781007" y="6032228"/>
+                  <a:pt x="3023096" y="6032228"/>
+                </a:cubicBezTo>
+                <a:cubicBezTo>
+                  <a:pt x="2975623" y="6032228"/>
+                  <a:pt x="2929790" y="6006133"/>
+                  <a:pt x="2906872" y="5963729"/>
+                </a:cubicBezTo>
+                <a:cubicBezTo>
+                  <a:pt x="2906872" y="5963729"/>
+                  <a:pt x="2906872" y="5963729"/>
+                  <a:pt x="2703170" y="5612942"/>
+                </a:cubicBezTo>
+                <a:lnTo>
+                  <a:pt x="2680159" y="5573313"/>
+                </a:lnTo>
+                <a:lnTo>
+                  <a:pt x="2698265" y="5573313"/>
+                </a:lnTo>
+                <a:lnTo>
+                  <a:pt x="2783846" y="5573313"/>
+                </a:lnTo>
+                <a:lnTo>
+                  <a:pt x="2821023" y="5637336"/>
+                </a:lnTo>
+                <a:cubicBezTo>
+                  <a:pt x="2963060" y="5881934"/>
+                  <a:pt x="2963060" y="5881934"/>
+                  <a:pt x="2963060" y="5881934"/>
+                </a:cubicBezTo>
+                <a:cubicBezTo>
+                  <a:pt x="2983378" y="5919525"/>
+                  <a:pt x="3024012" y="5942660"/>
+                  <a:pt x="3066097" y="5942660"/>
+                </a:cubicBezTo>
+                <a:cubicBezTo>
+                  <a:pt x="3738008" y="5942660"/>
+                  <a:pt x="3738008" y="5942660"/>
+                  <a:pt x="3738008" y="5942660"/>
+                </a:cubicBezTo>
+                <a:cubicBezTo>
+                  <a:pt x="3781543" y="5942660"/>
+                  <a:pt x="3820726" y="5919525"/>
+                  <a:pt x="3842494" y="5881934"/>
+                </a:cubicBezTo>
+                <a:cubicBezTo>
+                  <a:pt x="4177724" y="5302148"/>
+                  <a:pt x="4177724" y="5302148"/>
+                  <a:pt x="4177724" y="5302148"/>
+                </a:cubicBezTo>
+                <a:cubicBezTo>
+                  <a:pt x="4199492" y="5266000"/>
+                  <a:pt x="4199492" y="5219733"/>
+                  <a:pt x="4177724" y="5183586"/>
+                </a:cubicBezTo>
+                <a:cubicBezTo>
+                  <a:pt x="3842494" y="4603800"/>
+                  <a:pt x="3842494" y="4603800"/>
+                  <a:pt x="3842494" y="4603800"/>
+                </a:cubicBezTo>
+                <a:cubicBezTo>
+                  <a:pt x="3831610" y="4585003"/>
+                  <a:pt x="3816372" y="4569821"/>
+                  <a:pt x="3798414" y="4559340"/>
+                </a:cubicBezTo>
+                <a:lnTo>
+                  <a:pt x="3793313" y="4557203"/>
+                </a:lnTo>
+                <a:lnTo>
+                  <a:pt x="3820657" y="4509913"/>
+                </a:lnTo>
+                <a:lnTo>
+                  <a:pt x="3840991" y="4474742"/>
+                </a:lnTo>
+                <a:lnTo>
+                  <a:pt x="3819900" y="4465898"/>
+                </a:lnTo>
+                <a:cubicBezTo>
+                  <a:pt x="3808466" y="4462788"/>
+                  <a:pt x="3796496" y="4461158"/>
+                  <a:pt x="3784219" y="4461158"/>
+                </a:cubicBezTo>
+                <a:cubicBezTo>
+                  <a:pt x="3026307" y="4461158"/>
+                  <a:pt x="3026307" y="4461158"/>
+                  <a:pt x="3026307" y="4461158"/>
+                </a:cubicBezTo>
+                <a:cubicBezTo>
+                  <a:pt x="2978836" y="4461158"/>
+                  <a:pt x="2933001" y="4487252"/>
+                  <a:pt x="2910084" y="4529655"/>
+                </a:cubicBezTo>
+                <a:cubicBezTo>
+                  <a:pt x="2530310" y="5183651"/>
+                  <a:pt x="2530310" y="5183651"/>
+                  <a:pt x="2530310" y="5183651"/>
+                </a:cubicBezTo>
+                <a:cubicBezTo>
+                  <a:pt x="2505754" y="5224424"/>
+                  <a:pt x="2505754" y="5276613"/>
+                  <a:pt x="2530310" y="5317387"/>
+                </a:cubicBezTo>
+                <a:cubicBezTo>
+                  <a:pt x="2577781" y="5399135"/>
+                  <a:pt x="2619318" y="5470667"/>
+                  <a:pt x="2655664" y="5533256"/>
+                </a:cubicBezTo>
+                <a:lnTo>
+                  <a:pt x="2674015" y="5564857"/>
+                </a:lnTo>
+                <a:lnTo>
+                  <a:pt x="2589005" y="5564857"/>
+                </a:lnTo>
+                <a:cubicBezTo>
+                  <a:pt x="2324644" y="5564857"/>
+                  <a:pt x="1901666" y="5564857"/>
+                  <a:pt x="1224899" y="5564857"/>
+                </a:cubicBezTo>
+                <a:cubicBezTo>
+                  <a:pt x="1111863" y="5564857"/>
+                  <a:pt x="1002722" y="5502720"/>
+                  <a:pt x="948151" y="5401750"/>
+                </a:cubicBezTo>
+                <a:cubicBezTo>
+                  <a:pt x="948151" y="5401750"/>
+                  <a:pt x="948151" y="5401750"/>
+                  <a:pt x="43851" y="3844482"/>
+                </a:cubicBezTo>
+                <a:cubicBezTo>
+                  <a:pt x="-14618" y="3747395"/>
+                  <a:pt x="-14618" y="3623125"/>
+                  <a:pt x="43851" y="3526038"/>
+                </a:cubicBezTo>
+                <a:cubicBezTo>
+                  <a:pt x="43851" y="3526038"/>
+                  <a:pt x="43851" y="3526038"/>
+                  <a:pt x="948151" y="1968768"/>
+                </a:cubicBezTo>
+                <a:cubicBezTo>
+                  <a:pt x="1002722" y="1867798"/>
+                  <a:pt x="1111863" y="1805663"/>
+                  <a:pt x="1224899" y="1805663"/>
+                </a:cubicBezTo>
+                <a:close/>
+                <a:moveTo>
+                  <a:pt x="4371720" y="257854"/>
+                </a:moveTo>
+                <a:cubicBezTo>
+                  <a:pt x="5796146" y="257854"/>
+                  <a:pt x="5796146" y="257854"/>
+                  <a:pt x="5796146" y="257854"/>
+                </a:cubicBezTo>
+                <a:cubicBezTo>
+                  <a:pt x="5868214" y="257854"/>
+                  <a:pt x="5961481" y="309594"/>
+                  <a:pt x="5999634" y="374270"/>
+                </a:cubicBezTo>
+                <a:cubicBezTo>
+                  <a:pt x="6711846" y="1628971"/>
+                  <a:pt x="6711846" y="1628971"/>
+                  <a:pt x="6711846" y="1628971"/>
+                </a:cubicBezTo>
+                <a:cubicBezTo>
+                  <a:pt x="6745761" y="1697958"/>
+                  <a:pt x="6745761" y="1801438"/>
+                  <a:pt x="6711846" y="1870427"/>
+                </a:cubicBezTo>
+                <a:cubicBezTo>
+                  <a:pt x="5999634" y="3125126"/>
+                  <a:pt x="5999634" y="3125126"/>
+                  <a:pt x="5999634" y="3125126"/>
+                </a:cubicBezTo>
+                <a:cubicBezTo>
+                  <a:pt x="5961481" y="3189803"/>
+                  <a:pt x="5868214" y="3241542"/>
+                  <a:pt x="5796146" y="3241542"/>
+                </a:cubicBezTo>
+                <a:lnTo>
+                  <a:pt x="4371720" y="3241542"/>
+                </a:lnTo>
+                <a:cubicBezTo>
+                  <a:pt x="4295413" y="3241542"/>
+                  <a:pt x="4202148" y="3189803"/>
+                  <a:pt x="4168233" y="3125126"/>
+                </a:cubicBezTo>
+                <a:cubicBezTo>
+                  <a:pt x="3456020" y="1870427"/>
+                  <a:pt x="3456020" y="1870427"/>
+                  <a:pt x="3456020" y="1870427"/>
+                </a:cubicBezTo>
+                <a:cubicBezTo>
+                  <a:pt x="3417865" y="1801438"/>
+                  <a:pt x="3417865" y="1697958"/>
+                  <a:pt x="3456020" y="1628971"/>
+                </a:cubicBezTo>
+                <a:cubicBezTo>
+                  <a:pt x="4168233" y="374270"/>
+                  <a:pt x="4168233" y="374270"/>
+                  <a:pt x="4168233" y="374270"/>
+                </a:cubicBezTo>
+                <a:cubicBezTo>
+                  <a:pt x="4202148" y="309594"/>
+                  <a:pt x="4295413" y="257854"/>
+                  <a:pt x="4371720" y="257854"/>
+                </a:cubicBezTo>
+                <a:close/>
+                <a:moveTo>
+                  <a:pt x="2350132" y="0"/>
+                </a:moveTo>
+                <a:cubicBezTo>
+                  <a:pt x="3150522" y="0"/>
+                  <a:pt x="3150522" y="0"/>
+                  <a:pt x="3150522" y="0"/>
+                </a:cubicBezTo>
+                <a:cubicBezTo>
+                  <a:pt x="3191018" y="0"/>
+                  <a:pt x="3243425" y="29073"/>
+                  <a:pt x="3264863" y="65415"/>
+                </a:cubicBezTo>
+                <a:cubicBezTo>
+                  <a:pt x="3665057" y="770436"/>
+                  <a:pt x="3665057" y="770436"/>
+                  <a:pt x="3665057" y="770436"/>
+                </a:cubicBezTo>
+                <a:cubicBezTo>
+                  <a:pt x="3684115" y="809200"/>
+                  <a:pt x="3684115" y="867346"/>
+                  <a:pt x="3665057" y="906111"/>
+                </a:cubicBezTo>
+                <a:cubicBezTo>
+                  <a:pt x="3264863" y="1611131"/>
+                  <a:pt x="3264863" y="1611131"/>
+                  <a:pt x="3264863" y="1611131"/>
+                </a:cubicBezTo>
+                <a:cubicBezTo>
+                  <a:pt x="3243425" y="1647474"/>
+                  <a:pt x="3191018" y="1676547"/>
+                  <a:pt x="3150522" y="1676547"/>
+                </a:cubicBezTo>
+                <a:lnTo>
+                  <a:pt x="2350132" y="1676547"/>
+                </a:lnTo>
+                <a:cubicBezTo>
+                  <a:pt x="2307254" y="1676547"/>
+                  <a:pt x="2254848" y="1647474"/>
+                  <a:pt x="2235791" y="1611131"/>
+                </a:cubicBezTo>
+                <a:cubicBezTo>
+                  <a:pt x="1835596" y="906111"/>
+                  <a:pt x="1835596" y="906111"/>
+                  <a:pt x="1835596" y="906111"/>
+                </a:cubicBezTo>
+                <a:cubicBezTo>
+                  <a:pt x="1814157" y="867346"/>
+                  <a:pt x="1814157" y="809200"/>
+                  <a:pt x="1835596" y="770436"/>
+                </a:cubicBezTo>
+                <a:cubicBezTo>
+                  <a:pt x="2235791" y="65415"/>
+                  <a:pt x="2235791" y="65415"/>
+                  <a:pt x="2235791" y="65415"/>
+                </a:cubicBezTo>
+                <a:cubicBezTo>
+                  <a:pt x="2254848" y="29073"/>
+                  <a:pt x="2307254" y="0"/>
+                  <a:pt x="2350132" y="0"/>
+                </a:cubicBezTo>
+                <a:close/>
+              </a:path>
+            </a:pathLst>
+          </a:custGeom>
+          <a:solidFill>
+            <a:schemeClr val="tx1">
+              <a:lumMod val="50000"/>
+              <a:lumOff val="50000"/>
+              <a:alpha val="15000"/>
+            </a:schemeClr>
+          </a:solidFill>
+          <a:ln>
+            <a:noFill/>
+          </a:ln>
+        </p:spPr>
+        <p:style>
+          <a:lnRef idx="2">
+            <a:schemeClr val="accent1">
+              <a:shade val="50000"/>
+            </a:schemeClr>
+          </a:lnRef>
+          <a:fillRef idx="1">
+            <a:schemeClr val="accent1"/>
+          </a:fillRef>
+          <a:effectRef idx="0">
+            <a:schemeClr val="accent1"/>
+          </a:effectRef>
+          <a:fontRef idx="minor">
+            <a:schemeClr val="lt1"/>
+          </a:fontRef>
+        </p:style>
+        <p:txBody>
+          <a:bodyPr wrap="square" rtlCol="0" anchor="ctr">
+            <a:noAutofit/>
+          </a:bodyPr>
+          <a:lstStyle/>
+          <a:p>
+            <a:pPr algn="ctr"/>
+            <a:endParaRPr lang="en-US"/>
+          </a:p>
+        </p:txBody>
+      </p:sp>
+      <p:sp>
+        <p:nvSpPr>
+          <p:cNvPr id="2" name="Title 1">
+            <a:extLst>
+              <a:ext uri="{FF2B5EF4-FFF2-40B4-BE49-F238E27FC236}">
+                <a16:creationId xmlns:a16="http://schemas.microsoft.com/office/drawing/2014/main" id="{7DD6EEB0-BD57-44E9-C005-70FBF784289C}"/>
+              </a:ext>
+            </a:extLst>
+          </p:cNvPr>
+          <p:cNvSpPr>
+            <a:spLocks noGrp="1"/>
+          </p:cNvSpPr>
+          <p:nvPr>
+            <p:ph type="ctrTitle"/>
+          </p:nvPr>
+        </p:nvSpPr>
+        <p:spPr>
+          <a:xfrm>
+            <a:off x="4937760" y="3865615"/>
+            <a:ext cx="6757415" cy="1748006"/>
+          </a:xfrm>
+        </p:spPr>
+        <p:txBody>
+          <a:bodyPr anchor="t">
+            <a:normAutofit/>
+          </a:bodyPr>
+          <a:lstStyle/>
+          <a:p>
+            <a:pPr algn="r"/>
+            <a:r>
+              <a:rPr lang="en-US" sz="6100" dirty="0"/>
+              <a:t>Pitt CSD R Workshop</a:t>
+            </a:r>
+            <a:br>
+              <a:rPr lang="en-US" sz="6100" dirty="0"/>
+            </a:br>
+            <a:r>
+              <a:rPr lang="en-US" sz="2400" dirty="0"/>
+              <a:t>(This is a practice run)</a:t>
+            </a:r>
+            <a:endParaRPr lang="en-US" sz="6100" dirty="0"/>
+          </a:p>
+        </p:txBody>
+      </p:sp>
+      <p:sp>
+        <p:nvSpPr>
+          <p:cNvPr id="3" name="Subtitle 2">
+            <a:extLst>
+              <a:ext uri="{FF2B5EF4-FFF2-40B4-BE49-F238E27FC236}">
+                <a16:creationId xmlns:a16="http://schemas.microsoft.com/office/drawing/2014/main" id="{C9457780-6BB0-6D0B-86E1-3009C244B9C0}"/>
+              </a:ext>
+            </a:extLst>
+          </p:cNvPr>
+          <p:cNvSpPr>
+            <a:spLocks noGrp="1"/>
+          </p:cNvSpPr>
+          <p:nvPr>
+            <p:ph type="subTitle" idx="1"/>
+          </p:nvPr>
+        </p:nvSpPr>
+        <p:spPr>
+          <a:xfrm>
+            <a:off x="7516365" y="917226"/>
+            <a:ext cx="4178808" cy="2948389"/>
+          </a:xfrm>
+        </p:spPr>
+        <p:txBody>
+          <a:bodyPr anchor="b">
+            <a:normAutofit/>
+          </a:bodyPr>
+          <a:lstStyle/>
+          <a:p>
+            <a:pPr algn="r"/>
+            <a:r>
+              <a:rPr lang="en-US" dirty="0"/>
+              <a:t>Rob Cavanaugh</a:t>
+            </a:r>
+          </a:p>
+          <a:p>
+            <a:pPr algn="r"/>
+            <a:r>
+              <a:rPr lang="en-US" dirty="0"/>
+              <a:t>Emily Goldberg</a:t>
+            </a:r>
+          </a:p>
+          <a:p>
+            <a:pPr algn="r"/>
+            <a:r>
+              <a:rPr lang="en-US" dirty="0"/>
+              <a:t>Alex </a:t>
+            </a:r>
+            <a:r>
+              <a:rPr lang="en-US" dirty="0" err="1"/>
+              <a:t>Swiderski</a:t>
+            </a:r>
+            <a:endParaRPr lang="en-US" dirty="0"/>
+          </a:p>
+        </p:txBody>
+      </p:sp>
+      <p:pic>
+        <p:nvPicPr>
+          <p:cNvPr id="2054" name="Picture 6" descr="Pitt Communication Science and Disorders (@PittCSD) / Twitter">
+            <a:extLst>
+              <a:ext uri="{FF2B5EF4-FFF2-40B4-BE49-F238E27FC236}">
+                <a16:creationId xmlns:a16="http://schemas.microsoft.com/office/drawing/2014/main" id="{3C901B5E-EB37-239F-8F92-ABB9EACEFD3B}"/>
+              </a:ext>
+            </a:extLst>
+          </p:cNvPr>
+          <p:cNvPicPr>
+            <a:picLocks noChangeAspect="1" noChangeArrowheads="1"/>
+          </p:cNvPicPr>
+          <p:nvPr/>
+        </p:nvPicPr>
+        <p:blipFill>
+          <a:blip r:embed="rId2">
+            <a:extLst>
+              <a:ext uri="{28A0092B-C50C-407E-A947-70E740481C1C}">
+                <a14:useLocalDpi xmlns:a14="http://schemas.microsoft.com/office/drawing/2010/main" val="0"/>
+              </a:ext>
+            </a:extLst>
+          </a:blip>
+          <a:stretch>
+            <a:fillRect/>
+          </a:stretch>
+        </p:blipFill>
+        <p:spPr bwMode="auto">
+          <a:xfrm>
+            <a:off x="1486861" y="3054236"/>
+            <a:ext cx="2363794" cy="2363794"/>
+          </a:xfrm>
+          <a:prstGeom prst="rect">
+            <a:avLst/>
+          </a:prstGeom>
+          <a:noFill/>
+          <a:extLst>
+            <a:ext uri="{909E8E84-426E-40DD-AFC4-6F175D3DCCD1}">
+              <a14:hiddenFill xmlns:a14="http://schemas.microsoft.com/office/drawing/2010/main">
+                <a:solidFill>
+                  <a:srgbClr val="FFFFFF"/>
+                </a:solidFill>
+              </a14:hiddenFill>
+            </a:ext>
+          </a:extLst>
+        </p:spPr>
+      </p:pic>
+      <p:pic>
+        <p:nvPicPr>
+          <p:cNvPr id="2056" name="Picture 8" descr="R (programming language) - Wikipedia">
+            <a:extLst>
+              <a:ext uri="{FF2B5EF4-FFF2-40B4-BE49-F238E27FC236}">
+                <a16:creationId xmlns:a16="http://schemas.microsoft.com/office/drawing/2014/main" id="{A08E27FC-3FF0-294B-C3E9-176232C019B6}"/>
+              </a:ext>
+            </a:extLst>
+          </p:cNvPr>
+          <p:cNvPicPr>
+            <a:picLocks noChangeAspect="1" noChangeArrowheads="1"/>
+          </p:cNvPicPr>
+          <p:nvPr/>
+        </p:nvPicPr>
+        <p:blipFill>
+          <a:blip r:embed="rId3">
+            <a:extLst>
+              <a:ext uri="{28A0092B-C50C-407E-A947-70E740481C1C}">
+                <a14:useLocalDpi xmlns:a14="http://schemas.microsoft.com/office/drawing/2010/main" val="0"/>
+              </a:ext>
+            </a:extLst>
+          </a:blip>
+          <a:srcRect/>
+          <a:stretch>
+            <a:fillRect/>
+          </a:stretch>
+        </p:blipFill>
+        <p:spPr bwMode="auto">
+          <a:xfrm>
+            <a:off x="4597219" y="1529420"/>
+            <a:ext cx="1967436" cy="1524816"/>
+          </a:xfrm>
+          <a:prstGeom prst="rect">
+            <a:avLst/>
+          </a:prstGeom>
+          <a:noFill/>
+          <a:extLst>
+            <a:ext uri="{909E8E84-426E-40DD-AFC4-6F175D3DCCD1}">
+              <a14:hiddenFill xmlns:a14="http://schemas.microsoft.com/office/drawing/2010/main">
+                <a:solidFill>
+                  <a:srgbClr val="FFFFFF"/>
+                </a:solidFill>
+              </a14:hiddenFill>
+            </a:ext>
+          </a:extLst>
+        </p:spPr>
+      </p:pic>
+    </p:spTree>
+    <p:extLst>
+      <p:ext uri="{BB962C8B-B14F-4D97-AF65-F5344CB8AC3E}">
+        <p14:creationId xmlns:p14="http://schemas.microsoft.com/office/powerpoint/2010/main" val="2591096537"/>
+      </p:ext>
+    </p:extLst>
+  </p:cSld>
+  <p:clrMapOvr>
+    <a:masterClrMapping/>
+  </p:clrMapOvr>
+</p:sld>
+</file>
+
+<file path=ppt/slides/slide2.xml><?xml version="1.0" encoding="utf-8"?>
+<p:sld xmlns:a="http://schemas.openxmlformats.org/drawingml/2006/main" xmlns:r="http://schemas.openxmlformats.org/officeDocument/2006/relationships" xmlns:p="http://schemas.openxmlformats.org/presentationml/2006/main">
+  <p:cSld>
+    <p:bg>
+      <p:bgPr>
+        <a:solidFill>
+          <a:schemeClr val="bg1"/>
+        </a:solidFill>
+        <a:effectLst/>
+      </p:bgPr>
+    </p:bg>
     <p:spTree>
       <p:nvGrpSpPr>
         <p:cNvPr id="1" name=""/>
@@ -3324,10 +7381,10 @@
       </p:grpSpPr>
       <p:sp>
         <p:nvSpPr>
-          <p:cNvPr id="2" name="Title 1">
+          <p:cNvPr id="4" name="Title 3">
             <a:extLst>
               <a:ext uri="{FF2B5EF4-FFF2-40B4-BE49-F238E27FC236}">
-                <a16:creationId xmlns:a16="http://schemas.microsoft.com/office/drawing/2014/main" id="{7DD6EEB0-BD57-44E9-C005-70FBF784289C}"/>
+                <a16:creationId xmlns:a16="http://schemas.microsoft.com/office/drawing/2014/main" id="{81BC7320-3A46-FF9B-CCB8-EBE4737AACF0}"/>
               </a:ext>
             </a:extLst>
           </p:cNvPr>
@@ -3335,27 +7392,35 @@
             <a:spLocks noGrp="1"/>
           </p:cNvSpPr>
           <p:nvPr>
-            <p:ph type="ctrTitle"/>
+            <p:ph type="title"/>
           </p:nvPr>
         </p:nvSpPr>
-        <p:spPr/>
+        <p:spPr>
+          <a:xfrm>
+            <a:off x="4965430" y="629268"/>
+            <a:ext cx="6586491" cy="1286160"/>
+          </a:xfrm>
+        </p:spPr>
         <p:txBody>
-          <a:bodyPr/>
+          <a:bodyPr anchor="b">
+            <a:normAutofit/>
+          </a:bodyPr>
           <a:lstStyle/>
           <a:p>
             <a:r>
-              <a:rPr lang="en-US" dirty="0"/>
-              <a:t>Pitt CSD R Workshop</a:t>
+              <a:rPr lang="en-US" b="1" dirty="0"/>
+              <a:t>What is R, and why use it?</a:t>
             </a:r>
+            <a:endParaRPr lang="en-US" dirty="0"/>
           </a:p>
         </p:txBody>
       </p:sp>
       <p:sp>
         <p:nvSpPr>
-          <p:cNvPr id="3" name="Subtitle 2">
+          <p:cNvPr id="3" name="Content Placeholder 2">
             <a:extLst>
               <a:ext uri="{FF2B5EF4-FFF2-40B4-BE49-F238E27FC236}">
-                <a16:creationId xmlns:a16="http://schemas.microsoft.com/office/drawing/2014/main" id="{C9457780-6BB0-6D0B-86E1-3009C244B9C0}"/>
+                <a16:creationId xmlns:a16="http://schemas.microsoft.com/office/drawing/2014/main" id="{8F3FD40F-2E1F-4B00-441A-E7966E85C661}"/>
               </a:ext>
             </a:extLst>
           </p:cNvPr>
@@ -3363,30 +7428,144 @@
             <a:spLocks noGrp="1"/>
           </p:cNvSpPr>
           <p:nvPr>
-            <p:ph type="subTitle" idx="1"/>
+            <p:ph idx="1"/>
           </p:nvPr>
         </p:nvSpPr>
-        <p:spPr/>
+        <p:spPr>
+          <a:xfrm>
+            <a:off x="4965431" y="2438400"/>
+            <a:ext cx="6586489" cy="3785419"/>
+          </a:xfrm>
+        </p:spPr>
         <p:txBody>
-          <a:bodyPr/>
+          <a:bodyPr>
+            <a:normAutofit/>
+          </a:bodyPr>
           <a:lstStyle/>
           <a:p>
             <a:r>
-              <a:rPr lang="en-US" dirty="0"/>
-              <a:t>Rob Cavanaugh, Emily Goldberg, Alex </a:t>
+              <a:rPr lang="en-US" sz="2000" dirty="0"/>
+              <a:t>R is a </a:t>
             </a:r>
             <a:r>
-              <a:rPr lang="en-US" dirty="0" err="1"/>
-              <a:t>Swiderski</a:t>
+              <a:rPr lang="en-US" sz="2000" i="1" dirty="0"/>
+              <a:t>free (open source)</a:t>
             </a:r>
-            <a:endParaRPr lang="en-US" dirty="0"/>
+            <a:r>
+              <a:rPr lang="en-US" sz="2000" dirty="0"/>
+              <a:t> programming environment for data processing and statistical analysis. </a:t>
+            </a:r>
+          </a:p>
+          <a:p>
+            <a:r>
+              <a:rPr lang="en-US" sz="2000" dirty="0"/>
+              <a:t>R allows you to write scripts and computational markdown documents that organize, process, analyze, and visualize data.</a:t>
+            </a:r>
           </a:p>
         </p:txBody>
       </p:sp>
+      <p:cxnSp>
+        <p:nvCxnSpPr>
+          <p:cNvPr id="10" name="Straight Connector 9">
+            <a:extLst>
+              <a:ext uri="{FF2B5EF4-FFF2-40B4-BE49-F238E27FC236}">
+                <a16:creationId xmlns:a16="http://schemas.microsoft.com/office/drawing/2014/main" id="{A7F400EE-A8A5-48AF-B4D6-291B52C6F0B0}"/>
+              </a:ext>
+              <a:ext uri="{C183D7F6-B498-43B3-948B-1728B52AA6E4}">
+                <adec:decorative xmlns:adec="http://schemas.microsoft.com/office/drawing/2017/decorative" val="1"/>
+              </a:ext>
+            </a:extLst>
+          </p:cNvPr>
+          <p:cNvCxnSpPr>
+            <a:cxnSpLocks noGrp="1" noRot="1" noChangeAspect="1" noMove="1" noResize="1" noEditPoints="1" noAdjustHandles="1" noChangeArrowheads="1" noChangeShapeType="1"/>
+          </p:cNvCxnSpPr>
+          <p:nvPr>
+            <p:extLst>
+              <p:ext uri="{386F3935-93C4-4BCD-93E2-E3B085C9AB24}">
+                <p16:designElem xmlns:p16="http://schemas.microsoft.com/office/powerpoint/2015/main" val="1"/>
+              </p:ext>
+            </p:extLst>
+          </p:nvPr>
+        </p:nvCxnSpPr>
+        <p:spPr>
+          <a:xfrm>
+            <a:off x="5080934" y="2115117"/>
+            <a:ext cx="6309360" cy="0"/>
+          </a:xfrm>
+          <a:prstGeom prst="line">
+            <a:avLst/>
+          </a:prstGeom>
+          <a:ln w="19050">
+            <a:solidFill>
+              <a:srgbClr val="04D3EE"/>
+            </a:solidFill>
+          </a:ln>
+        </p:spPr>
+        <p:style>
+          <a:lnRef idx="1">
+            <a:schemeClr val="accent1"/>
+          </a:lnRef>
+          <a:fillRef idx="0">
+            <a:schemeClr val="accent1"/>
+          </a:fillRef>
+          <a:effectRef idx="0">
+            <a:schemeClr val="accent1"/>
+          </a:effectRef>
+          <a:fontRef idx="minor">
+            <a:schemeClr val="tx1"/>
+          </a:fontRef>
+        </p:style>
+      </p:cxnSp>
+      <p:pic>
+        <p:nvPicPr>
+          <p:cNvPr id="5" name="Picture 4">
+            <a:extLst>
+              <a:ext uri="{FF2B5EF4-FFF2-40B4-BE49-F238E27FC236}">
+                <a16:creationId xmlns:a16="http://schemas.microsoft.com/office/drawing/2014/main" id="{79D6B5AB-9985-49D5-EC5F-170A0BC314AA}"/>
+              </a:ext>
+            </a:extLst>
+          </p:cNvPr>
+          <p:cNvPicPr>
+            <a:picLocks noChangeAspect="1"/>
+          </p:cNvPicPr>
+          <p:nvPr/>
+        </p:nvPicPr>
+        <p:blipFill rotWithShape="1">
+          <a:blip r:embed="rId2">
+            <a:alphaModFix/>
+          </a:blip>
+          <a:srcRect r="19451"/>
+          <a:stretch/>
+        </p:blipFill>
+        <p:spPr>
+          <a:xfrm>
+            <a:off x="640079" y="435583"/>
+            <a:ext cx="3656824" cy="5986833"/>
+          </a:xfrm>
+          <a:prstGeom prst="rect">
+            <a:avLst/>
+          </a:prstGeom>
+          <a:effectLst>
+            <a:glow rad="57860">
+              <a:schemeClr val="accent1">
+                <a:alpha val="40000"/>
+              </a:schemeClr>
+            </a:glow>
+            <a:outerShdw blurRad="91538" dist="22273" sx="102237" sy="102237" algn="tl" rotWithShape="0">
+              <a:prstClr val="black"/>
+            </a:outerShdw>
+          </a:effectLst>
+          <a:scene3d>
+            <a:camera prst="orthographicFront"/>
+            <a:lightRig rig="threePt" dir="t"/>
+          </a:scene3d>
+          <a:sp3d prstMaterial="plastic"/>
+        </p:spPr>
+      </p:pic>
     </p:spTree>
     <p:extLst>
       <p:ext uri="{BB962C8B-B14F-4D97-AF65-F5344CB8AC3E}">
-        <p14:creationId xmlns:p14="http://schemas.microsoft.com/office/powerpoint/2010/main" val="2591096537"/>
+        <p14:creationId xmlns:p14="http://schemas.microsoft.com/office/powerpoint/2010/main" val="3737284166"/>
       </p:ext>
     </p:extLst>
   </p:cSld>
@@ -3396,7 +7575,7 @@
 </p:sld>
 </file>
 
-<file path=ppt/slides/slide2.xml><?xml version="1.0" encoding="utf-8"?>
+<file path=ppt/slides/slide3.xml><?xml version="1.0" encoding="utf-8"?>
 <p:sld xmlns:a="http://schemas.openxmlformats.org/drawingml/2006/main" xmlns:r="http://schemas.openxmlformats.org/officeDocument/2006/relationships" xmlns:p="http://schemas.openxmlformats.org/presentationml/2006/main">
   <p:cSld>
     <p:spTree>
@@ -3418,7 +7597,7 @@
           <p:cNvPr id="2" name="Title 1">
             <a:extLst>
               <a:ext uri="{FF2B5EF4-FFF2-40B4-BE49-F238E27FC236}">
-                <a16:creationId xmlns:a16="http://schemas.microsoft.com/office/drawing/2014/main" id="{50C3B470-25FA-BAF4-AA1B-008DA712F7E6}"/>
+                <a16:creationId xmlns:a16="http://schemas.microsoft.com/office/drawing/2014/main" id="{5C0E82CE-AD3C-250C-22EE-AE88C8AA2530}"/>
               </a:ext>
             </a:extLst>
           </p:cNvPr>
@@ -3429,21 +7608,98 @@
             <p:ph type="title"/>
           </p:nvPr>
         </p:nvSpPr>
-        <p:spPr/>
+        <p:spPr>
+          <a:xfrm>
+            <a:off x="739346" y="1162843"/>
+            <a:ext cx="10515600" cy="1325563"/>
+          </a:xfrm>
+        </p:spPr>
         <p:txBody>
           <a:bodyPr/>
           <a:lstStyle/>
           <a:p>
-            <a:endParaRPr lang="en-US"/>
+            <a:r>
+              <a:rPr lang="en-US" dirty="0"/>
+              <a:t>R is useful for…</a:t>
+            </a:r>
           </a:p>
         </p:txBody>
       </p:sp>
+      <p:graphicFrame>
+        <p:nvGraphicFramePr>
+          <p:cNvPr id="5" name="Content Placeholder 2">
+            <a:extLst>
+              <a:ext uri="{FF2B5EF4-FFF2-40B4-BE49-F238E27FC236}">
+                <a16:creationId xmlns:a16="http://schemas.microsoft.com/office/drawing/2014/main" id="{AD749083-925A-28A5-F444-0A260518FD4E}"/>
+              </a:ext>
+            </a:extLst>
+          </p:cNvPr>
+          <p:cNvGraphicFramePr>
+            <a:graphicFrameLocks noGrp="1"/>
+          </p:cNvGraphicFramePr>
+          <p:nvPr>
+            <p:ph idx="1"/>
+            <p:extLst>
+              <p:ext uri="{D42A27DB-BD31-4B8C-83A1-F6EECF244321}">
+                <p14:modId xmlns:p14="http://schemas.microsoft.com/office/powerpoint/2010/main" val="1587210162"/>
+              </p:ext>
+            </p:extLst>
+          </p:nvPr>
+        </p:nvGraphicFramePr>
+        <p:xfrm>
+          <a:off x="838200" y="1825625"/>
+          <a:ext cx="10515600" cy="4351338"/>
+        </p:xfrm>
+        <a:graphic>
+          <a:graphicData uri="http://schemas.openxmlformats.org/drawingml/2006/diagram">
+            <dgm:relIds xmlns:dgm="http://schemas.openxmlformats.org/drawingml/2006/diagram" xmlns:r="http://schemas.openxmlformats.org/officeDocument/2006/relationships" r:dm="rId2" r:lo="rId3" r:qs="rId4" r:cs="rId5"/>
+          </a:graphicData>
+        </a:graphic>
+      </p:graphicFrame>
+    </p:spTree>
+    <p:extLst>
+      <p:ext uri="{BB962C8B-B14F-4D97-AF65-F5344CB8AC3E}">
+        <p14:creationId xmlns:p14="http://schemas.microsoft.com/office/powerpoint/2010/main" val="538720290"/>
+      </p:ext>
+    </p:extLst>
+  </p:cSld>
+  <p:clrMapOvr>
+    <a:masterClrMapping/>
+  </p:clrMapOvr>
+</p:sld>
+</file>
+
+<file path=ppt/slides/slide4.xml><?xml version="1.0" encoding="utf-8"?>
+<p:sld xmlns:a="http://schemas.openxmlformats.org/drawingml/2006/main" xmlns:r="http://schemas.openxmlformats.org/officeDocument/2006/relationships" xmlns:p="http://schemas.openxmlformats.org/presentationml/2006/main">
+  <p:cSld>
+    <p:bg>
+      <p:bgPr>
+        <a:solidFill>
+          <a:schemeClr val="bg1"/>
+        </a:solidFill>
+        <a:effectLst/>
+      </p:bgPr>
+    </p:bg>
+    <p:spTree>
+      <p:nvGrpSpPr>
+        <p:cNvPr id="1" name=""/>
+        <p:cNvGrpSpPr/>
+        <p:nvPr/>
+      </p:nvGrpSpPr>
+      <p:grpSpPr>
+        <a:xfrm>
+          <a:off x="0" y="0"/>
+          <a:ext cx="0" cy="0"/>
+          <a:chOff x="0" y="0"/>
+          <a:chExt cx="0" cy="0"/>
+        </a:xfrm>
+      </p:grpSpPr>
       <p:sp>
         <p:nvSpPr>
-          <p:cNvPr id="3" name="Content Placeholder 2">
+          <p:cNvPr id="4" name="Content Placeholder 3">
             <a:extLst>
               <a:ext uri="{FF2B5EF4-FFF2-40B4-BE49-F238E27FC236}">
-                <a16:creationId xmlns:a16="http://schemas.microsoft.com/office/drawing/2014/main" id="{8F3FD40F-2E1F-4B00-441A-E7966E85C661}"/>
+                <a16:creationId xmlns:a16="http://schemas.microsoft.com/office/drawing/2014/main" id="{7D794CB5-C437-B5DB-9425-7F6B227139A9}"/>
               </a:ext>
             </a:extLst>
           </p:cNvPr>
@@ -3454,107 +7710,1296 @@
             <p:ph idx="1"/>
           </p:nvPr>
         </p:nvSpPr>
-        <p:spPr/>
+        <p:spPr>
+          <a:xfrm>
+            <a:off x="4965431" y="2438400"/>
+            <a:ext cx="6586489" cy="3785419"/>
+          </a:xfrm>
+        </p:spPr>
         <p:txBody>
           <a:bodyPr>
-            <a:normAutofit fontScale="55000" lnSpcReduction="20000"/>
+            <a:normAutofit/>
           </a:bodyPr>
           <a:lstStyle/>
           <a:p>
+            <a:pPr marL="0" indent="0">
+              <a:buNone/>
+            </a:pPr>
             <a:r>
-              <a:rPr lang="en-US" b="1" dirty="0"/>
-              <a:t>What is R, and why use it?</a:t>
-            </a:r>
-          </a:p>
-          <a:p>
-            <a:r>
-              <a:rPr lang="en-US" dirty="0"/>
-              <a:t>R is a </a:t>
-            </a:r>
-            <a:r>
-              <a:rPr lang="en-US" i="1" dirty="0"/>
-              <a:t>free</a:t>
-            </a:r>
-            <a:r>
-              <a:rPr lang="en-US" dirty="0"/>
-              <a:t> programming environment for data processing and statistical analysis. R allows you to write scripts that combine data files, clean data, and run analyses. R is really useful for conducting reproducible research (research that documents all of the steps between raw data and results in a way that can be verified), automating analytical steps, creating custom high-quality visualizations, and conducting a wide range of statistical analyses from basic t-tests to multivariate multilevel Bayesian regression.</a:t>
-            </a:r>
-          </a:p>
-          <a:p>
-            <a:r>
-              <a:rPr lang="en-US" dirty="0"/>
-              <a:t>This document details steps to get started in R as part of the R for researchers in Communication Sciences and Disorders workshop (August 2022). It synthesizes already-published materials for teaching R in a way that is tailored to this workshop. Anyone interested in the full materials can find them here: </a:t>
-            </a:r>
-            <a:r>
-              <a:rPr lang="en-US" dirty="0">
-                <a:hlinkClick r:id="rId2"/>
-              </a:rPr>
-              <a:t>https://psyteachr.github.io/</a:t>
-            </a:r>
-            <a:r>
-              <a:rPr lang="en-US" dirty="0"/>
-              <a:t>.</a:t>
-            </a:r>
-          </a:p>
-          <a:p>
-            <a:r>
-              <a:rPr lang="en-US" b="1" dirty="0"/>
-              <a:t>Guidelines</a:t>
-            </a:r>
-          </a:p>
-          <a:p>
-            <a:r>
-              <a:rPr lang="en-US" dirty="0"/>
-              <a:t>We want to set out a couple of ground rules!</a:t>
-            </a:r>
-          </a:p>
-          <a:p>
-            <a:r>
-              <a:rPr lang="en-US" dirty="0"/>
+              <a:rPr lang="en-US" sz="3600" dirty="0"/>
               <a:t>Ask questions </a:t>
             </a:r>
             <a:r>
-              <a:rPr lang="en-US" b="1" dirty="0"/>
+              <a:rPr lang="en-US" sz="3600" b="1" dirty="0"/>
               <a:t>anytime</a:t>
             </a:r>
+          </a:p>
+          <a:p>
+            <a:pPr lvl="1"/>
             <a:r>
-              <a:rPr lang="en-US" dirty="0"/>
-              <a:t> you are not clear. If you're not clear on something, it's likely someone else isn't either. </a:t>
+              <a:rPr lang="en-US" sz="2000" dirty="0"/>
+              <a:t>If you’re unsure about something, someone else is too.</a:t>
             </a:r>
           </a:p>
           <a:p>
+            <a:pPr marL="0" indent="0">
+              <a:buNone/>
+            </a:pPr>
+            <a:endParaRPr lang="en-US" sz="3200" dirty="0"/>
+          </a:p>
+          <a:p>
+            <a:endParaRPr lang="en-US" sz="3200" dirty="0"/>
+          </a:p>
+        </p:txBody>
+      </p:sp>
+      <p:pic>
+        <p:nvPicPr>
+          <p:cNvPr id="12" name="Picture 5" descr="Different coloured question marks">
+            <a:extLst>
+              <a:ext uri="{FF2B5EF4-FFF2-40B4-BE49-F238E27FC236}">
+                <a16:creationId xmlns:a16="http://schemas.microsoft.com/office/drawing/2014/main" id="{95CA2ED4-C0E6-AC2E-4FFE-C5D5A834EDE4}"/>
+              </a:ext>
+            </a:extLst>
+          </p:cNvPr>
+          <p:cNvPicPr>
+            <a:picLocks noChangeAspect="1"/>
+          </p:cNvPicPr>
+          <p:nvPr/>
+        </p:nvPicPr>
+        <p:blipFill rotWithShape="1">
+          <a:blip r:embed="rId2"/>
+          <a:srcRect l="29296" r="32682"/>
+          <a:stretch/>
+        </p:blipFill>
+        <p:spPr>
+          <a:xfrm>
+            <a:off x="20" y="10"/>
+            <a:ext cx="4635571" cy="6857990"/>
+          </a:xfrm>
+          <a:prstGeom prst="rect">
+            <a:avLst/>
+          </a:prstGeom>
+          <a:effectLst/>
+        </p:spPr>
+      </p:pic>
+      <p:cxnSp>
+        <p:nvCxnSpPr>
+          <p:cNvPr id="13" name="Straight Connector 9">
+            <a:extLst>
+              <a:ext uri="{FF2B5EF4-FFF2-40B4-BE49-F238E27FC236}">
+                <a16:creationId xmlns:a16="http://schemas.microsoft.com/office/drawing/2014/main" id="{A7F400EE-A8A5-48AF-B4D6-291B52C6F0B0}"/>
+              </a:ext>
+              <a:ext uri="{C183D7F6-B498-43B3-948B-1728B52AA6E4}">
+                <adec:decorative xmlns:adec="http://schemas.microsoft.com/office/drawing/2017/decorative" val="1"/>
+              </a:ext>
+            </a:extLst>
+          </p:cNvPr>
+          <p:cNvCxnSpPr>
+            <a:cxnSpLocks noGrp="1" noRot="1" noChangeAspect="1" noMove="1" noResize="1" noEditPoints="1" noAdjustHandles="1" noChangeArrowheads="1" noChangeShapeType="1"/>
+          </p:cNvCxnSpPr>
+          <p:nvPr>
+            <p:extLst>
+              <p:ext uri="{386F3935-93C4-4BCD-93E2-E3B085C9AB24}">
+                <p16:designElem xmlns:p16="http://schemas.microsoft.com/office/powerpoint/2015/main" val="1"/>
+              </p:ext>
+            </p:extLst>
+          </p:nvPr>
+        </p:nvCxnSpPr>
+        <p:spPr>
+          <a:xfrm>
+            <a:off x="5080934" y="2115117"/>
+            <a:ext cx="6309360" cy="0"/>
+          </a:xfrm>
+          <a:prstGeom prst="line">
+            <a:avLst/>
+          </a:prstGeom>
+          <a:ln w="19050">
+            <a:solidFill>
+              <a:srgbClr val="F7B647"/>
+            </a:solidFill>
+          </a:ln>
+        </p:spPr>
+        <p:style>
+          <a:lnRef idx="1">
+            <a:schemeClr val="accent1"/>
+          </a:lnRef>
+          <a:fillRef idx="0">
+            <a:schemeClr val="accent1"/>
+          </a:fillRef>
+          <a:effectRef idx="0">
+            <a:schemeClr val="accent1"/>
+          </a:effectRef>
+          <a:fontRef idx="minor">
+            <a:schemeClr val="tx1"/>
+          </a:fontRef>
+        </p:style>
+      </p:cxnSp>
+    </p:spTree>
+    <p:extLst>
+      <p:ext uri="{BB962C8B-B14F-4D97-AF65-F5344CB8AC3E}">
+        <p14:creationId xmlns:p14="http://schemas.microsoft.com/office/powerpoint/2010/main" val="294610291"/>
+      </p:ext>
+    </p:extLst>
+  </p:cSld>
+  <p:clrMapOvr>
+    <a:masterClrMapping/>
+  </p:clrMapOvr>
+</p:sld>
+</file>
+
+<file path=ppt/slides/slide5.xml><?xml version="1.0" encoding="utf-8"?>
+<p:sld xmlns:a="http://schemas.openxmlformats.org/drawingml/2006/main" xmlns:r="http://schemas.openxmlformats.org/officeDocument/2006/relationships" xmlns:p="http://schemas.openxmlformats.org/presentationml/2006/main">
+  <p:cSld>
+    <p:bg>
+      <p:bgPr>
+        <a:solidFill>
+          <a:schemeClr val="bg1"/>
+        </a:solidFill>
+        <a:effectLst/>
+      </p:bgPr>
+    </p:bg>
+    <p:spTree>
+      <p:nvGrpSpPr>
+        <p:cNvPr id="1" name=""/>
+        <p:cNvGrpSpPr/>
+        <p:nvPr/>
+      </p:nvGrpSpPr>
+      <p:grpSpPr>
+        <a:xfrm>
+          <a:off x="0" y="0"/>
+          <a:ext cx="0" cy="0"/>
+          <a:chOff x="0" y="0"/>
+          <a:chExt cx="0" cy="0"/>
+        </a:xfrm>
+      </p:grpSpPr>
+      <p:sp>
+        <p:nvSpPr>
+          <p:cNvPr id="4" name="Content Placeholder 3">
+            <a:extLst>
+              <a:ext uri="{FF2B5EF4-FFF2-40B4-BE49-F238E27FC236}">
+                <a16:creationId xmlns:a16="http://schemas.microsoft.com/office/drawing/2014/main" id="{7D794CB5-C437-B5DB-9425-7F6B227139A9}"/>
+              </a:ext>
+            </a:extLst>
+          </p:cNvPr>
+          <p:cNvSpPr>
+            <a:spLocks noGrp="1"/>
+          </p:cNvSpPr>
+          <p:nvPr>
+            <p:ph idx="1"/>
+          </p:nvPr>
+        </p:nvSpPr>
+        <p:spPr>
+          <a:xfrm>
+            <a:off x="4965431" y="2438400"/>
+            <a:ext cx="6586489" cy="3785419"/>
+          </a:xfrm>
+        </p:spPr>
+        <p:txBody>
+          <a:bodyPr>
+            <a:normAutofit/>
+          </a:bodyPr>
+          <a:lstStyle/>
+          <a:p>
+            <a:pPr marL="0" indent="0">
+              <a:buNone/>
+            </a:pPr>
             <a:r>
-              <a:rPr lang="en-US" dirty="0"/>
-              <a:t>Ask for confirmation anytime</a:t>
+              <a:rPr lang="en-US" sz="3600" b="1" dirty="0"/>
+              <a:t>Accept</a:t>
             </a:r>
-          </a:p>
-          <a:p>
             <a:r>
-              <a:rPr lang="en-US" dirty="0"/>
-              <a:t>Be willing to try and ok with getting it wrong</a:t>
+              <a:rPr lang="en-US" sz="3600" dirty="0"/>
+              <a:t> that you will get stuck</a:t>
             </a:r>
           </a:p>
           <a:p>
+            <a:pPr lvl="1"/>
             <a:r>
-              <a:rPr lang="en-US" dirty="0"/>
-              <a:t>Be patient when others are behind you</a:t>
+              <a:rPr lang="en-US" sz="2000" dirty="0"/>
+              <a:t>Trial and error is a great way to learn</a:t>
             </a:r>
           </a:p>
           <a:p>
+            <a:pPr marL="0" indent="0">
+              <a:buNone/>
+            </a:pPr>
+            <a:endParaRPr lang="en-US" sz="2000" dirty="0"/>
+          </a:p>
+          <a:p>
+            <a:endParaRPr lang="en-US" sz="2000" dirty="0"/>
+          </a:p>
+        </p:txBody>
+      </p:sp>
+      <p:pic>
+        <p:nvPicPr>
+          <p:cNvPr id="3074" name="Picture 2" descr="These Animals Are Fine-Not Stuck In Or On Anything. They're Fine.">
+            <a:extLst>
+              <a:ext uri="{FF2B5EF4-FFF2-40B4-BE49-F238E27FC236}">
+                <a16:creationId xmlns:a16="http://schemas.microsoft.com/office/drawing/2014/main" id="{99A4308F-6DCB-6348-DE9A-2FFBCD7174E5}"/>
+              </a:ext>
+            </a:extLst>
+          </p:cNvPr>
+          <p:cNvPicPr>
+            <a:picLocks noChangeAspect="1" noChangeArrowheads="1"/>
+          </p:cNvPicPr>
+          <p:nvPr/>
+        </p:nvPicPr>
+        <p:blipFill rotWithShape="1">
+          <a:blip r:embed="rId2">
+            <a:extLst>
+              <a:ext uri="{28A0092B-C50C-407E-A947-70E740481C1C}">
+                <a14:useLocalDpi xmlns:a14="http://schemas.microsoft.com/office/drawing/2010/main" val="0"/>
+              </a:ext>
+            </a:extLst>
+          </a:blip>
+          <a:srcRect l="26127" r="28810" b="-1"/>
+          <a:stretch/>
+        </p:blipFill>
+        <p:spPr bwMode="auto">
+          <a:xfrm>
+            <a:off x="20" y="10"/>
+            <a:ext cx="4635571" cy="6857990"/>
+          </a:xfrm>
+          <a:prstGeom prst="rect">
+            <a:avLst/>
+          </a:prstGeom>
+          <a:noFill/>
+          <a:effectLst/>
+          <a:extLst>
+            <a:ext uri="{909E8E84-426E-40DD-AFC4-6F175D3DCCD1}">
+              <a14:hiddenFill xmlns:a14="http://schemas.microsoft.com/office/drawing/2010/main">
+                <a:solidFill>
+                  <a:srgbClr val="FFFFFF"/>
+                </a:solidFill>
+              </a14:hiddenFill>
+            </a:ext>
+          </a:extLst>
+        </p:spPr>
+      </p:pic>
+      <p:cxnSp>
+        <p:nvCxnSpPr>
+          <p:cNvPr id="3079" name="Straight Connector 3078">
+            <a:extLst>
+              <a:ext uri="{FF2B5EF4-FFF2-40B4-BE49-F238E27FC236}">
+                <a16:creationId xmlns:a16="http://schemas.microsoft.com/office/drawing/2014/main" id="{A7F400EE-A8A5-48AF-B4D6-291B52C6F0B0}"/>
+              </a:ext>
+              <a:ext uri="{C183D7F6-B498-43B3-948B-1728B52AA6E4}">
+                <adec:decorative xmlns:adec="http://schemas.microsoft.com/office/drawing/2017/decorative" val="1"/>
+              </a:ext>
+            </a:extLst>
+          </p:cNvPr>
+          <p:cNvCxnSpPr>
+            <a:cxnSpLocks noGrp="1" noRot="1" noChangeAspect="1" noMove="1" noResize="1" noEditPoints="1" noAdjustHandles="1" noChangeArrowheads="1" noChangeShapeType="1"/>
+          </p:cNvCxnSpPr>
+          <p:nvPr>
+            <p:extLst>
+              <p:ext uri="{386F3935-93C4-4BCD-93E2-E3B085C9AB24}">
+                <p16:designElem xmlns:p16="http://schemas.microsoft.com/office/powerpoint/2015/main" val="1"/>
+              </p:ext>
+            </p:extLst>
+          </p:nvPr>
+        </p:nvCxnSpPr>
+        <p:spPr>
+          <a:xfrm>
+            <a:off x="5080934" y="2115117"/>
+            <a:ext cx="6309360" cy="0"/>
+          </a:xfrm>
+          <a:prstGeom prst="line">
+            <a:avLst/>
+          </a:prstGeom>
+          <a:ln w="19050">
+            <a:solidFill>
+              <a:srgbClr val="B79054"/>
+            </a:solidFill>
+          </a:ln>
+        </p:spPr>
+        <p:style>
+          <a:lnRef idx="1">
+            <a:schemeClr val="accent1"/>
+          </a:lnRef>
+          <a:fillRef idx="0">
+            <a:schemeClr val="accent1"/>
+          </a:fillRef>
+          <a:effectRef idx="0">
+            <a:schemeClr val="accent1"/>
+          </a:effectRef>
+          <a:fontRef idx="minor">
+            <a:schemeClr val="tx1"/>
+          </a:fontRef>
+        </p:style>
+      </p:cxnSp>
+    </p:spTree>
+    <p:extLst>
+      <p:ext uri="{BB962C8B-B14F-4D97-AF65-F5344CB8AC3E}">
+        <p14:creationId xmlns:p14="http://schemas.microsoft.com/office/powerpoint/2010/main" val="2459327993"/>
+      </p:ext>
+    </p:extLst>
+  </p:cSld>
+  <p:clrMapOvr>
+    <a:masterClrMapping/>
+  </p:clrMapOvr>
+</p:sld>
+</file>
+
+<file path=ppt/slides/slide6.xml><?xml version="1.0" encoding="utf-8"?>
+<p:sld xmlns:a="http://schemas.openxmlformats.org/drawingml/2006/main" xmlns:r="http://schemas.openxmlformats.org/officeDocument/2006/relationships" xmlns:p="http://schemas.openxmlformats.org/presentationml/2006/main">
+  <p:cSld>
+    <p:bg>
+      <p:bgPr>
+        <a:solidFill>
+          <a:schemeClr val="bg1"/>
+        </a:solidFill>
+        <a:effectLst/>
+      </p:bgPr>
+    </p:bg>
+    <p:spTree>
+      <p:nvGrpSpPr>
+        <p:cNvPr id="1" name=""/>
+        <p:cNvGrpSpPr/>
+        <p:nvPr/>
+      </p:nvGrpSpPr>
+      <p:grpSpPr>
+        <a:xfrm>
+          <a:off x="0" y="0"/>
+          <a:ext cx="0" cy="0"/>
+          <a:chOff x="0" y="0"/>
+          <a:chExt cx="0" cy="0"/>
+        </a:xfrm>
+      </p:grpSpPr>
+      <p:sp>
+        <p:nvSpPr>
+          <p:cNvPr id="4" name="Content Placeholder 3">
+            <a:extLst>
+              <a:ext uri="{FF2B5EF4-FFF2-40B4-BE49-F238E27FC236}">
+                <a16:creationId xmlns:a16="http://schemas.microsoft.com/office/drawing/2014/main" id="{7D794CB5-C437-B5DB-9425-7F6B227139A9}"/>
+              </a:ext>
+            </a:extLst>
+          </p:cNvPr>
+          <p:cNvSpPr>
+            <a:spLocks noGrp="1"/>
+          </p:cNvSpPr>
+          <p:nvPr>
+            <p:ph idx="1"/>
+          </p:nvPr>
+        </p:nvSpPr>
+        <p:spPr>
+          <a:xfrm>
+            <a:off x="4965431" y="2438400"/>
+            <a:ext cx="6586489" cy="3785419"/>
+          </a:xfrm>
+        </p:spPr>
+        <p:txBody>
+          <a:bodyPr>
+            <a:normAutofit/>
+          </a:bodyPr>
+          <a:lstStyle/>
+          <a:p>
+            <a:pPr marL="0" indent="0">
+              <a:buNone/>
+            </a:pPr>
             <a:r>
-              <a:rPr lang="en-US" dirty="0"/>
-              <a:t>Don't be discouraged when others are ahead of you</a:t>
+              <a:rPr lang="en-US" sz="3200" b="1" dirty="0"/>
+              <a:t>Give </a:t>
             </a:r>
-          </a:p>
-          <a:p>
-            <a:endParaRPr lang="en-US" dirty="0"/>
+            <a:r>
+              <a:rPr lang="en-US" sz="3200" dirty="0"/>
+              <a:t>and</a:t>
+            </a:r>
+            <a:r>
+              <a:rPr lang="en-US" sz="3200" b="1" dirty="0"/>
+              <a:t> Receive </a:t>
+            </a:r>
+            <a:r>
+              <a:rPr lang="en-US" sz="3200" dirty="0"/>
+              <a:t>help from peers</a:t>
+            </a:r>
+          </a:p>
+          <a:p>
+            <a:r>
+              <a:rPr lang="en-US" sz="2000" dirty="0"/>
+              <a:t>Giving help clarifies your own understanding</a:t>
+            </a:r>
+          </a:p>
+          <a:p>
+            <a:r>
+              <a:rPr lang="en-US" sz="2000" dirty="0"/>
+              <a:t>Other novice R users might be better at explaining things than we are</a:t>
+            </a:r>
+          </a:p>
+          <a:p>
+            <a:endParaRPr lang="en-US" sz="2400" dirty="0"/>
+          </a:p>
+          <a:p>
+            <a:endParaRPr lang="en-US" sz="2400" dirty="0"/>
+          </a:p>
+        </p:txBody>
+      </p:sp>
+      <p:pic>
+        <p:nvPicPr>
+          <p:cNvPr id="1026" name="Picture 2" descr="Developer Rubber Duck Notebook: Debug Programming Duckie / 6x9 Inches / 120  sites / Graph Paper: Notebook, Programmer, Publishing, Programmer:  9781699128077: Amazon.com: Books">
+            <a:extLst>
+              <a:ext uri="{FF2B5EF4-FFF2-40B4-BE49-F238E27FC236}">
+                <a16:creationId xmlns:a16="http://schemas.microsoft.com/office/drawing/2014/main" id="{03CC6377-3674-D555-2248-DF74E01F0E4B}"/>
+              </a:ext>
+            </a:extLst>
+          </p:cNvPr>
+          <p:cNvPicPr>
+            <a:picLocks noChangeAspect="1" noChangeArrowheads="1"/>
+          </p:cNvPicPr>
+          <p:nvPr/>
+        </p:nvPicPr>
+        <p:blipFill rotWithShape="1">
+          <a:blip r:embed="rId2">
+            <a:extLst>
+              <a:ext uri="{28A0092B-C50C-407E-A947-70E740481C1C}">
+                <a14:useLocalDpi xmlns:a14="http://schemas.microsoft.com/office/drawing/2010/main" val="0"/>
+              </a:ext>
+            </a:extLst>
+          </a:blip>
+          <a:srcRect t="702" r="3" b="573"/>
+          <a:stretch/>
+        </p:blipFill>
+        <p:spPr bwMode="auto">
+          <a:xfrm>
+            <a:off x="20" y="10"/>
+            <a:ext cx="4635571" cy="6857990"/>
+          </a:xfrm>
+          <a:prstGeom prst="rect">
+            <a:avLst/>
+          </a:prstGeom>
+          <a:noFill/>
+          <a:effectLst/>
+          <a:extLst>
+            <a:ext uri="{909E8E84-426E-40DD-AFC4-6F175D3DCCD1}">
+              <a14:hiddenFill xmlns:a14="http://schemas.microsoft.com/office/drawing/2010/main">
+                <a:solidFill>
+                  <a:srgbClr val="FFFFFF"/>
+                </a:solidFill>
+              </a14:hiddenFill>
+            </a:ext>
+          </a:extLst>
+        </p:spPr>
+      </p:pic>
+    </p:spTree>
+    <p:extLst>
+      <p:ext uri="{BB962C8B-B14F-4D97-AF65-F5344CB8AC3E}">
+        <p14:creationId xmlns:p14="http://schemas.microsoft.com/office/powerpoint/2010/main" val="947394610"/>
+      </p:ext>
+    </p:extLst>
+  </p:cSld>
+  <p:clrMapOvr>
+    <a:masterClrMapping/>
+  </p:clrMapOvr>
+</p:sld>
+</file>
+
+<file path=ppt/slides/slide7.xml><?xml version="1.0" encoding="utf-8"?>
+<p:sld xmlns:a="http://schemas.openxmlformats.org/drawingml/2006/main" xmlns:r="http://schemas.openxmlformats.org/officeDocument/2006/relationships" xmlns:p="http://schemas.openxmlformats.org/presentationml/2006/main">
+  <p:cSld>
+    <p:bg>
+      <p:bgPr>
+        <a:solidFill>
+          <a:schemeClr val="bg1"/>
+        </a:solidFill>
+        <a:effectLst/>
+      </p:bgPr>
+    </p:bg>
+    <p:spTree>
+      <p:nvGrpSpPr>
+        <p:cNvPr id="1" name=""/>
+        <p:cNvGrpSpPr/>
+        <p:nvPr/>
+      </p:nvGrpSpPr>
+      <p:grpSpPr>
+        <a:xfrm>
+          <a:off x="0" y="0"/>
+          <a:ext cx="0" cy="0"/>
+          <a:chOff x="0" y="0"/>
+          <a:chExt cx="0" cy="0"/>
+        </a:xfrm>
+      </p:grpSpPr>
+      <p:sp>
+        <p:nvSpPr>
+          <p:cNvPr id="4" name="Content Placeholder 3">
+            <a:extLst>
+              <a:ext uri="{FF2B5EF4-FFF2-40B4-BE49-F238E27FC236}">
+                <a16:creationId xmlns:a16="http://schemas.microsoft.com/office/drawing/2014/main" id="{7D794CB5-C437-B5DB-9425-7F6B227139A9}"/>
+              </a:ext>
+            </a:extLst>
+          </p:cNvPr>
+          <p:cNvSpPr>
+            <a:spLocks noGrp="1"/>
+          </p:cNvSpPr>
+          <p:nvPr>
+            <p:ph idx="1"/>
+          </p:nvPr>
+        </p:nvSpPr>
+        <p:spPr>
+          <a:xfrm>
+            <a:off x="4965431" y="2438400"/>
+            <a:ext cx="6586489" cy="3785419"/>
+          </a:xfrm>
+        </p:spPr>
+        <p:txBody>
+          <a:bodyPr>
+            <a:normAutofit/>
+          </a:bodyPr>
+          <a:lstStyle/>
+          <a:p>
+            <a:pPr marL="0" indent="0">
+              <a:buNone/>
+            </a:pPr>
+            <a:r>
+              <a:rPr lang="en-US" sz="3200" b="1" dirty="0"/>
+              <a:t>Be</a:t>
+            </a:r>
+            <a:r>
+              <a:rPr lang="en-US" sz="3200" dirty="0"/>
+              <a:t> </a:t>
+            </a:r>
+            <a:r>
+              <a:rPr lang="en-US" sz="3200" b="1" dirty="0"/>
+              <a:t>patient</a:t>
+            </a:r>
+            <a:r>
+              <a:rPr lang="en-US" sz="3200" dirty="0"/>
+              <a:t> with yourself and others</a:t>
+            </a:r>
+          </a:p>
+          <a:p>
+            <a:endParaRPr lang="en-US" sz="2000" dirty="0"/>
+          </a:p>
+          <a:p>
+            <a:endParaRPr lang="en-US" sz="2000" dirty="0"/>
+          </a:p>
+        </p:txBody>
+      </p:sp>
+      <p:pic>
+        <p:nvPicPr>
+          <p:cNvPr id="4098" name="Picture 2" descr="this isn't happiness.">
+            <a:extLst>
+              <a:ext uri="{FF2B5EF4-FFF2-40B4-BE49-F238E27FC236}">
+                <a16:creationId xmlns:a16="http://schemas.microsoft.com/office/drawing/2014/main" id="{A00B9D0F-688F-0D77-3257-FC44845A4CCD}"/>
+              </a:ext>
+            </a:extLst>
+          </p:cNvPr>
+          <p:cNvPicPr>
+            <a:picLocks noChangeAspect="1" noChangeArrowheads="1"/>
+          </p:cNvPicPr>
+          <p:nvPr/>
+        </p:nvPicPr>
+        <p:blipFill rotWithShape="1">
+          <a:blip r:embed="rId2">
+            <a:extLst>
+              <a:ext uri="{28A0092B-C50C-407E-A947-70E740481C1C}">
+                <a14:useLocalDpi xmlns:a14="http://schemas.microsoft.com/office/drawing/2010/main" val="0"/>
+              </a:ext>
+            </a:extLst>
+          </a:blip>
+          <a:srcRect l="14292" r="18114"/>
+          <a:stretch/>
+        </p:blipFill>
+        <p:spPr bwMode="auto">
+          <a:xfrm>
+            <a:off x="20" y="10"/>
+            <a:ext cx="4635571" cy="6857990"/>
+          </a:xfrm>
+          <a:prstGeom prst="rect">
+            <a:avLst/>
+          </a:prstGeom>
+          <a:noFill/>
+          <a:effectLst/>
+          <a:extLst>
+            <a:ext uri="{909E8E84-426E-40DD-AFC4-6F175D3DCCD1}">
+              <a14:hiddenFill xmlns:a14="http://schemas.microsoft.com/office/drawing/2010/main">
+                <a:solidFill>
+                  <a:srgbClr val="FFFFFF"/>
+                </a:solidFill>
+              </a14:hiddenFill>
+            </a:ext>
+          </a:extLst>
+        </p:spPr>
+      </p:pic>
+      <p:cxnSp>
+        <p:nvCxnSpPr>
+          <p:cNvPr id="4103" name="Straight Connector 4102">
+            <a:extLst>
+              <a:ext uri="{FF2B5EF4-FFF2-40B4-BE49-F238E27FC236}">
+                <a16:creationId xmlns:a16="http://schemas.microsoft.com/office/drawing/2014/main" id="{A7F400EE-A8A5-48AF-B4D6-291B52C6F0B0}"/>
+              </a:ext>
+              <a:ext uri="{C183D7F6-B498-43B3-948B-1728B52AA6E4}">
+                <adec:decorative xmlns:adec="http://schemas.microsoft.com/office/drawing/2017/decorative" val="1"/>
+              </a:ext>
+            </a:extLst>
+          </p:cNvPr>
+          <p:cNvCxnSpPr>
+            <a:cxnSpLocks noGrp="1" noRot="1" noChangeAspect="1" noMove="1" noResize="1" noEditPoints="1" noAdjustHandles="1" noChangeArrowheads="1" noChangeShapeType="1"/>
+          </p:cNvCxnSpPr>
+          <p:nvPr>
+            <p:extLst>
+              <p:ext uri="{386F3935-93C4-4BCD-93E2-E3B085C9AB24}">
+                <p16:designElem xmlns:p16="http://schemas.microsoft.com/office/powerpoint/2015/main" val="1"/>
+              </p:ext>
+            </p:extLst>
+          </p:nvPr>
+        </p:nvCxnSpPr>
+        <p:spPr>
+          <a:xfrm>
+            <a:off x="5080934" y="2115117"/>
+            <a:ext cx="6309360" cy="0"/>
+          </a:xfrm>
+          <a:prstGeom prst="line">
+            <a:avLst/>
+          </a:prstGeom>
+          <a:ln w="19050">
+            <a:solidFill>
+              <a:schemeClr val="accent1"/>
+            </a:solidFill>
+          </a:ln>
+        </p:spPr>
+        <p:style>
+          <a:lnRef idx="1">
+            <a:schemeClr val="accent1"/>
+          </a:lnRef>
+          <a:fillRef idx="0">
+            <a:schemeClr val="accent1"/>
+          </a:fillRef>
+          <a:effectRef idx="0">
+            <a:schemeClr val="accent1"/>
+          </a:effectRef>
+          <a:fontRef idx="minor">
+            <a:schemeClr val="tx1"/>
+          </a:fontRef>
+        </p:style>
+      </p:cxnSp>
+    </p:spTree>
+    <p:extLst>
+      <p:ext uri="{BB962C8B-B14F-4D97-AF65-F5344CB8AC3E}">
+        <p14:creationId xmlns:p14="http://schemas.microsoft.com/office/powerpoint/2010/main" val="476640774"/>
+      </p:ext>
+    </p:extLst>
+  </p:cSld>
+  <p:clrMapOvr>
+    <a:masterClrMapping/>
+  </p:clrMapOvr>
+</p:sld>
+</file>
+
+<file path=ppt/slides/slide8.xml><?xml version="1.0" encoding="utf-8"?>
+<p:sld xmlns:a="http://schemas.openxmlformats.org/drawingml/2006/main" xmlns:r="http://schemas.openxmlformats.org/officeDocument/2006/relationships" xmlns:p="http://schemas.openxmlformats.org/presentationml/2006/main">
+  <p:cSld>
+    <p:bg>
+      <p:bgPr>
+        <a:solidFill>
+          <a:schemeClr val="bg1"/>
+        </a:solidFill>
+        <a:effectLst/>
+      </p:bgPr>
+    </p:bg>
+    <p:spTree>
+      <p:nvGrpSpPr>
+        <p:cNvPr id="1" name=""/>
+        <p:cNvGrpSpPr/>
+        <p:nvPr/>
+      </p:nvGrpSpPr>
+      <p:grpSpPr>
+        <a:xfrm>
+          <a:off x="0" y="0"/>
+          <a:ext cx="0" cy="0"/>
+          <a:chOff x="0" y="0"/>
+          <a:chExt cx="0" cy="0"/>
+        </a:xfrm>
+      </p:grpSpPr>
+      <p:sp useBgFill="1">
+        <p:nvSpPr>
+          <p:cNvPr id="7" name="Rectangle 6">
+            <a:extLst>
+              <a:ext uri="{FF2B5EF4-FFF2-40B4-BE49-F238E27FC236}">
+                <a16:creationId xmlns:a16="http://schemas.microsoft.com/office/drawing/2014/main" id="{FFD48BC7-DC40-47DE-87EE-9F4B6ECB9ABB}"/>
+              </a:ext>
+              <a:ext uri="{C183D7F6-B498-43B3-948B-1728B52AA6E4}">
+                <adec:decorative xmlns:adec="http://schemas.microsoft.com/office/drawing/2017/decorative" val="1"/>
+              </a:ext>
+            </a:extLst>
+          </p:cNvPr>
+          <p:cNvSpPr>
+            <a:spLocks noGrp="1" noRot="1" noChangeAspect="1" noMove="1" noResize="1" noEditPoints="1" noAdjustHandles="1" noChangeArrowheads="1" noChangeShapeType="1" noTextEdit="1"/>
+          </p:cNvSpPr>
+          <p:nvPr>
+            <p:extLst>
+              <p:ext uri="{386F3935-93C4-4BCD-93E2-E3B085C9AB24}">
+                <p16:designElem xmlns:p16="http://schemas.microsoft.com/office/powerpoint/2015/main" val="1"/>
+              </p:ext>
+            </p:extLst>
+          </p:nvPr>
+        </p:nvSpPr>
+        <p:spPr>
+          <a:xfrm>
+            <a:off x="0" y="0"/>
+            <a:ext cx="12192000" cy="6858000"/>
+          </a:xfrm>
+          <a:prstGeom prst="rect">
+            <a:avLst/>
+          </a:prstGeom>
+          <a:ln>
+            <a:noFill/>
+          </a:ln>
+        </p:spPr>
+        <p:style>
+          <a:lnRef idx="2">
+            <a:schemeClr val="accent1">
+              <a:shade val="50000"/>
+            </a:schemeClr>
+          </a:lnRef>
+          <a:fillRef idx="1">
+            <a:schemeClr val="accent1"/>
+          </a:fillRef>
+          <a:effectRef idx="0">
+            <a:schemeClr val="accent1"/>
+          </a:effectRef>
+          <a:fontRef idx="minor">
+            <a:schemeClr val="lt1"/>
+          </a:fontRef>
+        </p:style>
+        <p:txBody>
+          <a:bodyPr rtlCol="0" anchor="ctr"/>
+          <a:lstStyle/>
+          <a:p>
+            <a:pPr algn="ctr"/>
+            <a:endParaRPr lang="en-US"/>
+          </a:p>
+        </p:txBody>
+      </p:sp>
+      <p:sp useBgFill="1">
+        <p:nvSpPr>
+          <p:cNvPr id="9" name="Freeform: Shape 8">
+            <a:extLst>
+              <a:ext uri="{FF2B5EF4-FFF2-40B4-BE49-F238E27FC236}">
+                <a16:creationId xmlns:a16="http://schemas.microsoft.com/office/drawing/2014/main" id="{E502BBC7-2C76-46F3-BC24-5985BC13DB88}"/>
+              </a:ext>
+              <a:ext uri="{C183D7F6-B498-43B3-948B-1728B52AA6E4}">
+                <adec:decorative xmlns:adec="http://schemas.microsoft.com/office/drawing/2017/decorative" val="1"/>
+              </a:ext>
+            </a:extLst>
+          </p:cNvPr>
+          <p:cNvSpPr>
+            <a:spLocks noGrp="1" noRot="1" noChangeAspect="1" noMove="1" noResize="1" noEditPoints="1" noAdjustHandles="1" noChangeArrowheads="1" noChangeShapeType="1" noTextEdit="1"/>
+          </p:cNvSpPr>
+          <p:nvPr>
+            <p:extLst>
+              <p:ext uri="{386F3935-93C4-4BCD-93E2-E3B085C9AB24}">
+                <p16:designElem xmlns:p16="http://schemas.microsoft.com/office/powerpoint/2015/main" val="1"/>
+              </p:ext>
+            </p:extLst>
+          </p:nvPr>
+        </p:nvSpPr>
+        <p:spPr>
+          <a:xfrm>
+            <a:off x="1114425" y="0"/>
+            <a:ext cx="9963150" cy="6858000"/>
+          </a:xfrm>
+          <a:custGeom>
+            <a:avLst/>
+            <a:gdLst>
+              <a:gd name="connsiteX0" fmla="*/ 1595771 w 9963150"/>
+              <a:gd name="connsiteY0" fmla="*/ 0 h 6858000"/>
+              <a:gd name="connsiteX1" fmla="*/ 8367379 w 9963150"/>
+              <a:gd name="connsiteY1" fmla="*/ 0 h 6858000"/>
+              <a:gd name="connsiteX2" fmla="*/ 8504080 w 9963150"/>
+              <a:gd name="connsiteY2" fmla="*/ 130333 h 6858000"/>
+              <a:gd name="connsiteX3" fmla="*/ 9963150 w 9963150"/>
+              <a:gd name="connsiteY3" fmla="*/ 3652838 h 6858000"/>
+              <a:gd name="connsiteX4" fmla="*/ 8825600 w 9963150"/>
+              <a:gd name="connsiteY4" fmla="*/ 6821583 h 6858000"/>
+              <a:gd name="connsiteX5" fmla="*/ 8794055 w 9963150"/>
+              <a:gd name="connsiteY5" fmla="*/ 6858000 h 6858000"/>
+              <a:gd name="connsiteX6" fmla="*/ 1169096 w 9963150"/>
+              <a:gd name="connsiteY6" fmla="*/ 6858000 h 6858000"/>
+              <a:gd name="connsiteX7" fmla="*/ 1137550 w 9963150"/>
+              <a:gd name="connsiteY7" fmla="*/ 6821583 h 6858000"/>
+              <a:gd name="connsiteX8" fmla="*/ 0 w 9963150"/>
+              <a:gd name="connsiteY8" fmla="*/ 3652838 h 6858000"/>
+              <a:gd name="connsiteX9" fmla="*/ 1459070 w 9963150"/>
+              <a:gd name="connsiteY9" fmla="*/ 130333 h 6858000"/>
+            </a:gdLst>
+            <a:ahLst/>
+            <a:cxnLst>
+              <a:cxn ang="0">
+                <a:pos x="connsiteX0" y="connsiteY0"/>
+              </a:cxn>
+              <a:cxn ang="0">
+                <a:pos x="connsiteX1" y="connsiteY1"/>
+              </a:cxn>
+              <a:cxn ang="0">
+                <a:pos x="connsiteX2" y="connsiteY2"/>
+              </a:cxn>
+              <a:cxn ang="0">
+                <a:pos x="connsiteX3" y="connsiteY3"/>
+              </a:cxn>
+              <a:cxn ang="0">
+                <a:pos x="connsiteX4" y="connsiteY4"/>
+              </a:cxn>
+              <a:cxn ang="0">
+                <a:pos x="connsiteX5" y="connsiteY5"/>
+              </a:cxn>
+              <a:cxn ang="0">
+                <a:pos x="connsiteX6" y="connsiteY6"/>
+              </a:cxn>
+              <a:cxn ang="0">
+                <a:pos x="connsiteX7" y="connsiteY7"/>
+              </a:cxn>
+              <a:cxn ang="0">
+                <a:pos x="connsiteX8" y="connsiteY8"/>
+              </a:cxn>
+              <a:cxn ang="0">
+                <a:pos x="connsiteX9" y="connsiteY9"/>
+              </a:cxn>
+            </a:cxnLst>
+            <a:rect l="l" t="t" r="r" b="b"/>
+            <a:pathLst>
+              <a:path w="9963150" h="6858000">
+                <a:moveTo>
+                  <a:pt x="1595771" y="0"/>
+                </a:moveTo>
+                <a:lnTo>
+                  <a:pt x="8367379" y="0"/>
+                </a:lnTo>
+                <a:lnTo>
+                  <a:pt x="8504080" y="130333"/>
+                </a:lnTo>
+                <a:cubicBezTo>
+                  <a:pt x="9405568" y="1031820"/>
+                  <a:pt x="9963150" y="2277214"/>
+                  <a:pt x="9963150" y="3652838"/>
+                </a:cubicBezTo>
+                <a:cubicBezTo>
+                  <a:pt x="9963150" y="4856509"/>
+                  <a:pt x="9536251" y="5960473"/>
+                  <a:pt x="8825600" y="6821583"/>
+                </a:cubicBezTo>
+                <a:lnTo>
+                  <a:pt x="8794055" y="6858000"/>
+                </a:lnTo>
+                <a:lnTo>
+                  <a:pt x="1169096" y="6858000"/>
+                </a:lnTo>
+                <a:lnTo>
+                  <a:pt x="1137550" y="6821583"/>
+                </a:lnTo>
+                <a:cubicBezTo>
+                  <a:pt x="426899" y="5960473"/>
+                  <a:pt x="0" y="4856509"/>
+                  <a:pt x="0" y="3652838"/>
+                </a:cubicBezTo>
+                <a:cubicBezTo>
+                  <a:pt x="0" y="2277214"/>
+                  <a:pt x="557582" y="1031820"/>
+                  <a:pt x="1459070" y="130333"/>
+                </a:cubicBezTo>
+                <a:close/>
+              </a:path>
+            </a:pathLst>
+          </a:custGeom>
+          <a:ln w="9525">
+            <a:solidFill>
+              <a:srgbClr val="EFEFEF"/>
+            </a:solidFill>
+          </a:ln>
+          <a:effectLst>
+            <a:outerShdw blurRad="139700" sx="102000" sy="102000" algn="ctr" rotWithShape="0">
+              <a:schemeClr val="bg1">
+                <a:lumMod val="85000"/>
+                <a:alpha val="38000"/>
+              </a:schemeClr>
+            </a:outerShdw>
+          </a:effectLst>
+        </p:spPr>
+        <p:style>
+          <a:lnRef idx="2">
+            <a:schemeClr val="accent1">
+              <a:shade val="50000"/>
+            </a:schemeClr>
+          </a:lnRef>
+          <a:fillRef idx="1">
+            <a:schemeClr val="accent1"/>
+          </a:fillRef>
+          <a:effectRef idx="0">
+            <a:schemeClr val="accent1"/>
+          </a:effectRef>
+          <a:fontRef idx="minor">
+            <a:schemeClr val="lt1"/>
+          </a:fontRef>
+        </p:style>
+        <p:txBody>
+          <a:bodyPr wrap="square" rtlCol="0" anchor="ctr">
+            <a:noAutofit/>
+          </a:bodyPr>
+          <a:lstStyle/>
+          <a:p>
+            <a:pPr marL="0" marR="0" lvl="0" indent="0" algn="ctr" defTabSz="914400" rtl="0" eaLnBrk="1" fontAlgn="auto" latinLnBrk="0" hangingPunct="1">
+              <a:lnSpc>
+                <a:spcPct val="100000"/>
+              </a:lnSpc>
+              <a:spcBef>
+                <a:spcPts val="0"/>
+              </a:spcBef>
+              <a:spcAft>
+                <a:spcPts val="0"/>
+              </a:spcAft>
+              <a:buClrTx/>
+              <a:buSzTx/>
+              <a:buFontTx/>
+              <a:buNone/>
+              <a:tabLst/>
+              <a:defRPr/>
+            </a:pPr>
+            <a:endParaRPr kumimoji="0" lang="en-US" sz="1800" b="0" i="0" u="none" strike="noStrike" kern="1200" cap="none" spc="0" normalizeH="0" baseline="0" noProof="0">
+              <a:ln>
+                <a:noFill/>
+              </a:ln>
+              <a:solidFill>
+                <a:prstClr val="white"/>
+              </a:solidFill>
+              <a:effectLst/>
+              <a:uLnTx/>
+              <a:uFillTx/>
+              <a:latin typeface="Calibri" panose="020F0502020204030204"/>
+              <a:ea typeface="+mn-ea"/>
+              <a:cs typeface="+mn-cs"/>
+            </a:endParaRPr>
+          </a:p>
+        </p:txBody>
+      </p:sp>
+      <p:sp useBgFill="1">
+        <p:nvSpPr>
+          <p:cNvPr id="11" name="Freeform: Shape 10">
+            <a:extLst>
+              <a:ext uri="{FF2B5EF4-FFF2-40B4-BE49-F238E27FC236}">
+                <a16:creationId xmlns:a16="http://schemas.microsoft.com/office/drawing/2014/main" id="{C7F28D52-2A5F-4D23-81AE-7CB8B591C7AF}"/>
+              </a:ext>
+              <a:ext uri="{C183D7F6-B498-43B3-948B-1728B52AA6E4}">
+                <adec:decorative xmlns:adec="http://schemas.microsoft.com/office/drawing/2017/decorative" val="1"/>
+              </a:ext>
+            </a:extLst>
+          </p:cNvPr>
+          <p:cNvSpPr>
+            <a:spLocks noGrp="1" noRot="1" noChangeAspect="1" noMove="1" noResize="1" noEditPoints="1" noAdjustHandles="1" noChangeArrowheads="1" noChangeShapeType="1" noTextEdit="1"/>
+          </p:cNvSpPr>
+          <p:nvPr>
+            <p:extLst>
+              <p:ext uri="{386F3935-93C4-4BCD-93E2-E3B085C9AB24}">
+                <p16:designElem xmlns:p16="http://schemas.microsoft.com/office/powerpoint/2015/main" val="1"/>
+              </p:ext>
+            </p:extLst>
+          </p:nvPr>
+        </p:nvSpPr>
+        <p:spPr>
+          <a:xfrm>
+            <a:off x="1121664" y="0"/>
+            <a:ext cx="9948672" cy="6858000"/>
+          </a:xfrm>
+          <a:custGeom>
+            <a:avLst/>
+            <a:gdLst>
+              <a:gd name="connsiteX0" fmla="*/ 1595771 w 9963150"/>
+              <a:gd name="connsiteY0" fmla="*/ 0 h 6858000"/>
+              <a:gd name="connsiteX1" fmla="*/ 8367379 w 9963150"/>
+              <a:gd name="connsiteY1" fmla="*/ 0 h 6858000"/>
+              <a:gd name="connsiteX2" fmla="*/ 8504080 w 9963150"/>
+              <a:gd name="connsiteY2" fmla="*/ 130333 h 6858000"/>
+              <a:gd name="connsiteX3" fmla="*/ 9963150 w 9963150"/>
+              <a:gd name="connsiteY3" fmla="*/ 3652838 h 6858000"/>
+              <a:gd name="connsiteX4" fmla="*/ 8825600 w 9963150"/>
+              <a:gd name="connsiteY4" fmla="*/ 6821583 h 6858000"/>
+              <a:gd name="connsiteX5" fmla="*/ 8794055 w 9963150"/>
+              <a:gd name="connsiteY5" fmla="*/ 6858000 h 6858000"/>
+              <a:gd name="connsiteX6" fmla="*/ 1169096 w 9963150"/>
+              <a:gd name="connsiteY6" fmla="*/ 6858000 h 6858000"/>
+              <a:gd name="connsiteX7" fmla="*/ 1137550 w 9963150"/>
+              <a:gd name="connsiteY7" fmla="*/ 6821583 h 6858000"/>
+              <a:gd name="connsiteX8" fmla="*/ 0 w 9963150"/>
+              <a:gd name="connsiteY8" fmla="*/ 3652838 h 6858000"/>
+              <a:gd name="connsiteX9" fmla="*/ 1459070 w 9963150"/>
+              <a:gd name="connsiteY9" fmla="*/ 130333 h 6858000"/>
+            </a:gdLst>
+            <a:ahLst/>
+            <a:cxnLst>
+              <a:cxn ang="0">
+                <a:pos x="connsiteX0" y="connsiteY0"/>
+              </a:cxn>
+              <a:cxn ang="0">
+                <a:pos x="connsiteX1" y="connsiteY1"/>
+              </a:cxn>
+              <a:cxn ang="0">
+                <a:pos x="connsiteX2" y="connsiteY2"/>
+              </a:cxn>
+              <a:cxn ang="0">
+                <a:pos x="connsiteX3" y="connsiteY3"/>
+              </a:cxn>
+              <a:cxn ang="0">
+                <a:pos x="connsiteX4" y="connsiteY4"/>
+              </a:cxn>
+              <a:cxn ang="0">
+                <a:pos x="connsiteX5" y="connsiteY5"/>
+              </a:cxn>
+              <a:cxn ang="0">
+                <a:pos x="connsiteX6" y="connsiteY6"/>
+              </a:cxn>
+              <a:cxn ang="0">
+                <a:pos x="connsiteX7" y="connsiteY7"/>
+              </a:cxn>
+              <a:cxn ang="0">
+                <a:pos x="connsiteX8" y="connsiteY8"/>
+              </a:cxn>
+              <a:cxn ang="0">
+                <a:pos x="connsiteX9" y="connsiteY9"/>
+              </a:cxn>
+            </a:cxnLst>
+            <a:rect l="l" t="t" r="r" b="b"/>
+            <a:pathLst>
+              <a:path w="9963150" h="6858000">
+                <a:moveTo>
+                  <a:pt x="1595771" y="0"/>
+                </a:moveTo>
+                <a:lnTo>
+                  <a:pt x="8367379" y="0"/>
+                </a:lnTo>
+                <a:lnTo>
+                  <a:pt x="8504080" y="130333"/>
+                </a:lnTo>
+                <a:cubicBezTo>
+                  <a:pt x="9405568" y="1031820"/>
+                  <a:pt x="9963150" y="2277214"/>
+                  <a:pt x="9963150" y="3652838"/>
+                </a:cubicBezTo>
+                <a:cubicBezTo>
+                  <a:pt x="9963150" y="4856509"/>
+                  <a:pt x="9536251" y="5960473"/>
+                  <a:pt x="8825600" y="6821583"/>
+                </a:cubicBezTo>
+                <a:lnTo>
+                  <a:pt x="8794055" y="6858000"/>
+                </a:lnTo>
+                <a:lnTo>
+                  <a:pt x="1169096" y="6858000"/>
+                </a:lnTo>
+                <a:lnTo>
+                  <a:pt x="1137550" y="6821583"/>
+                </a:lnTo>
+                <a:cubicBezTo>
+                  <a:pt x="426899" y="5960473"/>
+                  <a:pt x="0" y="4856509"/>
+                  <a:pt x="0" y="3652838"/>
+                </a:cubicBezTo>
+                <a:cubicBezTo>
+                  <a:pt x="0" y="2277214"/>
+                  <a:pt x="557582" y="1031820"/>
+                  <a:pt x="1459070" y="130333"/>
+                </a:cubicBezTo>
+                <a:close/>
+              </a:path>
+            </a:pathLst>
+          </a:custGeom>
+          <a:ln w="9525">
+            <a:noFill/>
+          </a:ln>
+          <a:effectLst/>
+        </p:spPr>
+        <p:style>
+          <a:lnRef idx="2">
+            <a:schemeClr val="accent1">
+              <a:shade val="50000"/>
+            </a:schemeClr>
+          </a:lnRef>
+          <a:fillRef idx="1">
+            <a:schemeClr val="accent1"/>
+          </a:fillRef>
+          <a:effectRef idx="0">
+            <a:schemeClr val="accent1"/>
+          </a:effectRef>
+          <a:fontRef idx="minor">
+            <a:schemeClr val="lt1"/>
+          </a:fontRef>
+        </p:style>
+        <p:txBody>
+          <a:bodyPr wrap="square" rtlCol="0" anchor="ctr">
+            <a:noAutofit/>
+          </a:bodyPr>
+          <a:lstStyle/>
+          <a:p>
+            <a:pPr marL="0" marR="0" lvl="0" indent="0" algn="ctr" defTabSz="914400" rtl="0" eaLnBrk="1" fontAlgn="auto" latinLnBrk="0" hangingPunct="1">
+              <a:lnSpc>
+                <a:spcPct val="100000"/>
+              </a:lnSpc>
+              <a:spcBef>
+                <a:spcPts val="0"/>
+              </a:spcBef>
+              <a:spcAft>
+                <a:spcPts val="0"/>
+              </a:spcAft>
+              <a:buClrTx/>
+              <a:buSzTx/>
+              <a:buFontTx/>
+              <a:buNone/>
+              <a:tabLst/>
+              <a:defRPr/>
+            </a:pPr>
+            <a:endParaRPr kumimoji="0" lang="en-US" sz="1800" b="0" i="0" u="none" strike="noStrike" kern="1200" cap="none" spc="0" normalizeH="0" baseline="0" noProof="0">
+              <a:ln>
+                <a:noFill/>
+              </a:ln>
+              <a:solidFill>
+                <a:prstClr val="white"/>
+              </a:solidFill>
+              <a:effectLst/>
+              <a:uLnTx/>
+              <a:uFillTx/>
+              <a:latin typeface="Calibri" panose="020F0502020204030204"/>
+              <a:ea typeface="+mn-ea"/>
+              <a:cs typeface="+mn-cs"/>
+            </a:endParaRPr>
+          </a:p>
+        </p:txBody>
+      </p:sp>
+      <p:sp>
+        <p:nvSpPr>
+          <p:cNvPr id="2" name="Title 1">
+            <a:extLst>
+              <a:ext uri="{FF2B5EF4-FFF2-40B4-BE49-F238E27FC236}">
+                <a16:creationId xmlns:a16="http://schemas.microsoft.com/office/drawing/2014/main" id="{170312F6-3DC1-D75C-AB4B-56B90AF47DAD}"/>
+              </a:ext>
+            </a:extLst>
+          </p:cNvPr>
+          <p:cNvSpPr>
+            <a:spLocks noGrp="1"/>
+          </p:cNvSpPr>
+          <p:nvPr>
+            <p:ph type="title"/>
+          </p:nvPr>
+        </p:nvSpPr>
+        <p:spPr>
+          <a:xfrm>
+            <a:off x="1524003" y="1999615"/>
+            <a:ext cx="9144000" cy="2764028"/>
+          </a:xfrm>
+        </p:spPr>
+        <p:txBody>
+          <a:bodyPr vert="horz" lIns="91440" tIns="45720" rIns="91440" bIns="45720" rtlCol="0" anchor="ctr">
+            <a:normAutofit/>
+          </a:bodyPr>
+          <a:lstStyle/>
+          <a:p>
+            <a:pPr algn="ctr"/>
+            <a:r>
+              <a:rPr lang="en-US" sz="7200" kern="1200">
+                <a:solidFill>
+                  <a:schemeClr val="tx1"/>
+                </a:solidFill>
+                <a:latin typeface="+mj-lt"/>
+                <a:ea typeface="+mj-ea"/>
+                <a:cs typeface="+mj-cs"/>
+              </a:rPr>
+              <a:t>Questions?</a:t>
+            </a:r>
+          </a:p>
+        </p:txBody>
+      </p:sp>
+      <p:sp>
+        <p:nvSpPr>
+          <p:cNvPr id="13" name="Rectangle 12">
+            <a:extLst>
+              <a:ext uri="{FF2B5EF4-FFF2-40B4-BE49-F238E27FC236}">
+                <a16:creationId xmlns:a16="http://schemas.microsoft.com/office/drawing/2014/main" id="{3629484E-3792-4B3D-89AD-7C8A1ED0E0D4}"/>
+              </a:ext>
+              <a:ext uri="{C183D7F6-B498-43B3-948B-1728B52AA6E4}">
+                <adec:decorative xmlns:adec="http://schemas.microsoft.com/office/drawing/2017/decorative" val="1"/>
+              </a:ext>
+            </a:extLst>
+          </p:cNvPr>
+          <p:cNvSpPr>
+            <a:spLocks noGrp="1" noRot="1" noChangeAspect="1" noMove="1" noResize="1" noEditPoints="1" noAdjustHandles="1" noChangeArrowheads="1" noChangeShapeType="1" noTextEdit="1"/>
+          </p:cNvSpPr>
+          <p:nvPr>
+            <p:extLst>
+              <p:ext uri="{386F3935-93C4-4BCD-93E2-E3B085C9AB24}">
+                <p16:designElem xmlns:p16="http://schemas.microsoft.com/office/powerpoint/2015/main" val="1"/>
+              </p:ext>
+            </p:extLst>
+          </p:nvPr>
+        </p:nvSpPr>
+        <p:spPr>
+          <a:xfrm>
+            <a:off x="3718560" y="5524786"/>
+            <a:ext cx="4754880" cy="27432"/>
+          </a:xfrm>
+          <a:prstGeom prst="rect">
+            <a:avLst/>
+          </a:prstGeom>
+          <a:solidFill>
+            <a:schemeClr val="accent2"/>
+          </a:solidFill>
+          <a:ln>
+            <a:noFill/>
+          </a:ln>
+        </p:spPr>
+        <p:style>
+          <a:lnRef idx="2">
+            <a:schemeClr val="accent1">
+              <a:shade val="50000"/>
+            </a:schemeClr>
+          </a:lnRef>
+          <a:fillRef idx="1">
+            <a:schemeClr val="accent1"/>
+          </a:fillRef>
+          <a:effectRef idx="0">
+            <a:schemeClr val="accent1"/>
+          </a:effectRef>
+          <a:fontRef idx="minor">
+            <a:schemeClr val="lt1"/>
+          </a:fontRef>
+        </p:style>
+        <p:txBody>
+          <a:bodyPr rtlCol="0" anchor="ctr"/>
+          <a:lstStyle/>
+          <a:p>
+            <a:pPr marL="0" marR="0" lvl="0" indent="0" algn="ctr" defTabSz="914400" rtl="0" eaLnBrk="1" fontAlgn="auto" latinLnBrk="0" hangingPunct="1">
+              <a:lnSpc>
+                <a:spcPct val="100000"/>
+              </a:lnSpc>
+              <a:spcBef>
+                <a:spcPts val="0"/>
+              </a:spcBef>
+              <a:spcAft>
+                <a:spcPts val="0"/>
+              </a:spcAft>
+              <a:buClrTx/>
+              <a:buSzTx/>
+              <a:buFontTx/>
+              <a:buNone/>
+              <a:tabLst/>
+              <a:defRPr/>
+            </a:pPr>
+            <a:endParaRPr kumimoji="0" lang="en-US" sz="1800" b="0" i="0" u="none" strike="noStrike" kern="1200" cap="none" spc="0" normalizeH="0" baseline="0" noProof="0">
+              <a:ln>
+                <a:noFill/>
+              </a:ln>
+              <a:solidFill>
+                <a:prstClr val="white"/>
+              </a:solidFill>
+              <a:effectLst/>
+              <a:uLnTx/>
+              <a:uFillTx/>
+              <a:latin typeface="Calibri" panose="020F0502020204030204"/>
+              <a:ea typeface="+mn-ea"/>
+              <a:cs typeface="+mn-cs"/>
+            </a:endParaRPr>
           </a:p>
         </p:txBody>
       </p:sp>
     </p:spTree>
     <p:extLst>
       <p:ext uri="{BB962C8B-B14F-4D97-AF65-F5344CB8AC3E}">
-        <p14:creationId xmlns:p14="http://schemas.microsoft.com/office/powerpoint/2010/main" val="3737284166"/>
+        <p14:creationId xmlns:p14="http://schemas.microsoft.com/office/powerpoint/2010/main" val="3797961413"/>
       </p:ext>
     </p:extLst>
   </p:cSld>
